--- a/assets/diagrams.pptx
+++ b/assets/diagrams.pptx
@@ -164,10 +164,9 @@
           </a:lstStyle>
           <a:p>
             <a:r>
-              <a:rPr lang="en-US" smtClean="0"/>
+              <a:rPr lang="en-US"/>
               <a:t>Click to edit Master title style</a:t>
             </a:r>
-            <a:endParaRPr lang="en-US"/>
           </a:p>
         </p:txBody>
       </p:sp>
@@ -229,10 +228,9 @@
           </a:lstStyle>
           <a:p>
             <a:r>
-              <a:rPr lang="en-US" smtClean="0"/>
+              <a:rPr lang="en-US"/>
               <a:t>Click to edit Master subtitle style</a:t>
             </a:r>
-            <a:endParaRPr lang="en-US"/>
           </a:p>
         </p:txBody>
       </p:sp>
@@ -347,10 +345,9 @@
           <a:lstStyle/>
           <a:p>
             <a:r>
-              <a:rPr lang="en-US" smtClean="0"/>
+              <a:rPr lang="en-US"/>
               <a:t>Click to edit Master title style</a:t>
             </a:r>
-            <a:endParaRPr lang="en-US"/>
           </a:p>
         </p:txBody>
       </p:sp>
@@ -371,38 +368,37 @@
           <a:p>
             <a:pPr lvl="0"/>
             <a:r>
-              <a:rPr lang="en-US" smtClean="0"/>
+              <a:rPr lang="en-US"/>
               <a:t>Edit Master text styles</a:t>
             </a:r>
           </a:p>
           <a:p>
             <a:pPr lvl="1"/>
             <a:r>
-              <a:rPr lang="en-US" smtClean="0"/>
+              <a:rPr lang="en-US"/>
               <a:t>Second level</a:t>
             </a:r>
           </a:p>
           <a:p>
             <a:pPr lvl="2"/>
             <a:r>
-              <a:rPr lang="en-US" smtClean="0"/>
+              <a:rPr lang="en-US"/>
               <a:t>Third level</a:t>
             </a:r>
           </a:p>
           <a:p>
             <a:pPr lvl="3"/>
             <a:r>
-              <a:rPr lang="en-US" smtClean="0"/>
+              <a:rPr lang="en-US"/>
               <a:t>Fourth level</a:t>
             </a:r>
           </a:p>
           <a:p>
             <a:pPr lvl="4"/>
             <a:r>
-              <a:rPr lang="en-US" smtClean="0"/>
+              <a:rPr lang="en-US"/>
               <a:t>Fifth level</a:t>
             </a:r>
-            <a:endParaRPr lang="en-US"/>
           </a:p>
         </p:txBody>
       </p:sp>
@@ -522,10 +518,9 @@
           <a:lstStyle/>
           <a:p>
             <a:r>
-              <a:rPr lang="en-US" smtClean="0"/>
+              <a:rPr lang="en-US"/>
               <a:t>Click to edit Master title style</a:t>
             </a:r>
-            <a:endParaRPr lang="en-US"/>
           </a:p>
         </p:txBody>
       </p:sp>
@@ -551,38 +546,37 @@
           <a:p>
             <a:pPr lvl="0"/>
             <a:r>
-              <a:rPr lang="en-US" smtClean="0"/>
+              <a:rPr lang="en-US"/>
               <a:t>Edit Master text styles</a:t>
             </a:r>
           </a:p>
           <a:p>
             <a:pPr lvl="1"/>
             <a:r>
-              <a:rPr lang="en-US" smtClean="0"/>
+              <a:rPr lang="en-US"/>
               <a:t>Second level</a:t>
             </a:r>
           </a:p>
           <a:p>
             <a:pPr lvl="2"/>
             <a:r>
-              <a:rPr lang="en-US" smtClean="0"/>
+              <a:rPr lang="en-US"/>
               <a:t>Third level</a:t>
             </a:r>
           </a:p>
           <a:p>
             <a:pPr lvl="3"/>
             <a:r>
-              <a:rPr lang="en-US" smtClean="0"/>
+              <a:rPr lang="en-US"/>
               <a:t>Fourth level</a:t>
             </a:r>
           </a:p>
           <a:p>
             <a:pPr lvl="4"/>
             <a:r>
-              <a:rPr lang="en-US" smtClean="0"/>
+              <a:rPr lang="en-US"/>
               <a:t>Fifth level</a:t>
             </a:r>
-            <a:endParaRPr lang="en-US"/>
           </a:p>
         </p:txBody>
       </p:sp>
@@ -697,10 +691,9 @@
           <a:lstStyle/>
           <a:p>
             <a:r>
-              <a:rPr lang="en-US" smtClean="0"/>
+              <a:rPr lang="en-US"/>
               <a:t>Click to edit Master title style</a:t>
             </a:r>
-            <a:endParaRPr lang="en-US"/>
           </a:p>
         </p:txBody>
       </p:sp>
@@ -721,38 +714,37 @@
           <a:p>
             <a:pPr lvl="0"/>
             <a:r>
-              <a:rPr lang="en-US" smtClean="0"/>
+              <a:rPr lang="en-US"/>
               <a:t>Edit Master text styles</a:t>
             </a:r>
           </a:p>
           <a:p>
             <a:pPr lvl="1"/>
             <a:r>
-              <a:rPr lang="en-US" smtClean="0"/>
+              <a:rPr lang="en-US"/>
               <a:t>Second level</a:t>
             </a:r>
           </a:p>
           <a:p>
             <a:pPr lvl="2"/>
             <a:r>
-              <a:rPr lang="en-US" smtClean="0"/>
+              <a:rPr lang="en-US"/>
               <a:t>Third level</a:t>
             </a:r>
           </a:p>
           <a:p>
             <a:pPr lvl="3"/>
             <a:r>
-              <a:rPr lang="en-US" smtClean="0"/>
+              <a:rPr lang="en-US"/>
               <a:t>Fourth level</a:t>
             </a:r>
           </a:p>
           <a:p>
             <a:pPr lvl="4"/>
             <a:r>
-              <a:rPr lang="en-US" smtClean="0"/>
+              <a:rPr lang="en-US"/>
               <a:t>Fifth level</a:t>
             </a:r>
-            <a:endParaRPr lang="en-US"/>
           </a:p>
         </p:txBody>
       </p:sp>
@@ -876,10 +868,9 @@
           </a:lstStyle>
           <a:p>
             <a:r>
-              <a:rPr lang="en-US" smtClean="0"/>
+              <a:rPr lang="en-US"/>
               <a:t>Click to edit Master title style</a:t>
             </a:r>
-            <a:endParaRPr lang="en-US"/>
           </a:p>
         </p:txBody>
       </p:sp>
@@ -996,7 +987,7 @@
           <a:p>
             <a:pPr lvl="0"/>
             <a:r>
-              <a:rPr lang="en-US" smtClean="0"/>
+              <a:rPr lang="en-US"/>
               <a:t>Edit Master text styles</a:t>
             </a:r>
           </a:p>
@@ -1113,10 +1104,9 @@
           <a:lstStyle/>
           <a:p>
             <a:r>
-              <a:rPr lang="en-US" smtClean="0"/>
+              <a:rPr lang="en-US"/>
               <a:t>Click to edit Master title style</a:t>
             </a:r>
-            <a:endParaRPr lang="en-US"/>
           </a:p>
         </p:txBody>
       </p:sp>
@@ -1142,38 +1132,37 @@
           <a:p>
             <a:pPr lvl="0"/>
             <a:r>
-              <a:rPr lang="en-US" smtClean="0"/>
+              <a:rPr lang="en-US"/>
               <a:t>Edit Master text styles</a:t>
             </a:r>
           </a:p>
           <a:p>
             <a:pPr lvl="1"/>
             <a:r>
-              <a:rPr lang="en-US" smtClean="0"/>
+              <a:rPr lang="en-US"/>
               <a:t>Second level</a:t>
             </a:r>
           </a:p>
           <a:p>
             <a:pPr lvl="2"/>
             <a:r>
-              <a:rPr lang="en-US" smtClean="0"/>
+              <a:rPr lang="en-US"/>
               <a:t>Third level</a:t>
             </a:r>
           </a:p>
           <a:p>
             <a:pPr lvl="3"/>
             <a:r>
-              <a:rPr lang="en-US" smtClean="0"/>
+              <a:rPr lang="en-US"/>
               <a:t>Fourth level</a:t>
             </a:r>
           </a:p>
           <a:p>
             <a:pPr lvl="4"/>
             <a:r>
-              <a:rPr lang="en-US" smtClean="0"/>
+              <a:rPr lang="en-US"/>
               <a:t>Fifth level</a:t>
             </a:r>
-            <a:endParaRPr lang="en-US"/>
           </a:p>
         </p:txBody>
       </p:sp>
@@ -1199,38 +1188,37 @@
           <a:p>
             <a:pPr lvl="0"/>
             <a:r>
-              <a:rPr lang="en-US" smtClean="0"/>
+              <a:rPr lang="en-US"/>
               <a:t>Edit Master text styles</a:t>
             </a:r>
           </a:p>
           <a:p>
             <a:pPr lvl="1"/>
             <a:r>
-              <a:rPr lang="en-US" smtClean="0"/>
+              <a:rPr lang="en-US"/>
               <a:t>Second level</a:t>
             </a:r>
           </a:p>
           <a:p>
             <a:pPr lvl="2"/>
             <a:r>
-              <a:rPr lang="en-US" smtClean="0"/>
+              <a:rPr lang="en-US"/>
               <a:t>Third level</a:t>
             </a:r>
           </a:p>
           <a:p>
             <a:pPr lvl="3"/>
             <a:r>
-              <a:rPr lang="en-US" smtClean="0"/>
+              <a:rPr lang="en-US"/>
               <a:t>Fourth level</a:t>
             </a:r>
           </a:p>
           <a:p>
             <a:pPr lvl="4"/>
             <a:r>
-              <a:rPr lang="en-US" smtClean="0"/>
+              <a:rPr lang="en-US"/>
               <a:t>Fifth level</a:t>
             </a:r>
-            <a:endParaRPr lang="en-US"/>
           </a:p>
         </p:txBody>
       </p:sp>
@@ -1350,10 +1338,9 @@
           <a:lstStyle/>
           <a:p>
             <a:r>
-              <a:rPr lang="en-US" smtClean="0"/>
+              <a:rPr lang="en-US"/>
               <a:t>Click to edit Master title style</a:t>
             </a:r>
-            <a:endParaRPr lang="en-US"/>
           </a:p>
         </p:txBody>
       </p:sp>
@@ -1416,7 +1403,7 @@
           <a:p>
             <a:pPr lvl="0"/>
             <a:r>
-              <a:rPr lang="en-US" smtClean="0"/>
+              <a:rPr lang="en-US"/>
               <a:t>Edit Master text styles</a:t>
             </a:r>
           </a:p>
@@ -1444,38 +1431,37 @@
           <a:p>
             <a:pPr lvl="0"/>
             <a:r>
-              <a:rPr lang="en-US" smtClean="0"/>
+              <a:rPr lang="en-US"/>
               <a:t>Edit Master text styles</a:t>
             </a:r>
           </a:p>
           <a:p>
             <a:pPr lvl="1"/>
             <a:r>
-              <a:rPr lang="en-US" smtClean="0"/>
+              <a:rPr lang="en-US"/>
               <a:t>Second level</a:t>
             </a:r>
           </a:p>
           <a:p>
             <a:pPr lvl="2"/>
             <a:r>
-              <a:rPr lang="en-US" smtClean="0"/>
+              <a:rPr lang="en-US"/>
               <a:t>Third level</a:t>
             </a:r>
           </a:p>
           <a:p>
             <a:pPr lvl="3"/>
             <a:r>
-              <a:rPr lang="en-US" smtClean="0"/>
+              <a:rPr lang="en-US"/>
               <a:t>Fourth level</a:t>
             </a:r>
           </a:p>
           <a:p>
             <a:pPr lvl="4"/>
             <a:r>
-              <a:rPr lang="en-US" smtClean="0"/>
+              <a:rPr lang="en-US"/>
               <a:t>Fifth level</a:t>
             </a:r>
-            <a:endParaRPr lang="en-US"/>
           </a:p>
         </p:txBody>
       </p:sp>
@@ -1538,7 +1524,7 @@
           <a:p>
             <a:pPr lvl="0"/>
             <a:r>
-              <a:rPr lang="en-US" smtClean="0"/>
+              <a:rPr lang="en-US"/>
               <a:t>Edit Master text styles</a:t>
             </a:r>
           </a:p>
@@ -1566,38 +1552,37 @@
           <a:p>
             <a:pPr lvl="0"/>
             <a:r>
-              <a:rPr lang="en-US" smtClean="0"/>
+              <a:rPr lang="en-US"/>
               <a:t>Edit Master text styles</a:t>
             </a:r>
           </a:p>
           <a:p>
             <a:pPr lvl="1"/>
             <a:r>
-              <a:rPr lang="en-US" smtClean="0"/>
+              <a:rPr lang="en-US"/>
               <a:t>Second level</a:t>
             </a:r>
           </a:p>
           <a:p>
             <a:pPr lvl="2"/>
             <a:r>
-              <a:rPr lang="en-US" smtClean="0"/>
+              <a:rPr lang="en-US"/>
               <a:t>Third level</a:t>
             </a:r>
           </a:p>
           <a:p>
             <a:pPr lvl="3"/>
             <a:r>
-              <a:rPr lang="en-US" smtClean="0"/>
+              <a:rPr lang="en-US"/>
               <a:t>Fourth level</a:t>
             </a:r>
           </a:p>
           <a:p>
             <a:pPr lvl="4"/>
             <a:r>
-              <a:rPr lang="en-US" smtClean="0"/>
+              <a:rPr lang="en-US"/>
               <a:t>Fifth level</a:t>
             </a:r>
-            <a:endParaRPr lang="en-US"/>
           </a:p>
         </p:txBody>
       </p:sp>
@@ -1712,10 +1697,9 @@
           <a:lstStyle/>
           <a:p>
             <a:r>
-              <a:rPr lang="en-US" smtClean="0"/>
+              <a:rPr lang="en-US"/>
               <a:t>Click to edit Master title style</a:t>
             </a:r>
-            <a:endParaRPr lang="en-US"/>
           </a:p>
         </p:txBody>
       </p:sp>
@@ -1934,10 +1918,9 @@
           </a:lstStyle>
           <a:p>
             <a:r>
-              <a:rPr lang="en-US" smtClean="0"/>
+              <a:rPr lang="en-US"/>
               <a:t>Click to edit Master title style</a:t>
             </a:r>
-            <a:endParaRPr lang="en-US"/>
           </a:p>
         </p:txBody>
       </p:sp>
@@ -1991,38 +1974,37 @@
           <a:p>
             <a:pPr lvl="0"/>
             <a:r>
-              <a:rPr lang="en-US" smtClean="0"/>
+              <a:rPr lang="en-US"/>
               <a:t>Edit Master text styles</a:t>
             </a:r>
           </a:p>
           <a:p>
             <a:pPr lvl="1"/>
             <a:r>
-              <a:rPr lang="en-US" smtClean="0"/>
+              <a:rPr lang="en-US"/>
               <a:t>Second level</a:t>
             </a:r>
           </a:p>
           <a:p>
             <a:pPr lvl="2"/>
             <a:r>
-              <a:rPr lang="en-US" smtClean="0"/>
+              <a:rPr lang="en-US"/>
               <a:t>Third level</a:t>
             </a:r>
           </a:p>
           <a:p>
             <a:pPr lvl="3"/>
             <a:r>
-              <a:rPr lang="en-US" smtClean="0"/>
+              <a:rPr lang="en-US"/>
               <a:t>Fourth level</a:t>
             </a:r>
           </a:p>
           <a:p>
             <a:pPr lvl="4"/>
             <a:r>
-              <a:rPr lang="en-US" smtClean="0"/>
+              <a:rPr lang="en-US"/>
               <a:t>Fifth level</a:t>
             </a:r>
-            <a:endParaRPr lang="en-US"/>
           </a:p>
         </p:txBody>
       </p:sp>
@@ -2085,7 +2067,7 @@
           <a:p>
             <a:pPr lvl="0"/>
             <a:r>
-              <a:rPr lang="en-US" smtClean="0"/>
+              <a:rPr lang="en-US"/>
               <a:t>Edit Master text styles</a:t>
             </a:r>
           </a:p>
@@ -2211,10 +2193,9 @@
           </a:lstStyle>
           <a:p>
             <a:r>
-              <a:rPr lang="en-US" smtClean="0"/>
+              <a:rPr lang="en-US"/>
               <a:t>Click to edit Master title style</a:t>
             </a:r>
-            <a:endParaRPr lang="en-US"/>
           </a:p>
         </p:txBody>
       </p:sp>
@@ -2338,7 +2319,7 @@
           <a:p>
             <a:pPr lvl="0"/>
             <a:r>
-              <a:rPr lang="en-US" smtClean="0"/>
+              <a:rPr lang="en-US"/>
               <a:t>Edit Master text styles</a:t>
             </a:r>
           </a:p>
@@ -2470,10 +2451,9 @@
           <a:lstStyle/>
           <a:p>
             <a:r>
-              <a:rPr lang="en-US" smtClean="0"/>
+              <a:rPr lang="en-US"/>
               <a:t>Click to edit Master title style</a:t>
             </a:r>
-            <a:endParaRPr lang="en-US"/>
           </a:p>
         </p:txBody>
       </p:sp>
@@ -2504,38 +2484,37 @@
           <a:p>
             <a:pPr lvl="0"/>
             <a:r>
-              <a:rPr lang="en-US" smtClean="0"/>
+              <a:rPr lang="en-US"/>
               <a:t>Edit Master text styles</a:t>
             </a:r>
           </a:p>
           <a:p>
             <a:pPr lvl="1"/>
             <a:r>
-              <a:rPr lang="en-US" smtClean="0"/>
+              <a:rPr lang="en-US"/>
               <a:t>Second level</a:t>
             </a:r>
           </a:p>
           <a:p>
             <a:pPr lvl="2"/>
             <a:r>
-              <a:rPr lang="en-US" smtClean="0"/>
+              <a:rPr lang="en-US"/>
               <a:t>Third level</a:t>
             </a:r>
           </a:p>
           <a:p>
             <a:pPr lvl="3"/>
             <a:r>
-              <a:rPr lang="en-US" smtClean="0"/>
+              <a:rPr lang="en-US"/>
               <a:t>Fourth level</a:t>
             </a:r>
           </a:p>
           <a:p>
             <a:pPr lvl="4"/>
             <a:r>
-              <a:rPr lang="en-US" smtClean="0"/>
+              <a:rPr lang="en-US"/>
               <a:t>Fifth level</a:t>
             </a:r>
-            <a:endParaRPr lang="en-US"/>
           </a:p>
         </p:txBody>
       </p:sp>
@@ -3012,7 +2991,7 @@
           <a:p>
             <a:pPr algn="ctr"/>
             <a:r>
-              <a:rPr lang="en-SG" dirty="0" smtClean="0"/>
+              <a:rPr lang="en-SG" dirty="0"/>
               <a:t>Objects</a:t>
             </a:r>
           </a:p>
@@ -3051,7 +3030,7 @@
           <a:p>
             <a:pPr algn="ctr"/>
             <a:r>
-              <a:rPr lang="en-SG" dirty="0" smtClean="0"/>
+              <a:rPr lang="en-SG" dirty="0"/>
               <a:t>Collections of Objects</a:t>
             </a:r>
           </a:p>
@@ -3105,7 +3084,7 @@
             <a:p>
               <a:pPr algn="ctr"/>
               <a:r>
-                <a:rPr lang="en-SG" dirty="0" smtClean="0"/>
+                <a:rPr lang="en-SG" dirty="0"/>
                 <a:t>Points</a:t>
               </a:r>
             </a:p>
@@ -3115,11 +3094,7 @@
             </a:p>
             <a:p>
               <a:pPr algn="ctr"/>
-              <a:endParaRPr lang="en-SG" dirty="0" smtClean="0"/>
-            </a:p>
-            <a:p>
-              <a:pPr algn="ctr"/>
-              <a:endParaRPr lang="en-SG" dirty="0" smtClean="0"/>
+              <a:endParaRPr lang="en-SG" dirty="0"/>
             </a:p>
             <a:p>
               <a:pPr algn="ctr"/>
@@ -3127,7 +3102,11 @@
             </a:p>
             <a:p>
               <a:pPr algn="ctr"/>
-              <a:endParaRPr lang="en-SG" dirty="0" smtClean="0"/>
+              <a:endParaRPr lang="en-SG" dirty="0"/>
+            </a:p>
+            <a:p>
+              <a:pPr algn="ctr"/>
+              <a:endParaRPr lang="en-SG" dirty="0"/>
             </a:p>
             <a:p>
               <a:pPr algn="ctr"/>
@@ -3169,35 +3148,35 @@
             <a:p>
               <a:pPr algn="ctr"/>
               <a:r>
-                <a:rPr lang="en-SG" dirty="0" smtClean="0"/>
+                <a:rPr lang="en-SG" dirty="0"/>
                 <a:t>Topology</a:t>
               </a:r>
               <a:br>
-                <a:rPr lang="en-SG" dirty="0" smtClean="0"/>
+                <a:rPr lang="en-SG" dirty="0"/>
               </a:br>
               <a:r>
-                <a:rPr lang="en-SG" sz="1600" dirty="0" smtClean="0"/>
+                <a:rPr lang="en-SG" sz="1600" dirty="0"/>
                 <a:t>-</a:t>
               </a:r>
               <a:br>
-                <a:rPr lang="en-SG" sz="1600" dirty="0" smtClean="0"/>
+                <a:rPr lang="en-SG" sz="1600" dirty="0"/>
               </a:br>
               <a:r>
-                <a:rPr lang="en-SG" sz="1600" dirty="0" smtClean="0"/>
+                <a:rPr lang="en-SG" sz="1600" dirty="0"/>
                 <a:t>-</a:t>
               </a:r>
               <a:br>
-                <a:rPr lang="en-SG" sz="1600" dirty="0" smtClean="0"/>
+                <a:rPr lang="en-SG" sz="1600" dirty="0"/>
               </a:br>
               <a:r>
-                <a:rPr lang="en-SG" sz="1600" dirty="0" smtClean="0"/>
+                <a:rPr lang="en-SG" sz="1600" dirty="0"/>
                 <a:t>-</a:t>
               </a:r>
               <a:br>
-                <a:rPr lang="en-SG" sz="1600" dirty="0" smtClean="0"/>
+                <a:rPr lang="en-SG" sz="1600" dirty="0"/>
               </a:br>
               <a:r>
-                <a:rPr lang="en-SG" sz="1600" i="1" dirty="0" smtClean="0"/>
+                <a:rPr lang="en-SG" sz="1600" i="1" dirty="0"/>
                 <a:t>vertices</a:t>
               </a:r>
               <a:endParaRPr lang="en-US" sz="1600" dirty="0"/>
@@ -3253,7 +3232,7 @@
             <a:p>
               <a:pPr algn="ctr"/>
               <a:r>
-                <a:rPr lang="en-SG" dirty="0" smtClean="0"/>
+                <a:rPr lang="en-SG" dirty="0"/>
                 <a:t>Polylines</a:t>
               </a:r>
             </a:p>
@@ -3263,7 +3242,7 @@
             </a:p>
             <a:p>
               <a:pPr algn="ctr"/>
-              <a:endParaRPr lang="en-SG" dirty="0" smtClean="0"/>
+              <a:endParaRPr lang="en-SG" dirty="0"/>
             </a:p>
             <a:p>
               <a:pPr algn="ctr"/>
@@ -3271,7 +3250,7 @@
             </a:p>
             <a:p>
               <a:pPr algn="ctr"/>
-              <a:endParaRPr lang="en-SG" dirty="0" smtClean="0"/>
+              <a:endParaRPr lang="en-SG" dirty="0"/>
             </a:p>
             <a:p>
               <a:pPr algn="ctr"/>
@@ -3279,7 +3258,7 @@
             </a:p>
             <a:p>
               <a:pPr algn="ctr"/>
-              <a:endParaRPr lang="en-SG" dirty="0" smtClean="0"/>
+              <a:endParaRPr lang="en-SG" dirty="0"/>
             </a:p>
           </p:txBody>
         </p:sp>
@@ -3317,35 +3296,35 @@
             <a:p>
               <a:pPr algn="ctr"/>
               <a:r>
-                <a:rPr lang="en-SG" dirty="0" smtClean="0"/>
+                <a:rPr lang="en-SG" dirty="0"/>
                 <a:t>Topology</a:t>
               </a:r>
               <a:br>
-                <a:rPr lang="en-SG" dirty="0" smtClean="0"/>
+                <a:rPr lang="en-SG" dirty="0"/>
               </a:br>
               <a:r>
-                <a:rPr lang="en-SG" sz="1600" dirty="0" smtClean="0"/>
+                <a:rPr lang="en-SG" sz="1600" dirty="0"/>
                 <a:t>-</a:t>
               </a:r>
               <a:br>
-                <a:rPr lang="en-SG" sz="1600" dirty="0" smtClean="0"/>
+                <a:rPr lang="en-SG" sz="1600" dirty="0"/>
               </a:br>
               <a:r>
-                <a:rPr lang="en-SG" sz="1600" i="1" dirty="0" smtClean="0"/>
+                <a:rPr lang="en-SG" sz="1600" i="1" dirty="0"/>
                 <a:t>wires</a:t>
               </a:r>
               <a:br>
-                <a:rPr lang="en-SG" sz="1600" i="1" dirty="0" smtClean="0"/>
+                <a:rPr lang="en-SG" sz="1600" i="1" dirty="0"/>
               </a:br>
               <a:r>
-                <a:rPr lang="en-SG" sz="1600" i="1" dirty="0" smtClean="0"/>
+                <a:rPr lang="en-SG" sz="1600" i="1" dirty="0"/>
                 <a:t>edges</a:t>
               </a:r>
               <a:br>
-                <a:rPr lang="en-SG" sz="1600" i="1" dirty="0" smtClean="0"/>
+                <a:rPr lang="en-SG" sz="1600" i="1" dirty="0"/>
               </a:br>
               <a:r>
-                <a:rPr lang="en-SG" sz="1600" i="1" dirty="0" smtClean="0"/>
+                <a:rPr lang="en-SG" sz="1600" i="1" dirty="0"/>
                 <a:t>vertices</a:t>
               </a:r>
               <a:endParaRPr lang="en-US" sz="1600" dirty="0"/>
@@ -3401,7 +3380,7 @@
             <a:p>
               <a:pPr algn="ctr"/>
               <a:r>
-                <a:rPr lang="en-SG" dirty="0" smtClean="0"/>
+                <a:rPr lang="en-SG" dirty="0"/>
                 <a:t>Polygons</a:t>
               </a:r>
             </a:p>
@@ -3411,7 +3390,7 @@
             </a:p>
             <a:p>
               <a:pPr algn="ctr"/>
-              <a:endParaRPr lang="en-SG" dirty="0" smtClean="0"/>
+              <a:endParaRPr lang="en-SG" dirty="0"/>
             </a:p>
             <a:p>
               <a:pPr algn="ctr"/>
@@ -3419,7 +3398,7 @@
             </a:p>
             <a:p>
               <a:pPr algn="ctr"/>
-              <a:endParaRPr lang="en-SG" dirty="0" smtClean="0"/>
+              <a:endParaRPr lang="en-SG" dirty="0"/>
             </a:p>
             <a:p>
               <a:pPr algn="ctr"/>
@@ -3465,35 +3444,35 @@
             <a:p>
               <a:pPr algn="ctr"/>
               <a:r>
-                <a:rPr lang="en-SG" dirty="0" smtClean="0"/>
+                <a:rPr lang="en-SG" dirty="0"/>
                 <a:t>Topology</a:t>
               </a:r>
               <a:br>
-                <a:rPr lang="en-SG" dirty="0" smtClean="0"/>
+                <a:rPr lang="en-SG" dirty="0"/>
               </a:br>
               <a:r>
-                <a:rPr lang="en-SG" sz="1600" i="1" dirty="0" smtClean="0"/>
+                <a:rPr lang="en-SG" sz="1600" i="1" dirty="0"/>
                 <a:t>faces</a:t>
               </a:r>
               <a:br>
-                <a:rPr lang="en-SG" sz="1600" i="1" dirty="0" smtClean="0"/>
+                <a:rPr lang="en-SG" sz="1600" i="1" dirty="0"/>
               </a:br>
               <a:r>
-                <a:rPr lang="en-SG" sz="1600" i="1" dirty="0" smtClean="0"/>
+                <a:rPr lang="en-SG" sz="1600" i="1" dirty="0"/>
                 <a:t>wires</a:t>
               </a:r>
               <a:br>
-                <a:rPr lang="en-SG" sz="1600" i="1" dirty="0" smtClean="0"/>
+                <a:rPr lang="en-SG" sz="1600" i="1" dirty="0"/>
               </a:br>
               <a:r>
-                <a:rPr lang="en-SG" sz="1600" i="1" dirty="0" smtClean="0"/>
+                <a:rPr lang="en-SG" sz="1600" i="1" dirty="0"/>
                 <a:t>edges</a:t>
               </a:r>
               <a:br>
-                <a:rPr lang="en-SG" sz="1600" i="1" dirty="0" smtClean="0"/>
+                <a:rPr lang="en-SG" sz="1600" i="1" dirty="0"/>
               </a:br>
               <a:r>
-                <a:rPr lang="en-SG" sz="1600" i="1" dirty="0" smtClean="0"/>
+                <a:rPr lang="en-SG" sz="1600" i="1" dirty="0"/>
                 <a:t>vertices</a:t>
               </a:r>
               <a:endParaRPr lang="en-US" sz="1600" dirty="0"/>
@@ -3534,7 +3513,7 @@
           <a:p>
             <a:pPr algn="ctr"/>
             <a:r>
-              <a:rPr lang="en-SG" dirty="0" smtClean="0"/>
+              <a:rPr lang="en-SG" dirty="0"/>
               <a:t>Positions (linked to vertices)</a:t>
             </a:r>
           </a:p>
@@ -3567,7 +3546,7 @@
           <a:p>
             <a:pPr algn="ctr"/>
             <a:r>
-              <a:rPr lang="en-SG" dirty="0" smtClean="0"/>
+              <a:rPr lang="en-SG" dirty="0"/>
               <a:t>Entities</a:t>
             </a:r>
           </a:p>
@@ -3629,13 +3608,6 @@
   <p:clrMapOvr>
     <a:masterClrMapping/>
   </p:clrMapOvr>
-  <p:timing>
-    <p:tnLst>
-      <p:par>
-        <p:cTn id="1" dur="indefinite" restart="never" nodeType="tmRoot"/>
-      </p:par>
-    </p:tnLst>
-  </p:timing>
 </p:sld>
 </file>
 
@@ -3689,7 +3661,7 @@
           <a:p>
             <a:pPr algn="ctr"/>
             <a:r>
-              <a:rPr lang="en-SG" b="1" dirty="0" smtClean="0">
+              <a:rPr lang="en-SG" b="1" dirty="0">
                 <a:solidFill>
                   <a:schemeClr val="accent2"/>
                 </a:solidFill>
@@ -3737,20 +3709,12 @@
           <a:p>
             <a:pPr algn="ctr"/>
             <a:r>
-              <a:rPr lang="en-SG" dirty="0" smtClean="0">
+              <a:rPr lang="en-SG" dirty="0">
                 <a:solidFill>
                   <a:schemeClr val="accent2"/>
                 </a:solidFill>
               </a:rPr>
-              <a:t>_</a:t>
-            </a:r>
-            <a:r>
-              <a:rPr lang="en-SG" dirty="0" smtClean="0">
-                <a:solidFill>
-                  <a:schemeClr val="accent2"/>
-                </a:solidFill>
-              </a:rPr>
-              <a:t>w1</a:t>
+              <a:t>_w1</a:t>
             </a:r>
             <a:endParaRPr lang="en-US" dirty="0">
               <a:solidFill>
@@ -3910,7 +3874,7 @@
           <a:p>
             <a:pPr algn="ctr"/>
             <a:r>
-              <a:rPr lang="en-SG" b="1" dirty="0" smtClean="0">
+              <a:rPr lang="en-SG" b="1" dirty="0">
                 <a:solidFill>
                   <a:schemeClr val="accent1"/>
                 </a:solidFill>
@@ -3958,7 +3922,7 @@
           <a:p>
             <a:pPr algn="ctr"/>
             <a:r>
-              <a:rPr lang="en-SG" dirty="0" smtClean="0">
+              <a:rPr lang="en-SG" dirty="0">
                 <a:solidFill>
                   <a:schemeClr val="accent1"/>
                 </a:solidFill>
@@ -4021,7 +3985,7 @@
             <a:p>
               <a:pPr algn="ctr"/>
               <a:r>
-                <a:rPr lang="en-SG" dirty="0" smtClean="0">
+                <a:rPr lang="en-SG" dirty="0">
                   <a:solidFill>
                     <a:schemeClr val="accent1"/>
                   </a:solidFill>
@@ -4065,7 +4029,7 @@
             <a:p>
               <a:pPr algn="ctr"/>
               <a:r>
-                <a:rPr lang="en-SG" dirty="0" smtClean="0">
+                <a:rPr lang="en-SG" dirty="0">
                   <a:solidFill>
                     <a:schemeClr val="accent1"/>
                   </a:solidFill>
@@ -4109,7 +4073,7 @@
             <a:p>
               <a:pPr algn="ctr"/>
               <a:r>
-                <a:rPr lang="en-SG" dirty="0" smtClean="0">
+                <a:rPr lang="en-SG" dirty="0">
                   <a:solidFill>
                     <a:schemeClr val="accent1"/>
                   </a:solidFill>
@@ -4172,7 +4136,7 @@
             <a:p>
               <a:pPr algn="ctr"/>
               <a:r>
-                <a:rPr lang="en-SG" dirty="0" smtClean="0">
+                <a:rPr lang="en-SG" dirty="0">
                   <a:solidFill>
                     <a:schemeClr val="accent1"/>
                   </a:solidFill>
@@ -4220,7 +4184,7 @@
             <a:p>
               <a:pPr algn="ctr"/>
               <a:r>
-                <a:rPr lang="en-SG" dirty="0" smtClean="0">
+                <a:rPr lang="en-SG" dirty="0">
                   <a:solidFill>
                     <a:schemeClr val="accent1"/>
                   </a:solidFill>
@@ -4268,7 +4232,7 @@
             <a:p>
               <a:pPr algn="ctr"/>
               <a:r>
-                <a:rPr lang="en-SG" dirty="0" smtClean="0">
+                <a:rPr lang="en-SG" dirty="0">
                   <a:solidFill>
                     <a:schemeClr val="accent1"/>
                   </a:solidFill>
@@ -4671,12 +4635,8 @@
             <a:p>
               <a:pPr algn="ctr"/>
               <a:r>
-                <a:rPr lang="en-SG" b="1" dirty="0" smtClean="0"/>
-                <a:t>ps</a:t>
-              </a:r>
-              <a:r>
-                <a:rPr lang="en-SG" b="1" dirty="0" smtClean="0"/>
-                <a:t>0</a:t>
+                <a:rPr lang="en-SG" b="1" dirty="0"/>
+                <a:t>ps0</a:t>
               </a:r>
               <a:endParaRPr lang="en-US" b="1" dirty="0"/>
             </a:p>
@@ -4715,12 +4675,8 @@
             <a:p>
               <a:pPr algn="ctr"/>
               <a:r>
-                <a:rPr lang="en-SG" b="1" dirty="0" smtClean="0"/>
-                <a:t>ps</a:t>
-              </a:r>
-              <a:r>
-                <a:rPr lang="en-SG" b="1" dirty="0" smtClean="0"/>
-                <a:t>1</a:t>
+                <a:rPr lang="en-SG" b="1" dirty="0"/>
+                <a:t>ps1</a:t>
               </a:r>
               <a:endParaRPr lang="en-US" b="1" dirty="0"/>
             </a:p>
@@ -4759,12 +4715,8 @@
             <a:p>
               <a:pPr algn="ctr"/>
               <a:r>
-                <a:rPr lang="en-SG" b="1" dirty="0" smtClean="0"/>
-                <a:t>ps</a:t>
-              </a:r>
-              <a:r>
-                <a:rPr lang="en-SG" b="1" dirty="0" smtClean="0"/>
-                <a:t>2</a:t>
+                <a:rPr lang="en-SG" b="1" dirty="0"/>
+                <a:t>ps2</a:t>
               </a:r>
               <a:endParaRPr lang="en-US" b="1" dirty="0"/>
             </a:p>
@@ -4803,12 +4755,8 @@
             <a:p>
               <a:pPr algn="ctr"/>
               <a:r>
-                <a:rPr lang="en-SG" b="1" dirty="0" smtClean="0"/>
-                <a:t>ps</a:t>
-              </a:r>
-              <a:r>
-                <a:rPr lang="en-SG" b="1" dirty="0" smtClean="0"/>
-                <a:t>3</a:t>
+                <a:rPr lang="en-SG" b="1" dirty="0"/>
+                <a:t>ps3</a:t>
               </a:r>
               <a:endParaRPr lang="en-US" b="1" dirty="0"/>
             </a:p>
@@ -4994,14 +4942,14 @@
           <a:lstStyle/>
           <a:p>
             <a:r>
-              <a:rPr lang="en-SG" dirty="0" smtClean="0"/>
+              <a:rPr lang="en-SG" dirty="0"/>
               <a:t>Polygon 0 has </a:t>
             </a:r>
             <a:br>
-              <a:rPr lang="en-SG" dirty="0" smtClean="0"/>
+              <a:rPr lang="en-SG" dirty="0"/>
             </a:br>
             <a:r>
-              <a:rPr lang="en-SG" dirty="0" smtClean="0"/>
+              <a:rPr lang="en-SG" dirty="0"/>
               <a:t>3 vertices</a:t>
             </a:r>
             <a:endParaRPr lang="en-US" dirty="0"/>
@@ -5032,14 +4980,14 @@
           <a:p>
             <a:pPr algn="r"/>
             <a:r>
-              <a:rPr lang="en-SG" dirty="0" smtClean="0"/>
+              <a:rPr lang="en-SG" dirty="0"/>
               <a:t>Polygon 1 has </a:t>
             </a:r>
             <a:br>
-              <a:rPr lang="en-SG" dirty="0" smtClean="0"/>
+              <a:rPr lang="en-SG" dirty="0"/>
             </a:br>
             <a:r>
-              <a:rPr lang="en-SG" dirty="0" smtClean="0"/>
+              <a:rPr lang="en-SG" dirty="0"/>
               <a:t>3 vertices</a:t>
             </a:r>
             <a:endParaRPr lang="en-US" dirty="0"/>
@@ -5070,19 +5018,19 @@
           <a:p>
             <a:pPr algn="ctr"/>
             <a:r>
-              <a:rPr lang="en-SG" dirty="0" smtClean="0"/>
+              <a:rPr lang="en-SG" dirty="0"/>
               <a:t>The two polygons share two position </a:t>
             </a:r>
             <a:r>
-              <a:rPr lang="en-SG" b="1" dirty="0" smtClean="0"/>
+              <a:rPr lang="en-SG" b="1" dirty="0"/>
               <a:t>ps1 </a:t>
             </a:r>
             <a:r>
-              <a:rPr lang="en-SG" dirty="0" smtClean="0"/>
+              <a:rPr lang="en-SG" dirty="0"/>
               <a:t>and</a:t>
             </a:r>
             <a:r>
-              <a:rPr lang="en-SG" b="1" dirty="0" smtClean="0"/>
+              <a:rPr lang="en-SG" b="1" dirty="0"/>
               <a:t> ps3</a:t>
             </a:r>
             <a:endParaRPr lang="en-US" b="1" dirty="0"/>
@@ -5126,7 +5074,7 @@
             <a:lstStyle/>
             <a:p>
               <a:r>
-                <a:rPr lang="en-SG" b="1" dirty="0" smtClean="0"/>
+                <a:rPr lang="en-SG" b="1" dirty="0"/>
                 <a:t>ps0</a:t>
               </a:r>
               <a:endParaRPr lang="en-US" b="1" dirty="0"/>
@@ -5156,7 +5104,7 @@
             <a:lstStyle/>
             <a:p>
               <a:r>
-                <a:rPr lang="en-SG" b="1" dirty="0" smtClean="0"/>
+                <a:rPr lang="en-SG" b="1" dirty="0"/>
                 <a:t>ps1</a:t>
               </a:r>
               <a:endParaRPr lang="en-US" b="1" dirty="0"/>
@@ -5186,7 +5134,7 @@
             <a:lstStyle/>
             <a:p>
               <a:r>
-                <a:rPr lang="en-SG" b="1" dirty="0" smtClean="0"/>
+                <a:rPr lang="en-SG" b="1" dirty="0"/>
                 <a:t>ps3</a:t>
               </a:r>
               <a:endParaRPr lang="en-US" b="1" dirty="0"/>
@@ -5216,7 +5164,7 @@
             <a:lstStyle/>
             <a:p>
               <a:r>
-                <a:rPr lang="en-SG" b="1" dirty="0" smtClean="0"/>
+                <a:rPr lang="en-SG" b="1" dirty="0"/>
                 <a:t>ps2</a:t>
               </a:r>
               <a:endParaRPr lang="en-US" b="1" dirty="0"/>
@@ -5705,7 +5653,7 @@
             <a:lstStyle/>
             <a:p>
               <a:r>
-                <a:rPr lang="en-SG" b="1" dirty="0" smtClean="0">
+                <a:rPr lang="en-SG" b="1" dirty="0">
                   <a:solidFill>
                     <a:schemeClr val="accent1"/>
                   </a:solidFill>
@@ -5743,7 +5691,7 @@
             <a:lstStyle/>
             <a:p>
               <a:r>
-                <a:rPr lang="en-SG" b="1" dirty="0" smtClean="0">
+                <a:rPr lang="en-SG" b="1" dirty="0">
                   <a:solidFill>
                     <a:schemeClr val="accent2"/>
                   </a:solidFill>
@@ -5883,20 +5831,12 @@
             <a:p>
               <a:pPr algn="ctr"/>
               <a:r>
-                <a:rPr lang="en-SG" dirty="0" smtClean="0">
+                <a:rPr lang="en-SG" dirty="0">
                   <a:solidFill>
                     <a:schemeClr val="accent2"/>
                   </a:solidFill>
                 </a:rPr>
-                <a:t>_</a:t>
-              </a:r>
-              <a:r>
-                <a:rPr lang="en-SG" dirty="0" smtClean="0">
-                  <a:solidFill>
-                    <a:schemeClr val="accent2"/>
-                  </a:solidFill>
-                </a:rPr>
-                <a:t>e3</a:t>
+                <a:t>_e3</a:t>
               </a:r>
               <a:endParaRPr lang="en-US" dirty="0">
                 <a:solidFill>
@@ -5935,20 +5875,12 @@
             <a:p>
               <a:pPr algn="ctr"/>
               <a:r>
-                <a:rPr lang="en-SG" dirty="0" smtClean="0">
+                <a:rPr lang="en-SG" dirty="0">
                   <a:solidFill>
                     <a:schemeClr val="accent2"/>
                   </a:solidFill>
                 </a:rPr>
-                <a:t>_</a:t>
-              </a:r>
-              <a:r>
-                <a:rPr lang="en-SG" dirty="0" smtClean="0">
-                  <a:solidFill>
-                    <a:schemeClr val="accent2"/>
-                  </a:solidFill>
-                </a:rPr>
-                <a:t>e4</a:t>
+                <a:t>_e4</a:t>
               </a:r>
               <a:endParaRPr lang="en-US" dirty="0">
                 <a:solidFill>
@@ -5987,20 +5919,12 @@
             <a:p>
               <a:pPr algn="ctr"/>
               <a:r>
-                <a:rPr lang="en-SG" dirty="0" smtClean="0">
+                <a:rPr lang="en-SG" dirty="0">
                   <a:solidFill>
                     <a:schemeClr val="accent2"/>
                   </a:solidFill>
                 </a:rPr>
-                <a:t>_</a:t>
-              </a:r>
-              <a:r>
-                <a:rPr lang="en-SG" dirty="0" smtClean="0">
-                  <a:solidFill>
-                    <a:schemeClr val="accent2"/>
-                  </a:solidFill>
-                </a:rPr>
-                <a:t>e5</a:t>
+                <a:t>_e5</a:t>
               </a:r>
               <a:endParaRPr lang="en-US" dirty="0">
                 <a:solidFill>
@@ -6058,20 +5982,12 @@
             <a:p>
               <a:pPr algn="ctr"/>
               <a:r>
-                <a:rPr lang="en-SG" dirty="0" smtClean="0">
+                <a:rPr lang="en-SG" dirty="0">
                   <a:solidFill>
                     <a:schemeClr val="accent2"/>
                   </a:solidFill>
                 </a:rPr>
-                <a:t>_</a:t>
-              </a:r>
-              <a:r>
-                <a:rPr lang="en-SG" dirty="0" smtClean="0">
-                  <a:solidFill>
-                    <a:schemeClr val="accent2"/>
-                  </a:solidFill>
-                </a:rPr>
-                <a:t>v3</a:t>
+                <a:t>_v3</a:t>
               </a:r>
               <a:endParaRPr lang="en-US" dirty="0">
                 <a:solidFill>
@@ -6114,20 +6030,12 @@
             <a:p>
               <a:pPr algn="ctr"/>
               <a:r>
-                <a:rPr lang="en-SG" dirty="0" smtClean="0">
+                <a:rPr lang="en-SG" dirty="0">
                   <a:solidFill>
                     <a:schemeClr val="accent2"/>
                   </a:solidFill>
                 </a:rPr>
-                <a:t>_</a:t>
-              </a:r>
-              <a:r>
-                <a:rPr lang="en-SG" dirty="0" smtClean="0">
-                  <a:solidFill>
-                    <a:schemeClr val="accent2"/>
-                  </a:solidFill>
-                </a:rPr>
-                <a:t>v4</a:t>
+                <a:t>_v4</a:t>
               </a:r>
               <a:endParaRPr lang="en-US" dirty="0">
                 <a:solidFill>
@@ -6170,20 +6078,12 @@
             <a:p>
               <a:pPr algn="ctr"/>
               <a:r>
-                <a:rPr lang="en-SG" dirty="0" smtClean="0">
+                <a:rPr lang="en-SG" dirty="0">
                   <a:solidFill>
                     <a:schemeClr val="accent2"/>
                   </a:solidFill>
                 </a:rPr>
-                <a:t>_</a:t>
-              </a:r>
-              <a:r>
-                <a:rPr lang="en-SG" dirty="0" smtClean="0">
-                  <a:solidFill>
-                    <a:schemeClr val="accent2"/>
-                  </a:solidFill>
-                </a:rPr>
-                <a:t>v5</a:t>
+                <a:t>_v5</a:t>
               </a:r>
               <a:endParaRPr lang="en-US" dirty="0">
                 <a:solidFill>
@@ -6505,13 +6405,6 @@
   <p:clrMapOvr>
     <a:masterClrMapping/>
   </p:clrMapOvr>
-  <p:timing>
-    <p:tnLst>
-      <p:par>
-        <p:cTn id="1" dur="indefinite" restart="never" nodeType="tmRoot"/>
-      </p:par>
-    </p:tnLst>
-  </p:timing>
 </p:sld>
 </file>
 
@@ -6565,7 +6458,7 @@
           <a:p>
             <a:pPr algn="ctr"/>
             <a:r>
-              <a:rPr lang="en-SG" b="1" dirty="0" smtClean="0">
+              <a:rPr lang="en-SG" b="1" dirty="0">
                 <a:solidFill>
                   <a:schemeClr val="accent2"/>
                 </a:solidFill>
@@ -6613,20 +6506,12 @@
           <a:p>
             <a:pPr algn="ctr"/>
             <a:r>
-              <a:rPr lang="en-SG" dirty="0" smtClean="0">
+              <a:rPr lang="en-SG" dirty="0">
                 <a:solidFill>
                   <a:schemeClr val="accent2"/>
                 </a:solidFill>
               </a:rPr>
-              <a:t>_</a:t>
-            </a:r>
-            <a:r>
-              <a:rPr lang="en-SG" dirty="0" smtClean="0">
-                <a:solidFill>
-                  <a:schemeClr val="accent2"/>
-                </a:solidFill>
-              </a:rPr>
-              <a:t>w1</a:t>
+              <a:t>_w1</a:t>
             </a:r>
             <a:endParaRPr lang="en-US" dirty="0">
               <a:solidFill>
@@ -6786,7 +6671,7 @@
           <a:p>
             <a:pPr algn="ctr"/>
             <a:r>
-              <a:rPr lang="en-SG" b="1" dirty="0" smtClean="0">
+              <a:rPr lang="en-SG" b="1" dirty="0">
                 <a:solidFill>
                   <a:schemeClr val="accent1"/>
                 </a:solidFill>
@@ -6834,7 +6719,7 @@
           <a:p>
             <a:pPr algn="ctr"/>
             <a:r>
-              <a:rPr lang="en-SG" dirty="0" smtClean="0">
+              <a:rPr lang="en-SG" dirty="0">
                 <a:solidFill>
                   <a:schemeClr val="accent1"/>
                 </a:solidFill>
@@ -6897,7 +6782,7 @@
             <a:p>
               <a:pPr algn="ctr"/>
               <a:r>
-                <a:rPr lang="en-SG" dirty="0" smtClean="0">
+                <a:rPr lang="en-SG" dirty="0">
                   <a:solidFill>
                     <a:schemeClr val="accent1"/>
                   </a:solidFill>
@@ -6941,7 +6826,7 @@
             <a:p>
               <a:pPr algn="ctr"/>
               <a:r>
-                <a:rPr lang="en-SG" dirty="0" smtClean="0">
+                <a:rPr lang="en-SG" dirty="0">
                   <a:solidFill>
                     <a:schemeClr val="accent1"/>
                   </a:solidFill>
@@ -6985,7 +6870,7 @@
             <a:p>
               <a:pPr algn="ctr"/>
               <a:r>
-                <a:rPr lang="en-SG" dirty="0" smtClean="0">
+                <a:rPr lang="en-SG" dirty="0">
                   <a:solidFill>
                     <a:schemeClr val="accent1"/>
                   </a:solidFill>
@@ -7048,7 +6933,7 @@
             <a:p>
               <a:pPr algn="ctr"/>
               <a:r>
-                <a:rPr lang="en-SG" dirty="0" smtClean="0">
+                <a:rPr lang="en-SG" dirty="0">
                   <a:solidFill>
                     <a:schemeClr val="accent1"/>
                   </a:solidFill>
@@ -7096,7 +6981,7 @@
             <a:p>
               <a:pPr algn="ctr"/>
               <a:r>
-                <a:rPr lang="en-SG" dirty="0" smtClean="0">
+                <a:rPr lang="en-SG" dirty="0">
                   <a:solidFill>
                     <a:schemeClr val="accent1"/>
                   </a:solidFill>
@@ -7144,7 +7029,7 @@
             <a:p>
               <a:pPr algn="ctr"/>
               <a:r>
-                <a:rPr lang="en-SG" dirty="0" smtClean="0">
+                <a:rPr lang="en-SG" dirty="0">
                   <a:solidFill>
                     <a:schemeClr val="accent1"/>
                   </a:solidFill>
@@ -7547,12 +7432,8 @@
             <a:p>
               <a:pPr algn="ctr"/>
               <a:r>
-                <a:rPr lang="en-SG" b="1" dirty="0" smtClean="0"/>
-                <a:t>ps</a:t>
-              </a:r>
-              <a:r>
-                <a:rPr lang="en-SG" b="1" dirty="0" smtClean="0"/>
-                <a:t>0</a:t>
+                <a:rPr lang="en-SG" b="1" dirty="0"/>
+                <a:t>ps0</a:t>
               </a:r>
               <a:endParaRPr lang="en-US" b="1" dirty="0"/>
             </a:p>
@@ -7591,12 +7472,8 @@
             <a:p>
               <a:pPr algn="ctr"/>
               <a:r>
-                <a:rPr lang="en-SG" b="1" dirty="0" smtClean="0"/>
-                <a:t>ps</a:t>
-              </a:r>
-              <a:r>
-                <a:rPr lang="en-SG" b="1" dirty="0" smtClean="0"/>
-                <a:t>1</a:t>
+                <a:rPr lang="en-SG" b="1" dirty="0"/>
+                <a:t>ps1</a:t>
               </a:r>
               <a:endParaRPr lang="en-US" b="1" dirty="0"/>
             </a:p>
@@ -7635,12 +7512,8 @@
             <a:p>
               <a:pPr algn="ctr"/>
               <a:r>
-                <a:rPr lang="en-SG" b="1" dirty="0" smtClean="0"/>
-                <a:t>ps</a:t>
-              </a:r>
-              <a:r>
-                <a:rPr lang="en-SG" b="1" dirty="0" smtClean="0"/>
-                <a:t>2</a:t>
+                <a:rPr lang="en-SG" b="1" dirty="0"/>
+                <a:t>ps2</a:t>
               </a:r>
               <a:endParaRPr lang="en-US" b="1" dirty="0"/>
             </a:p>
@@ -7679,12 +7552,8 @@
             <a:p>
               <a:pPr algn="ctr"/>
               <a:r>
-                <a:rPr lang="en-SG" b="1" dirty="0" smtClean="0"/>
-                <a:t>ps</a:t>
-              </a:r>
-              <a:r>
-                <a:rPr lang="en-SG" b="1" dirty="0" smtClean="0"/>
-                <a:t>3</a:t>
+                <a:rPr lang="en-SG" b="1" dirty="0"/>
+                <a:t>ps3</a:t>
               </a:r>
               <a:endParaRPr lang="en-US" b="1" dirty="0"/>
             </a:p>
@@ -7723,12 +7592,8 @@
             <a:p>
               <a:pPr algn="ctr"/>
               <a:r>
-                <a:rPr lang="en-SG" b="1" dirty="0" smtClean="0"/>
-                <a:t>ps</a:t>
-              </a:r>
-              <a:r>
                 <a:rPr lang="en-SG" b="1" dirty="0"/>
-                <a:t>4</a:t>
+                <a:t>ps4</a:t>
               </a:r>
               <a:endParaRPr lang="en-US" b="1" dirty="0"/>
             </a:p>
@@ -7767,12 +7632,8 @@
             <a:p>
               <a:pPr algn="ctr"/>
               <a:r>
-                <a:rPr lang="en-SG" b="1" dirty="0" smtClean="0"/>
-                <a:t>ps</a:t>
-              </a:r>
-              <a:r>
                 <a:rPr lang="en-SG" b="1" dirty="0"/>
-                <a:t>5</a:t>
+                <a:t>ps5</a:t>
               </a:r>
               <a:endParaRPr lang="en-US" b="1" dirty="0"/>
             </a:p>
@@ -7958,14 +7819,14 @@
           <a:lstStyle/>
           <a:p>
             <a:r>
-              <a:rPr lang="en-SG" dirty="0" smtClean="0"/>
+              <a:rPr lang="en-SG" dirty="0"/>
               <a:t>Polygon 0 has </a:t>
             </a:r>
             <a:br>
-              <a:rPr lang="en-SG" dirty="0" smtClean="0"/>
+              <a:rPr lang="en-SG" dirty="0"/>
             </a:br>
             <a:r>
-              <a:rPr lang="en-SG" dirty="0" smtClean="0"/>
+              <a:rPr lang="en-SG" dirty="0"/>
               <a:t>3 vertices</a:t>
             </a:r>
             <a:endParaRPr lang="en-US" dirty="0"/>
@@ -7996,14 +7857,14 @@
           <a:p>
             <a:pPr algn="r"/>
             <a:r>
-              <a:rPr lang="en-SG" dirty="0" smtClean="0"/>
+              <a:rPr lang="en-SG" dirty="0"/>
               <a:t>Polygon 1 has </a:t>
             </a:r>
             <a:br>
-              <a:rPr lang="en-SG" dirty="0" smtClean="0"/>
+              <a:rPr lang="en-SG" dirty="0"/>
             </a:br>
             <a:r>
-              <a:rPr lang="en-SG" dirty="0" smtClean="0"/>
+              <a:rPr lang="en-SG" dirty="0"/>
               <a:t>3 vertices</a:t>
             </a:r>
             <a:endParaRPr lang="en-US" dirty="0"/>
@@ -8034,7 +7895,7 @@
           <a:p>
             <a:pPr algn="ctr"/>
             <a:r>
-              <a:rPr lang="en-SG" dirty="0" smtClean="0"/>
+              <a:rPr lang="en-SG" dirty="0"/>
               <a:t>The two polygons do not share any positions</a:t>
             </a:r>
             <a:endParaRPr lang="en-US" b="1" dirty="0"/>
@@ -8078,7 +7939,7 @@
             <a:lstStyle/>
             <a:p>
               <a:r>
-                <a:rPr lang="en-SG" b="1" dirty="0" smtClean="0"/>
+                <a:rPr lang="en-SG" b="1" dirty="0"/>
                 <a:t>ps0</a:t>
               </a:r>
               <a:endParaRPr lang="en-US" b="1" dirty="0"/>
@@ -8108,7 +7969,7 @@
             <a:lstStyle/>
             <a:p>
               <a:r>
-                <a:rPr lang="en-SG" b="1" dirty="0" smtClean="0"/>
+                <a:rPr lang="en-SG" b="1" dirty="0"/>
                 <a:t>ps1</a:t>
               </a:r>
               <a:endParaRPr lang="en-US" b="1" dirty="0"/>
@@ -8138,7 +7999,7 @@
             <a:lstStyle/>
             <a:p>
               <a:r>
-                <a:rPr lang="en-SG" b="1" dirty="0" smtClean="0"/>
+                <a:rPr lang="en-SG" b="1" dirty="0"/>
                 <a:t>ps5</a:t>
               </a:r>
               <a:endParaRPr lang="en-US" b="1" dirty="0"/>
@@ -8168,7 +8029,7 @@
             <a:lstStyle/>
             <a:p>
               <a:r>
-                <a:rPr lang="en-SG" b="1" dirty="0" smtClean="0"/>
+                <a:rPr lang="en-SG" b="1" dirty="0"/>
                 <a:t>ps2</a:t>
               </a:r>
               <a:endParaRPr lang="en-US" b="1" dirty="0"/>
@@ -8657,7 +8518,7 @@
             <a:lstStyle/>
             <a:p>
               <a:r>
-                <a:rPr lang="en-SG" b="1" dirty="0" smtClean="0">
+                <a:rPr lang="en-SG" b="1" dirty="0">
                   <a:solidFill>
                     <a:schemeClr val="accent1"/>
                   </a:solidFill>
@@ -8695,7 +8556,7 @@
             <a:lstStyle/>
             <a:p>
               <a:r>
-                <a:rPr lang="en-SG" b="1" dirty="0" smtClean="0">
+                <a:rPr lang="en-SG" b="1" dirty="0">
                   <a:solidFill>
                     <a:schemeClr val="accent2"/>
                   </a:solidFill>
@@ -8825,7 +8686,7 @@
             <a:lstStyle/>
             <a:p>
               <a:r>
-                <a:rPr lang="en-SG" b="1" dirty="0" smtClean="0"/>
+                <a:rPr lang="en-SG" b="1" dirty="0"/>
                 <a:t>ps4</a:t>
               </a:r>
               <a:endParaRPr lang="en-US" b="1" dirty="0"/>
@@ -8855,7 +8716,7 @@
             <a:lstStyle/>
             <a:p>
               <a:r>
-                <a:rPr lang="en-SG" b="1" dirty="0" smtClean="0"/>
+                <a:rPr lang="en-SG" b="1" dirty="0"/>
                 <a:t>ps3</a:t>
               </a:r>
               <a:endParaRPr lang="en-US" b="1" dirty="0"/>
@@ -8987,20 +8848,12 @@
             <a:p>
               <a:pPr algn="ctr"/>
               <a:r>
-                <a:rPr lang="en-SG" dirty="0" smtClean="0">
+                <a:rPr lang="en-SG" dirty="0">
                   <a:solidFill>
                     <a:schemeClr val="accent2"/>
                   </a:solidFill>
                 </a:rPr>
-                <a:t>_</a:t>
-              </a:r>
-              <a:r>
-                <a:rPr lang="en-SG" dirty="0" smtClean="0">
-                  <a:solidFill>
-                    <a:schemeClr val="accent2"/>
-                  </a:solidFill>
-                </a:rPr>
-                <a:t>e3</a:t>
+                <a:t>_e3</a:t>
               </a:r>
               <a:endParaRPr lang="en-US" dirty="0">
                 <a:solidFill>
@@ -9039,20 +8892,12 @@
             <a:p>
               <a:pPr algn="ctr"/>
               <a:r>
-                <a:rPr lang="en-SG" dirty="0" smtClean="0">
+                <a:rPr lang="en-SG" dirty="0">
                   <a:solidFill>
                     <a:schemeClr val="accent2"/>
                   </a:solidFill>
                 </a:rPr>
-                <a:t>_</a:t>
-              </a:r>
-              <a:r>
-                <a:rPr lang="en-SG" dirty="0" smtClean="0">
-                  <a:solidFill>
-                    <a:schemeClr val="accent2"/>
-                  </a:solidFill>
-                </a:rPr>
-                <a:t>e4</a:t>
+                <a:t>_e4</a:t>
               </a:r>
               <a:endParaRPr lang="en-US" dirty="0">
                 <a:solidFill>
@@ -9091,20 +8936,12 @@
             <a:p>
               <a:pPr algn="ctr"/>
               <a:r>
-                <a:rPr lang="en-SG" dirty="0" smtClean="0">
+                <a:rPr lang="en-SG" dirty="0">
                   <a:solidFill>
                     <a:schemeClr val="accent2"/>
                   </a:solidFill>
                 </a:rPr>
-                <a:t>_</a:t>
-              </a:r>
-              <a:r>
-                <a:rPr lang="en-SG" dirty="0" smtClean="0">
-                  <a:solidFill>
-                    <a:schemeClr val="accent2"/>
-                  </a:solidFill>
-                </a:rPr>
-                <a:t>e5</a:t>
+                <a:t>_e5</a:t>
               </a:r>
               <a:endParaRPr lang="en-US" dirty="0">
                 <a:solidFill>
@@ -9162,20 +8999,12 @@
             <a:p>
               <a:pPr algn="ctr"/>
               <a:r>
-                <a:rPr lang="en-SG" dirty="0" smtClean="0">
+                <a:rPr lang="en-SG" dirty="0">
                   <a:solidFill>
                     <a:schemeClr val="accent2"/>
                   </a:solidFill>
                 </a:rPr>
-                <a:t>_</a:t>
-              </a:r>
-              <a:r>
-                <a:rPr lang="en-SG" dirty="0" smtClean="0">
-                  <a:solidFill>
-                    <a:schemeClr val="accent2"/>
-                  </a:solidFill>
-                </a:rPr>
-                <a:t>v3</a:t>
+                <a:t>_v3</a:t>
               </a:r>
               <a:endParaRPr lang="en-US" dirty="0">
                 <a:solidFill>
@@ -9218,20 +9047,12 @@
             <a:p>
               <a:pPr algn="ctr"/>
               <a:r>
-                <a:rPr lang="en-SG" dirty="0" smtClean="0">
+                <a:rPr lang="en-SG" dirty="0">
                   <a:solidFill>
                     <a:schemeClr val="accent2"/>
                   </a:solidFill>
                 </a:rPr>
-                <a:t>_</a:t>
-              </a:r>
-              <a:r>
-                <a:rPr lang="en-SG" dirty="0" smtClean="0">
-                  <a:solidFill>
-                    <a:schemeClr val="accent2"/>
-                  </a:solidFill>
-                </a:rPr>
-                <a:t>v4</a:t>
+                <a:t>_v4</a:t>
               </a:r>
               <a:endParaRPr lang="en-US" dirty="0">
                 <a:solidFill>
@@ -9274,20 +9095,12 @@
             <a:p>
               <a:pPr algn="ctr"/>
               <a:r>
-                <a:rPr lang="en-SG" dirty="0" smtClean="0">
+                <a:rPr lang="en-SG" dirty="0">
                   <a:solidFill>
                     <a:schemeClr val="accent2"/>
                   </a:solidFill>
                 </a:rPr>
-                <a:t>_</a:t>
-              </a:r>
-              <a:r>
-                <a:rPr lang="en-SG" dirty="0" smtClean="0">
-                  <a:solidFill>
-                    <a:schemeClr val="accent2"/>
-                  </a:solidFill>
-                </a:rPr>
-                <a:t>v5</a:t>
+                <a:t>_v5</a:t>
               </a:r>
               <a:endParaRPr lang="en-US" dirty="0">
                 <a:solidFill>
@@ -9609,13 +9422,6 @@
   <p:clrMapOvr>
     <a:masterClrMapping/>
   </p:clrMapOvr>
-  <p:timing>
-    <p:tnLst>
-      <p:par>
-        <p:cTn id="1" dur="indefinite" restart="never" nodeType="tmRoot"/>
-      </p:par>
-    </p:tnLst>
-  </p:timing>
 </p:sld>
 </file>
 
@@ -10314,7 +10120,7 @@
           <a:p>
             <a:pPr algn="ctr"/>
             <a:r>
-              <a:rPr lang="en-SG" dirty="0" smtClean="0"/>
+              <a:rPr lang="en-SG" dirty="0"/>
               <a:t>Points</a:t>
             </a:r>
             <a:endParaRPr lang="en-US" dirty="0"/>
@@ -10348,7 +10154,7 @@
           <a:p>
             <a:pPr algn="ctr"/>
             <a:r>
-              <a:rPr lang="en-SG" dirty="0" smtClean="0"/>
+              <a:rPr lang="en-SG" dirty="0"/>
               <a:t>Polylines</a:t>
             </a:r>
             <a:endParaRPr lang="en-US" dirty="0"/>
@@ -10382,7 +10188,7 @@
           <a:p>
             <a:pPr algn="ctr"/>
             <a:r>
-              <a:rPr lang="en-SG" dirty="0" smtClean="0"/>
+              <a:rPr lang="en-SG" dirty="0"/>
               <a:t>Polygons</a:t>
             </a:r>
             <a:endParaRPr lang="en-US" dirty="0"/>
@@ -10522,7 +10328,7 @@
           <a:p>
             <a:pPr algn="ctr"/>
             <a:r>
-              <a:rPr lang="en-SG" i="1" dirty="0" smtClean="0"/>
+              <a:rPr lang="en-SG" i="1" dirty="0"/>
               <a:t>Topology Faces</a:t>
             </a:r>
             <a:endParaRPr lang="en-US" i="1" dirty="0"/>
@@ -10556,7 +10362,7 @@
           <a:p>
             <a:pPr algn="ctr"/>
             <a:r>
-              <a:rPr lang="en-SG" i="1" dirty="0" smtClean="0"/>
+              <a:rPr lang="en-SG" i="1" dirty="0"/>
               <a:t>Topology Wires</a:t>
             </a:r>
             <a:endParaRPr lang="en-US" i="1" dirty="0"/>
@@ -10590,7 +10396,7 @@
           <a:p>
             <a:pPr algn="ctr"/>
             <a:r>
-              <a:rPr lang="en-SG" i="1" dirty="0" smtClean="0"/>
+              <a:rPr lang="en-SG" i="1" dirty="0"/>
               <a:t>Topology Edges</a:t>
             </a:r>
             <a:endParaRPr lang="en-US" i="1" dirty="0"/>
@@ -10624,7 +10430,7 @@
           <a:p>
             <a:pPr algn="ctr"/>
             <a:r>
-              <a:rPr lang="en-SG" i="1" dirty="0" smtClean="0"/>
+              <a:rPr lang="en-SG" i="1" dirty="0"/>
               <a:t>Topology Vertices</a:t>
             </a:r>
             <a:endParaRPr lang="en-US" i="1" dirty="0"/>
@@ -10658,7 +10464,7 @@
           <a:p>
             <a:pPr algn="ctr"/>
             <a:r>
-              <a:rPr lang="en-SG" dirty="0" smtClean="0"/>
+              <a:rPr lang="en-SG" dirty="0"/>
               <a:t>Object</a:t>
             </a:r>
             <a:endParaRPr lang="en-US" dirty="0"/>
@@ -10692,7 +10498,7 @@
           <a:p>
             <a:pPr algn="ctr"/>
             <a:r>
-              <a:rPr lang="en-SG" i="1" dirty="0" smtClean="0"/>
+              <a:rPr lang="en-SG" i="1" dirty="0"/>
               <a:t>none</a:t>
             </a:r>
             <a:endParaRPr lang="en-US" i="1" dirty="0"/>
@@ -10726,7 +10532,7 @@
           <a:p>
             <a:pPr algn="ctr"/>
             <a:r>
-              <a:rPr lang="en-SG" i="1" dirty="0" smtClean="0"/>
+              <a:rPr lang="en-SG" i="1" dirty="0"/>
               <a:t>none</a:t>
             </a:r>
             <a:endParaRPr lang="en-US" i="1" dirty="0"/>
@@ -10760,7 +10566,7 @@
           <a:p>
             <a:pPr algn="ctr"/>
             <a:r>
-              <a:rPr lang="en-SG" i="1" dirty="0" smtClean="0"/>
+              <a:rPr lang="en-SG" i="1" dirty="0"/>
               <a:t>none</a:t>
             </a:r>
             <a:endParaRPr lang="en-US" i="1" dirty="0"/>
@@ -10794,7 +10600,7 @@
           <a:p>
             <a:pPr algn="ctr"/>
             <a:r>
-              <a:rPr lang="en-SG" i="1" dirty="0" smtClean="0"/>
+              <a:rPr lang="en-SG" i="1" dirty="0"/>
               <a:t>none</a:t>
             </a:r>
             <a:endParaRPr lang="en-US" i="1" dirty="0"/>
@@ -11928,7 +11734,7 @@
           <a:lstStyle/>
           <a:p>
             <a:r>
-              <a:rPr lang="en-SG" sz="1200" dirty="0" smtClean="0"/>
+              <a:rPr lang="en-SG" sz="1200" dirty="0"/>
               <a:t>_e0</a:t>
             </a:r>
             <a:endParaRPr lang="en-US" sz="1200" dirty="0"/>
@@ -11958,7 +11764,7 @@
           <a:lstStyle/>
           <a:p>
             <a:r>
-              <a:rPr lang="en-SG" sz="1200" dirty="0" smtClean="0"/>
+              <a:rPr lang="en-SG" sz="1200" dirty="0"/>
               <a:t>_e1</a:t>
             </a:r>
             <a:endParaRPr lang="en-US" sz="1200" dirty="0"/>
@@ -11988,7 +11794,7 @@
           <a:lstStyle/>
           <a:p>
             <a:r>
-              <a:rPr lang="en-SG" sz="1200" dirty="0" smtClean="0"/>
+              <a:rPr lang="en-SG" sz="1200" dirty="0"/>
               <a:t>_e2</a:t>
             </a:r>
             <a:endParaRPr lang="en-US" sz="1200" dirty="0"/>
@@ -12018,7 +11824,7 @@
           <a:lstStyle/>
           <a:p>
             <a:r>
-              <a:rPr lang="en-SG" sz="1200" dirty="0" smtClean="0"/>
+              <a:rPr lang="en-SG" sz="1200" dirty="0"/>
               <a:t>_w0</a:t>
             </a:r>
             <a:endParaRPr lang="en-US" sz="1200" dirty="0"/>
@@ -12048,7 +11854,7 @@
           <a:lstStyle/>
           <a:p>
             <a:r>
-              <a:rPr lang="en-SG" sz="1200" dirty="0" smtClean="0"/>
+              <a:rPr lang="en-SG" sz="1200" dirty="0"/>
               <a:t>_v0</a:t>
             </a:r>
             <a:endParaRPr lang="en-US" sz="1200" dirty="0"/>
@@ -12078,7 +11884,7 @@
           <a:lstStyle/>
           <a:p>
             <a:r>
-              <a:rPr lang="en-SG" sz="1200" dirty="0" smtClean="0"/>
+              <a:rPr lang="en-SG" sz="1200" dirty="0"/>
               <a:t>_v1</a:t>
             </a:r>
             <a:endParaRPr lang="en-US" sz="1200" dirty="0"/>
@@ -12108,7 +11914,7 @@
           <a:lstStyle/>
           <a:p>
             <a:r>
-              <a:rPr lang="en-SG" sz="1200" dirty="0" smtClean="0"/>
+              <a:rPr lang="en-SG" sz="1200" dirty="0"/>
               <a:t>_v2</a:t>
             </a:r>
             <a:endParaRPr lang="en-US" sz="1200" dirty="0"/>
@@ -12138,7 +11944,7 @@
           <a:lstStyle/>
           <a:p>
             <a:r>
-              <a:rPr lang="en-SG" sz="1200" dirty="0" smtClean="0"/>
+              <a:rPr lang="en-SG" sz="1200" dirty="0"/>
               <a:t>_v3</a:t>
             </a:r>
             <a:endParaRPr lang="en-US" sz="1200" dirty="0"/>
@@ -12168,7 +11974,7 @@
           <a:lstStyle/>
           <a:p>
             <a:r>
-              <a:rPr lang="en-SG" sz="1200" dirty="0" smtClean="0"/>
+              <a:rPr lang="en-SG" sz="1200" dirty="0"/>
               <a:t>_v0</a:t>
             </a:r>
             <a:endParaRPr lang="en-US" sz="1200" dirty="0"/>
@@ -12198,7 +12004,7 @@
           <a:lstStyle/>
           <a:p>
             <a:r>
-              <a:rPr lang="en-SG" sz="1200" dirty="0" smtClean="0"/>
+              <a:rPr lang="en-SG" sz="1200" dirty="0"/>
               <a:t>_v1</a:t>
             </a:r>
             <a:endParaRPr lang="en-US" sz="1200" dirty="0"/>
@@ -12228,7 +12034,7 @@
           <a:lstStyle/>
           <a:p>
             <a:r>
-              <a:rPr lang="en-SG" sz="1200" dirty="0" smtClean="0"/>
+              <a:rPr lang="en-SG" sz="1200" dirty="0"/>
               <a:t>_v2</a:t>
             </a:r>
             <a:endParaRPr lang="en-US" sz="1200" dirty="0"/>
@@ -12378,7 +12184,7 @@
           <a:lstStyle/>
           <a:p>
             <a:r>
-              <a:rPr lang="en-SG" sz="1200" dirty="0" smtClean="0"/>
+              <a:rPr lang="en-SG" sz="1200" dirty="0"/>
               <a:t>pl0</a:t>
             </a:r>
             <a:endParaRPr lang="en-US" sz="1200" dirty="0"/>
@@ -12408,7 +12214,7 @@
           <a:lstStyle/>
           <a:p>
             <a:r>
-              <a:rPr lang="en-SG" sz="1200" dirty="0" smtClean="0"/>
+              <a:rPr lang="en-SG" sz="1200" dirty="0"/>
               <a:t>pt0</a:t>
             </a:r>
             <a:endParaRPr lang="en-US" sz="1200" dirty="0"/>
@@ -12438,7 +12244,7 @@
           <a:lstStyle/>
           <a:p>
             <a:r>
-              <a:rPr lang="en-SG" sz="1200" dirty="0" smtClean="0"/>
+              <a:rPr lang="en-SG" sz="1200" dirty="0"/>
               <a:t>pt1</a:t>
             </a:r>
             <a:endParaRPr lang="en-US" sz="1200" dirty="0"/>
@@ -12468,7 +12274,7 @@
           <a:lstStyle/>
           <a:p>
             <a:r>
-              <a:rPr lang="en-SG" sz="1200" dirty="0" smtClean="0"/>
+              <a:rPr lang="en-SG" sz="1200" dirty="0"/>
               <a:t>pt2</a:t>
             </a:r>
             <a:endParaRPr lang="en-US" sz="1200" dirty="0"/>
@@ -14388,7 +14194,7 @@
           <a:lstStyle/>
           <a:p>
             <a:r>
-              <a:rPr lang="en-SG" sz="1200" dirty="0" smtClean="0"/>
+              <a:rPr lang="en-SG" sz="1200" dirty="0"/>
               <a:t>_v1</a:t>
             </a:r>
             <a:endParaRPr lang="en-US" sz="1200" dirty="0"/>
@@ -14418,7 +14224,7 @@
           <a:lstStyle/>
           <a:p>
             <a:r>
-              <a:rPr lang="en-SG" sz="1200" dirty="0" smtClean="0"/>
+              <a:rPr lang="en-SG" sz="1200" dirty="0"/>
               <a:t>_v0</a:t>
             </a:r>
             <a:endParaRPr lang="en-US" sz="1200" dirty="0"/>
@@ -14448,7 +14254,7 @@
           <a:lstStyle/>
           <a:p>
             <a:r>
-              <a:rPr lang="en-SG" sz="1200" dirty="0" smtClean="0"/>
+              <a:rPr lang="en-SG" sz="1200" dirty="0"/>
               <a:t>_v5</a:t>
             </a:r>
             <a:endParaRPr lang="en-US" sz="1200" dirty="0"/>
@@ -14478,7 +14284,7 @@
           <a:lstStyle/>
           <a:p>
             <a:r>
-              <a:rPr lang="en-SG" sz="1200" dirty="0" smtClean="0"/>
+              <a:rPr lang="en-SG" sz="1200" dirty="0"/>
               <a:t>_v6</a:t>
             </a:r>
             <a:endParaRPr lang="en-US" sz="1200" dirty="0"/>
@@ -14508,7 +14314,7 @@
           <a:lstStyle/>
           <a:p>
             <a:r>
-              <a:rPr lang="en-SG" sz="1200" dirty="0" smtClean="0"/>
+              <a:rPr lang="en-SG" sz="1200" dirty="0"/>
               <a:t>_v2</a:t>
             </a:r>
             <a:endParaRPr lang="en-US" sz="1200" dirty="0"/>
@@ -14538,7 +14344,7 @@
           <a:lstStyle/>
           <a:p>
             <a:r>
-              <a:rPr lang="en-SG" sz="1200" dirty="0" smtClean="0"/>
+              <a:rPr lang="en-SG" sz="1200" dirty="0"/>
               <a:t>_v7</a:t>
             </a:r>
             <a:endParaRPr lang="en-US" sz="1200" dirty="0"/>
@@ -14568,7 +14374,7 @@
           <a:lstStyle/>
           <a:p>
             <a:r>
-              <a:rPr lang="en-SG" sz="1200" dirty="0" smtClean="0"/>
+              <a:rPr lang="en-SG" sz="1200" dirty="0"/>
               <a:t>_v3</a:t>
             </a:r>
             <a:endParaRPr lang="en-US" sz="1200" dirty="0"/>
@@ -14598,7 +14404,7 @@
           <a:lstStyle/>
           <a:p>
             <a:r>
-              <a:rPr lang="en-SG" sz="1200" dirty="0" smtClean="0"/>
+              <a:rPr lang="en-SG" sz="1200" dirty="0"/>
               <a:t>_v4</a:t>
             </a:r>
             <a:endParaRPr lang="en-US" sz="1200" dirty="0"/>
@@ -14628,7 +14434,7 @@
           <a:lstStyle/>
           <a:p>
             <a:r>
-              <a:rPr lang="en-SG" sz="1200" dirty="0" smtClean="0"/>
+              <a:rPr lang="en-SG" sz="1200" dirty="0"/>
               <a:t>_e0</a:t>
             </a:r>
             <a:endParaRPr lang="en-US" sz="1200" dirty="0"/>
@@ -14658,7 +14464,7 @@
           <a:lstStyle/>
           <a:p>
             <a:r>
-              <a:rPr lang="en-SG" sz="1200" dirty="0" smtClean="0"/>
+              <a:rPr lang="en-SG" sz="1200" dirty="0"/>
               <a:t>_e2</a:t>
             </a:r>
             <a:endParaRPr lang="en-US" sz="1200" dirty="0"/>
@@ -14688,7 +14494,7 @@
           <a:lstStyle/>
           <a:p>
             <a:r>
-              <a:rPr lang="en-SG" sz="1200" dirty="0" smtClean="0"/>
+              <a:rPr lang="en-SG" sz="1200" dirty="0"/>
               <a:t>_e3</a:t>
             </a:r>
             <a:endParaRPr lang="en-US" sz="1200" dirty="0"/>
@@ -14718,7 +14524,7 @@
           <a:lstStyle/>
           <a:p>
             <a:r>
-              <a:rPr lang="en-SG" sz="1200" dirty="0" smtClean="0"/>
+              <a:rPr lang="en-SG" sz="1200" dirty="0"/>
               <a:t>_e4</a:t>
             </a:r>
             <a:endParaRPr lang="en-US" sz="1200" dirty="0"/>
@@ -14748,7 +14554,7 @@
           <a:lstStyle/>
           <a:p>
             <a:r>
-              <a:rPr lang="en-SG" sz="1200" dirty="0" smtClean="0"/>
+              <a:rPr lang="en-SG" sz="1200" dirty="0"/>
               <a:t>_e5</a:t>
             </a:r>
             <a:endParaRPr lang="en-US" sz="1200" dirty="0"/>
@@ -14778,7 +14584,7 @@
           <a:lstStyle/>
           <a:p>
             <a:r>
-              <a:rPr lang="en-SG" sz="1200" dirty="0" smtClean="0"/>
+              <a:rPr lang="en-SG" sz="1200" dirty="0"/>
               <a:t>_e6</a:t>
             </a:r>
             <a:endParaRPr lang="en-US" sz="1200" dirty="0"/>
@@ -14808,7 +14614,7 @@
           <a:lstStyle/>
           <a:p>
             <a:r>
-              <a:rPr lang="en-SG" sz="1200" dirty="0" smtClean="0"/>
+              <a:rPr lang="en-SG" sz="1200" dirty="0"/>
               <a:t>_e7</a:t>
             </a:r>
             <a:endParaRPr lang="en-US" sz="1200" dirty="0"/>
@@ -14838,7 +14644,7 @@
           <a:lstStyle/>
           <a:p>
             <a:r>
-              <a:rPr lang="en-SG" sz="1200" dirty="0" smtClean="0"/>
+              <a:rPr lang="en-SG" sz="1200" dirty="0"/>
               <a:t>_e1</a:t>
             </a:r>
             <a:endParaRPr lang="en-US" sz="1200" dirty="0"/>
@@ -14868,7 +14674,7 @@
           <a:lstStyle/>
           <a:p>
             <a:r>
-              <a:rPr lang="en-SG" sz="1200" dirty="0" smtClean="0"/>
+              <a:rPr lang="en-SG" sz="1200" dirty="0"/>
               <a:t>_w0</a:t>
             </a:r>
             <a:endParaRPr lang="en-US" sz="1200" dirty="0"/>
@@ -14898,7 +14704,7 @@
           <a:lstStyle/>
           <a:p>
             <a:r>
-              <a:rPr lang="en-SG" sz="1200" dirty="0" smtClean="0"/>
+              <a:rPr lang="en-SG" sz="1200" dirty="0"/>
               <a:t>_w1</a:t>
             </a:r>
             <a:endParaRPr lang="en-US" sz="1200" dirty="0"/>
@@ -14928,7 +14734,7 @@
           <a:lstStyle/>
           <a:p>
             <a:r>
-              <a:rPr lang="en-SG" sz="1200" dirty="0" smtClean="0"/>
+              <a:rPr lang="en-SG" sz="1200" dirty="0"/>
               <a:t>_f0</a:t>
             </a:r>
             <a:endParaRPr lang="en-US" sz="1200" dirty="0"/>
@@ -14945,21 +14751,6 @@
   <p:clrMapOvr>
     <a:masterClrMapping/>
   </p:clrMapOvr>
-  <mc:AlternateContent xmlns:mc="http://schemas.openxmlformats.org/markup-compatibility/2006">
-    <mc:Choice xmlns:p14="http://schemas.microsoft.com/office/powerpoint/2010/main" Requires="p14">
-      <p:transition spd="slow" p14:dur="2000"/>
-    </mc:Choice>
-    <mc:Fallback>
-      <p:transition spd="slow"/>
-    </mc:Fallback>
-  </mc:AlternateContent>
-  <p:timing>
-    <p:tnLst>
-      <p:par>
-        <p:cTn id="1" dur="indefinite" restart="never" nodeType="tmRoot"/>
-      </p:par>
-    </p:tnLst>
-  </p:timing>
 </p:sld>
 </file>
 
@@ -15126,7 +14917,7 @@
             <a:p>
               <a:pPr algn="ctr"/>
               <a:r>
-                <a:rPr lang="en-SG" dirty="0" smtClean="0"/>
+                <a:rPr lang="en-SG" dirty="0"/>
                 <a:t>Polylines</a:t>
               </a:r>
               <a:endParaRPr lang="en-US" dirty="0"/>
@@ -15458,7 +15249,7 @@
             <a:p>
               <a:pPr algn="ctr"/>
               <a:r>
-                <a:rPr lang="en-SG" i="1" dirty="0" smtClean="0"/>
+                <a:rPr lang="en-SG" i="1" dirty="0"/>
                 <a:t>Topology Faces</a:t>
               </a:r>
               <a:endParaRPr lang="en-US" i="1" dirty="0"/>
@@ -15492,7 +15283,7 @@
             <a:p>
               <a:pPr algn="ctr"/>
               <a:r>
-                <a:rPr lang="en-SG" i="1" dirty="0" smtClean="0"/>
+                <a:rPr lang="en-SG" i="1" dirty="0"/>
                 <a:t>Topology Wires</a:t>
               </a:r>
               <a:endParaRPr lang="en-US" i="1" dirty="0"/>
@@ -15526,7 +15317,7 @@
             <a:p>
               <a:pPr algn="ctr"/>
               <a:r>
-                <a:rPr lang="en-SG" i="1" dirty="0" smtClean="0"/>
+                <a:rPr lang="en-SG" i="1" dirty="0"/>
                 <a:t>Topology Edges</a:t>
               </a:r>
               <a:endParaRPr lang="en-US" i="1" dirty="0"/>
@@ -15560,7 +15351,7 @@
             <a:p>
               <a:pPr algn="ctr"/>
               <a:r>
-                <a:rPr lang="en-SG" i="1" dirty="0" smtClean="0"/>
+                <a:rPr lang="en-SG" i="1" dirty="0"/>
                 <a:t>Topology Vertices</a:t>
               </a:r>
               <a:endParaRPr lang="en-US" i="1" dirty="0"/>
@@ -15594,7 +15385,7 @@
             <a:p>
               <a:pPr algn="ctr"/>
               <a:r>
-                <a:rPr lang="en-SG" dirty="0" smtClean="0"/>
+                <a:rPr lang="en-SG" dirty="0"/>
                 <a:t>Object</a:t>
               </a:r>
               <a:endParaRPr lang="en-US" dirty="0"/>
@@ -15628,7 +15419,7 @@
             <a:p>
               <a:pPr algn="ctr"/>
               <a:r>
-                <a:rPr lang="en-SG" i="1" dirty="0" smtClean="0"/>
+                <a:rPr lang="en-SG" i="1" dirty="0"/>
                 <a:t>none</a:t>
               </a:r>
               <a:endParaRPr lang="en-US" i="1" dirty="0"/>
@@ -16407,7 +16198,7 @@
             <a:lstStyle/>
             <a:p>
               <a:r>
-                <a:rPr lang="en-SG" sz="1200" dirty="0" smtClean="0"/>
+                <a:rPr lang="en-SG" sz="1200" dirty="0"/>
                 <a:t>_e0</a:t>
               </a:r>
               <a:endParaRPr lang="en-US" sz="1200" dirty="0"/>
@@ -16437,7 +16228,7 @@
             <a:lstStyle/>
             <a:p>
               <a:r>
-                <a:rPr lang="en-SG" sz="1200" dirty="0" smtClean="0"/>
+                <a:rPr lang="en-SG" sz="1200" dirty="0"/>
                 <a:t>_e1</a:t>
               </a:r>
               <a:endParaRPr lang="en-US" sz="1200" dirty="0"/>
@@ -16467,7 +16258,7 @@
             <a:lstStyle/>
             <a:p>
               <a:r>
-                <a:rPr lang="en-SG" sz="1200" dirty="0" smtClean="0"/>
+                <a:rPr lang="en-SG" sz="1200" dirty="0"/>
                 <a:t>_e2</a:t>
               </a:r>
               <a:endParaRPr lang="en-US" sz="1200" dirty="0"/>
@@ -16497,7 +16288,7 @@
             <a:lstStyle/>
             <a:p>
               <a:r>
-                <a:rPr lang="en-SG" sz="1200" dirty="0" smtClean="0"/>
+                <a:rPr lang="en-SG" sz="1200" dirty="0"/>
                 <a:t>_w0</a:t>
               </a:r>
               <a:endParaRPr lang="en-US" sz="1200" dirty="0"/>
@@ -16527,7 +16318,7 @@
             <a:lstStyle/>
             <a:p>
               <a:r>
-                <a:rPr lang="en-SG" sz="1200" dirty="0" smtClean="0"/>
+                <a:rPr lang="en-SG" sz="1200" dirty="0"/>
                 <a:t>_v0</a:t>
               </a:r>
               <a:endParaRPr lang="en-US" sz="1200" dirty="0"/>
@@ -16557,7 +16348,7 @@
             <a:lstStyle/>
             <a:p>
               <a:r>
-                <a:rPr lang="en-SG" sz="1200" dirty="0" smtClean="0"/>
+                <a:rPr lang="en-SG" sz="1200" dirty="0"/>
                 <a:t>_v1</a:t>
               </a:r>
               <a:endParaRPr lang="en-US" sz="1200" dirty="0"/>
@@ -16587,7 +16378,7 @@
             <a:lstStyle/>
             <a:p>
               <a:r>
-                <a:rPr lang="en-SG" sz="1200" dirty="0" smtClean="0"/>
+                <a:rPr lang="en-SG" sz="1200" dirty="0"/>
                 <a:t>_v2</a:t>
               </a:r>
               <a:endParaRPr lang="en-US" sz="1200" dirty="0"/>
@@ -16617,7 +16408,7 @@
             <a:lstStyle/>
             <a:p>
               <a:r>
-                <a:rPr lang="en-SG" sz="1200" dirty="0" smtClean="0"/>
+                <a:rPr lang="en-SG" sz="1200" dirty="0"/>
                 <a:t>_v3</a:t>
               </a:r>
               <a:endParaRPr lang="en-US" sz="1200" dirty="0"/>
@@ -16767,7 +16558,7 @@
             <a:lstStyle/>
             <a:p>
               <a:r>
-                <a:rPr lang="en-SG" sz="1200" dirty="0" smtClean="0"/>
+                <a:rPr lang="en-SG" sz="1200" dirty="0"/>
                 <a:t>pl0</a:t>
               </a:r>
               <a:endParaRPr lang="en-US" sz="1200" dirty="0"/>
@@ -16808,7 +16599,7 @@
           <a:p>
             <a:pPr algn="ctr"/>
             <a:r>
-              <a:rPr lang="en-SG" dirty="0" smtClean="0"/>
+              <a:rPr lang="en-SG" dirty="0"/>
               <a:t>pl0</a:t>
             </a:r>
             <a:endParaRPr lang="en-US" dirty="0"/>
@@ -16848,7 +16639,7 @@
           <a:p>
             <a:pPr algn="ctr"/>
             <a:r>
-              <a:rPr lang="en-SG" dirty="0" smtClean="0"/>
+              <a:rPr lang="en-SG" dirty="0"/>
               <a:t>_w0</a:t>
             </a:r>
             <a:endParaRPr lang="en-US" dirty="0"/>
@@ -16903,7 +16694,7 @@
             <a:p>
               <a:pPr algn="ctr"/>
               <a:r>
-                <a:rPr lang="en-SG" dirty="0" smtClean="0"/>
+                <a:rPr lang="en-SG" dirty="0"/>
                 <a:t>_e0</a:t>
               </a:r>
               <a:endParaRPr lang="en-US" dirty="0"/>
@@ -16939,7 +16730,7 @@
             <a:p>
               <a:pPr algn="ctr"/>
               <a:r>
-                <a:rPr lang="en-SG" dirty="0" smtClean="0"/>
+                <a:rPr lang="en-SG" dirty="0"/>
                 <a:t>_e1</a:t>
               </a:r>
               <a:endParaRPr lang="en-US" dirty="0"/>
@@ -16975,7 +16766,7 @@
             <a:p>
               <a:pPr algn="ctr"/>
               <a:r>
-                <a:rPr lang="en-SG" dirty="0" smtClean="0"/>
+                <a:rPr lang="en-SG" dirty="0"/>
                 <a:t>_e2</a:t>
               </a:r>
               <a:endParaRPr lang="en-US" dirty="0"/>
@@ -17031,7 +16822,7 @@
             <a:p>
               <a:pPr algn="ctr"/>
               <a:r>
-                <a:rPr lang="en-SG" dirty="0" smtClean="0"/>
+                <a:rPr lang="en-SG" dirty="0"/>
                 <a:t>_v0</a:t>
               </a:r>
               <a:endParaRPr lang="en-US" dirty="0"/>
@@ -17067,7 +16858,7 @@
             <a:p>
               <a:pPr algn="ctr"/>
               <a:r>
-                <a:rPr lang="en-SG" dirty="0" smtClean="0"/>
+                <a:rPr lang="en-SG" dirty="0"/>
                 <a:t>_v1</a:t>
               </a:r>
               <a:endParaRPr lang="en-US" dirty="0"/>
@@ -17103,7 +16894,7 @@
             <a:p>
               <a:pPr algn="ctr"/>
               <a:r>
-                <a:rPr lang="en-SG" dirty="0" smtClean="0"/>
+                <a:rPr lang="en-SG" dirty="0"/>
                 <a:t>_v2</a:t>
               </a:r>
               <a:endParaRPr lang="en-US" dirty="0"/>
@@ -17139,7 +16930,7 @@
             <a:p>
               <a:pPr algn="ctr"/>
               <a:r>
-                <a:rPr lang="en-SG" dirty="0" smtClean="0"/>
+                <a:rPr lang="en-SG" dirty="0"/>
                 <a:t>_v3</a:t>
               </a:r>
               <a:endParaRPr lang="en-US" dirty="0"/>
@@ -17550,7 +17341,7 @@
           <a:lstStyle/>
           <a:p>
             <a:r>
-              <a:rPr lang="en-SG" dirty="0" smtClean="0"/>
+              <a:rPr lang="en-SG" dirty="0"/>
               <a:t>Topological components are connected in a hierarchy</a:t>
             </a:r>
             <a:endParaRPr lang="en-US" dirty="0"/>
@@ -17567,21 +17358,6 @@
   <p:clrMapOvr>
     <a:masterClrMapping/>
   </p:clrMapOvr>
-  <mc:AlternateContent xmlns:mc="http://schemas.openxmlformats.org/markup-compatibility/2006">
-    <mc:Choice xmlns:p14="http://schemas.microsoft.com/office/powerpoint/2010/main" Requires="p14">
-      <p:transition spd="slow" p14:dur="2000"/>
-    </mc:Choice>
-    <mc:Fallback>
-      <p:transition spd="slow"/>
-    </mc:Fallback>
-  </mc:AlternateContent>
-  <p:timing>
-    <p:tnLst>
-      <p:par>
-        <p:cTn id="1" dur="indefinite" restart="never" nodeType="tmRoot"/>
-      </p:par>
-    </p:tnLst>
-  </p:timing>
 </p:sld>
 </file>
 
@@ -17941,7 +17717,7 @@
             <a:p>
               <a:pPr algn="ctr"/>
               <a:r>
-                <a:rPr lang="en-SG" i="1" dirty="0" smtClean="0"/>
+                <a:rPr lang="en-SG" i="1" dirty="0"/>
                 <a:t>Topology Faces</a:t>
               </a:r>
               <a:endParaRPr lang="en-US" i="1" dirty="0"/>
@@ -17975,7 +17751,7 @@
             <a:p>
               <a:pPr algn="ctr"/>
               <a:r>
-                <a:rPr lang="en-SG" i="1" dirty="0" smtClean="0"/>
+                <a:rPr lang="en-SG" i="1" dirty="0"/>
                 <a:t>Topology Wires</a:t>
               </a:r>
               <a:endParaRPr lang="en-US" i="1" dirty="0"/>
@@ -18009,7 +17785,7 @@
             <a:p>
               <a:pPr algn="ctr"/>
               <a:r>
-                <a:rPr lang="en-SG" i="1" dirty="0" smtClean="0"/>
+                <a:rPr lang="en-SG" i="1" dirty="0"/>
                 <a:t>Topology Edges</a:t>
               </a:r>
               <a:endParaRPr lang="en-US" i="1" dirty="0"/>
@@ -18043,7 +17819,7 @@
             <a:p>
               <a:pPr algn="ctr"/>
               <a:r>
-                <a:rPr lang="en-SG" i="1" dirty="0" smtClean="0"/>
+                <a:rPr lang="en-SG" i="1" dirty="0"/>
                 <a:t>Topology Vertices</a:t>
               </a:r>
               <a:endParaRPr lang="en-US" i="1" dirty="0"/>
@@ -18077,7 +17853,7 @@
             <a:p>
               <a:pPr algn="ctr"/>
               <a:r>
-                <a:rPr lang="en-SG" dirty="0" smtClean="0"/>
+                <a:rPr lang="en-SG" dirty="0"/>
                 <a:t>Object</a:t>
               </a:r>
               <a:endParaRPr lang="en-US" dirty="0"/>
@@ -18465,7 +18241,7 @@
             <a:p>
               <a:pPr algn="ctr"/>
               <a:r>
-                <a:rPr lang="en-SG" dirty="0" smtClean="0"/>
+                <a:rPr lang="en-SG" dirty="0"/>
                 <a:t>Polygons</a:t>
               </a:r>
               <a:endParaRPr lang="en-US" dirty="0"/>
@@ -20385,7 +20161,7 @@
             <a:lstStyle/>
             <a:p>
               <a:r>
-                <a:rPr lang="en-SG" sz="1200" dirty="0" smtClean="0"/>
+                <a:rPr lang="en-SG" sz="1200" dirty="0"/>
                 <a:t>_v1</a:t>
               </a:r>
               <a:endParaRPr lang="en-US" sz="1200" dirty="0"/>
@@ -20415,7 +20191,7 @@
             <a:lstStyle/>
             <a:p>
               <a:r>
-                <a:rPr lang="en-SG" sz="1200" dirty="0" smtClean="0"/>
+                <a:rPr lang="en-SG" sz="1200" dirty="0"/>
                 <a:t>_v0</a:t>
               </a:r>
               <a:endParaRPr lang="en-US" sz="1200" dirty="0"/>
@@ -20445,7 +20221,7 @@
             <a:lstStyle/>
             <a:p>
               <a:r>
-                <a:rPr lang="en-SG" sz="1200" dirty="0" smtClean="0"/>
+                <a:rPr lang="en-SG" sz="1200" dirty="0"/>
                 <a:t>_v5</a:t>
               </a:r>
               <a:endParaRPr lang="en-US" sz="1200" dirty="0"/>
@@ -20475,7 +20251,7 @@
             <a:lstStyle/>
             <a:p>
               <a:r>
-                <a:rPr lang="en-SG" sz="1200" dirty="0" smtClean="0"/>
+                <a:rPr lang="en-SG" sz="1200" dirty="0"/>
                 <a:t>_v6</a:t>
               </a:r>
               <a:endParaRPr lang="en-US" sz="1200" dirty="0"/>
@@ -20505,7 +20281,7 @@
             <a:lstStyle/>
             <a:p>
               <a:r>
-                <a:rPr lang="en-SG" sz="1200" dirty="0" smtClean="0"/>
+                <a:rPr lang="en-SG" sz="1200" dirty="0"/>
                 <a:t>_v2</a:t>
               </a:r>
               <a:endParaRPr lang="en-US" sz="1200" dirty="0"/>
@@ -20535,7 +20311,7 @@
             <a:lstStyle/>
             <a:p>
               <a:r>
-                <a:rPr lang="en-SG" sz="1200" dirty="0" smtClean="0"/>
+                <a:rPr lang="en-SG" sz="1200" dirty="0"/>
                 <a:t>_v7</a:t>
               </a:r>
               <a:endParaRPr lang="en-US" sz="1200" dirty="0"/>
@@ -20565,7 +20341,7 @@
             <a:lstStyle/>
             <a:p>
               <a:r>
-                <a:rPr lang="en-SG" sz="1200" dirty="0" smtClean="0"/>
+                <a:rPr lang="en-SG" sz="1200" dirty="0"/>
                 <a:t>_v3</a:t>
               </a:r>
               <a:endParaRPr lang="en-US" sz="1200" dirty="0"/>
@@ -20595,7 +20371,7 @@
             <a:lstStyle/>
             <a:p>
               <a:r>
-                <a:rPr lang="en-SG" sz="1200" dirty="0" smtClean="0"/>
+                <a:rPr lang="en-SG" sz="1200" dirty="0"/>
                 <a:t>_v4</a:t>
               </a:r>
               <a:endParaRPr lang="en-US" sz="1200" dirty="0"/>
@@ -20625,7 +20401,7 @@
             <a:lstStyle/>
             <a:p>
               <a:r>
-                <a:rPr lang="en-SG" sz="1200" dirty="0" smtClean="0"/>
+                <a:rPr lang="en-SG" sz="1200" dirty="0"/>
                 <a:t>_e0</a:t>
               </a:r>
               <a:endParaRPr lang="en-US" sz="1200" dirty="0"/>
@@ -20655,7 +20431,7 @@
             <a:lstStyle/>
             <a:p>
               <a:r>
-                <a:rPr lang="en-SG" sz="1200" dirty="0" smtClean="0"/>
+                <a:rPr lang="en-SG" sz="1200" dirty="0"/>
                 <a:t>_e2</a:t>
               </a:r>
               <a:endParaRPr lang="en-US" sz="1200" dirty="0"/>
@@ -20685,7 +20461,7 @@
             <a:lstStyle/>
             <a:p>
               <a:r>
-                <a:rPr lang="en-SG" sz="1200" dirty="0" smtClean="0"/>
+                <a:rPr lang="en-SG" sz="1200" dirty="0"/>
                 <a:t>_e3</a:t>
               </a:r>
               <a:endParaRPr lang="en-US" sz="1200" dirty="0"/>
@@ -20715,7 +20491,7 @@
             <a:lstStyle/>
             <a:p>
               <a:r>
-                <a:rPr lang="en-SG" sz="1200" dirty="0" smtClean="0"/>
+                <a:rPr lang="en-SG" sz="1200" dirty="0"/>
                 <a:t>_e4</a:t>
               </a:r>
               <a:endParaRPr lang="en-US" sz="1200" dirty="0"/>
@@ -20745,7 +20521,7 @@
             <a:lstStyle/>
             <a:p>
               <a:r>
-                <a:rPr lang="en-SG" sz="1200" dirty="0" smtClean="0"/>
+                <a:rPr lang="en-SG" sz="1200" dirty="0"/>
                 <a:t>_e5</a:t>
               </a:r>
               <a:endParaRPr lang="en-US" sz="1200" dirty="0"/>
@@ -20775,7 +20551,7 @@
             <a:lstStyle/>
             <a:p>
               <a:r>
-                <a:rPr lang="en-SG" sz="1200" dirty="0" smtClean="0"/>
+                <a:rPr lang="en-SG" sz="1200" dirty="0"/>
                 <a:t>_e6</a:t>
               </a:r>
               <a:endParaRPr lang="en-US" sz="1200" dirty="0"/>
@@ -20805,7 +20581,7 @@
             <a:lstStyle/>
             <a:p>
               <a:r>
-                <a:rPr lang="en-SG" sz="1200" dirty="0" smtClean="0"/>
+                <a:rPr lang="en-SG" sz="1200" dirty="0"/>
                 <a:t>_e7</a:t>
               </a:r>
               <a:endParaRPr lang="en-US" sz="1200" dirty="0"/>
@@ -20835,7 +20611,7 @@
             <a:lstStyle/>
             <a:p>
               <a:r>
-                <a:rPr lang="en-SG" sz="1200" dirty="0" smtClean="0"/>
+                <a:rPr lang="en-SG" sz="1200" dirty="0"/>
                 <a:t>_e1</a:t>
               </a:r>
               <a:endParaRPr lang="en-US" sz="1200" dirty="0"/>
@@ -20865,7 +20641,7 @@
             <a:lstStyle/>
             <a:p>
               <a:r>
-                <a:rPr lang="en-SG" sz="1200" dirty="0" smtClean="0"/>
+                <a:rPr lang="en-SG" sz="1200" dirty="0"/>
                 <a:t>_w0</a:t>
               </a:r>
               <a:endParaRPr lang="en-US" sz="1200" dirty="0"/>
@@ -20895,7 +20671,7 @@
             <a:lstStyle/>
             <a:p>
               <a:r>
-                <a:rPr lang="en-SG" sz="1200" dirty="0" smtClean="0"/>
+                <a:rPr lang="en-SG" sz="1200" dirty="0"/>
                 <a:t>_w1</a:t>
               </a:r>
               <a:endParaRPr lang="en-US" sz="1200" dirty="0"/>
@@ -20925,7 +20701,7 @@
             <a:lstStyle/>
             <a:p>
               <a:r>
-                <a:rPr lang="en-SG" sz="1200" dirty="0" smtClean="0"/>
+                <a:rPr lang="en-SG" sz="1200" dirty="0"/>
                 <a:t>_f0</a:t>
               </a:r>
               <a:endParaRPr lang="en-US" sz="1200" dirty="0"/>
@@ -20966,7 +20742,7 @@
           <a:p>
             <a:pPr algn="ctr"/>
             <a:r>
-              <a:rPr lang="en-SG" dirty="0" smtClean="0"/>
+              <a:rPr lang="en-SG" dirty="0"/>
               <a:t>pl0</a:t>
             </a:r>
             <a:endParaRPr lang="en-US" dirty="0"/>
@@ -21006,7 +20782,7 @@
           <a:p>
             <a:pPr algn="ctr"/>
             <a:r>
-              <a:rPr lang="en-SG" dirty="0" smtClean="0"/>
+              <a:rPr lang="en-SG" dirty="0"/>
               <a:t>_w0</a:t>
             </a:r>
             <a:endParaRPr lang="en-US" dirty="0"/>
@@ -21046,7 +20822,7 @@
           <a:p>
             <a:pPr algn="ctr"/>
             <a:r>
-              <a:rPr lang="en-SG" dirty="0" smtClean="0"/>
+              <a:rPr lang="en-SG" dirty="0"/>
               <a:t>_e0</a:t>
             </a:r>
             <a:endParaRPr lang="en-US" dirty="0"/>
@@ -21086,7 +20862,7 @@
           <a:p>
             <a:pPr algn="ctr"/>
             <a:r>
-              <a:rPr lang="en-SG" dirty="0" smtClean="0"/>
+              <a:rPr lang="en-SG" dirty="0"/>
               <a:t>_e1</a:t>
             </a:r>
             <a:endParaRPr lang="en-US" dirty="0"/>
@@ -21126,7 +20902,7 @@
           <a:p>
             <a:pPr algn="ctr"/>
             <a:r>
-              <a:rPr lang="en-SG" dirty="0" smtClean="0"/>
+              <a:rPr lang="en-SG" dirty="0"/>
               <a:t>_e2</a:t>
             </a:r>
             <a:endParaRPr lang="en-US" dirty="0"/>
@@ -21166,7 +20942,7 @@
           <a:p>
             <a:pPr algn="ctr"/>
             <a:r>
-              <a:rPr lang="en-SG" dirty="0" smtClean="0"/>
+              <a:rPr lang="en-SG" dirty="0"/>
               <a:t>_v0</a:t>
             </a:r>
             <a:endParaRPr lang="en-US" dirty="0"/>
@@ -21206,7 +20982,7 @@
           <a:p>
             <a:pPr algn="ctr"/>
             <a:r>
-              <a:rPr lang="en-SG" dirty="0" smtClean="0"/>
+              <a:rPr lang="en-SG" dirty="0"/>
               <a:t>_v1</a:t>
             </a:r>
             <a:endParaRPr lang="en-US" dirty="0"/>
@@ -21246,7 +21022,7 @@
           <a:p>
             <a:pPr algn="ctr"/>
             <a:r>
-              <a:rPr lang="en-SG" dirty="0" smtClean="0"/>
+              <a:rPr lang="en-SG" dirty="0"/>
               <a:t>_v2</a:t>
             </a:r>
             <a:endParaRPr lang="en-US" dirty="0"/>
@@ -21286,7 +21062,7 @@
           <a:p>
             <a:pPr algn="ctr"/>
             <a:r>
-              <a:rPr lang="en-SG" dirty="0" smtClean="0"/>
+              <a:rPr lang="en-SG" dirty="0"/>
               <a:t>_v3</a:t>
             </a:r>
             <a:endParaRPr lang="en-US" dirty="0"/>
@@ -21668,7 +21444,7 @@
           <a:p>
             <a:pPr algn="ctr"/>
             <a:r>
-              <a:rPr lang="en-SG" dirty="0" smtClean="0"/>
+              <a:rPr lang="en-SG" dirty="0"/>
               <a:t>_f0</a:t>
             </a:r>
             <a:endParaRPr lang="en-US" dirty="0"/>
@@ -21708,7 +21484,7 @@
           <a:p>
             <a:pPr algn="ctr"/>
             <a:r>
-              <a:rPr lang="en-SG" dirty="0" smtClean="0"/>
+              <a:rPr lang="en-SG" dirty="0"/>
               <a:t>_w1</a:t>
             </a:r>
             <a:endParaRPr lang="en-US" dirty="0"/>
@@ -21748,7 +21524,7 @@
           <a:p>
             <a:pPr algn="ctr"/>
             <a:r>
-              <a:rPr lang="en-SG" dirty="0" smtClean="0"/>
+              <a:rPr lang="en-SG" dirty="0"/>
               <a:t>_v4</a:t>
             </a:r>
             <a:endParaRPr lang="en-US" dirty="0"/>
@@ -21788,7 +21564,7 @@
           <a:p>
             <a:pPr algn="ctr"/>
             <a:r>
-              <a:rPr lang="en-SG" dirty="0" smtClean="0"/>
+              <a:rPr lang="en-SG" dirty="0"/>
               <a:t>_e3</a:t>
             </a:r>
             <a:endParaRPr lang="en-US" dirty="0"/>
@@ -21828,7 +21604,7 @@
           <a:p>
             <a:pPr algn="ctr"/>
             <a:r>
-              <a:rPr lang="en-SG" dirty="0" smtClean="0"/>
+              <a:rPr lang="en-SG" dirty="0"/>
               <a:t>_e4</a:t>
             </a:r>
             <a:endParaRPr lang="en-US" dirty="0"/>
@@ -22311,7 +22087,7 @@
           <a:lstStyle/>
           <a:p>
             <a:r>
-              <a:rPr lang="en-SG" dirty="0" smtClean="0"/>
+              <a:rPr lang="en-SG" dirty="0"/>
               <a:t>Topological components are connected in a hierarchy</a:t>
             </a:r>
             <a:endParaRPr lang="en-US" dirty="0"/>
@@ -22328,21 +22104,6 @@
   <p:clrMapOvr>
     <a:masterClrMapping/>
   </p:clrMapOvr>
-  <mc:AlternateContent xmlns:mc="http://schemas.openxmlformats.org/markup-compatibility/2006">
-    <mc:Choice xmlns:p14="http://schemas.microsoft.com/office/powerpoint/2010/main" Requires="p14">
-      <p:transition spd="slow" p14:dur="2000"/>
-    </mc:Choice>
-    <mc:Fallback>
-      <p:transition spd="slow"/>
-    </mc:Fallback>
-  </mc:AlternateContent>
-  <p:timing>
-    <p:tnLst>
-      <p:par>
-        <p:cTn id="1" dur="indefinite" restart="never" nodeType="tmRoot"/>
-      </p:par>
-    </p:tnLst>
-  </p:timing>
 </p:sld>
 </file>
 
@@ -24247,7 +24008,7 @@
           <a:lstStyle/>
           <a:p>
             <a:r>
-              <a:rPr lang="en-SG" sz="1200" dirty="0" smtClean="0"/>
+              <a:rPr lang="en-SG" sz="1200" dirty="0"/>
               <a:t>_e0</a:t>
             </a:r>
             <a:endParaRPr lang="en-US" sz="1200" dirty="0"/>
@@ -24277,7 +24038,7 @@
           <a:lstStyle/>
           <a:p>
             <a:r>
-              <a:rPr lang="en-SG" sz="1200" dirty="0" smtClean="0"/>
+              <a:rPr lang="en-SG" sz="1200" dirty="0"/>
               <a:t>_e1</a:t>
             </a:r>
             <a:endParaRPr lang="en-US" sz="1200" dirty="0"/>
@@ -24307,7 +24068,7 @@
           <a:lstStyle/>
           <a:p>
             <a:r>
-              <a:rPr lang="en-SG" sz="1200" dirty="0" smtClean="0"/>
+              <a:rPr lang="en-SG" sz="1200" dirty="0"/>
               <a:t>_e2</a:t>
             </a:r>
             <a:endParaRPr lang="en-US" sz="1200" dirty="0"/>
@@ -24337,7 +24098,7 @@
           <a:lstStyle/>
           <a:p>
             <a:r>
-              <a:rPr lang="en-SG" sz="1200" dirty="0" smtClean="0"/>
+              <a:rPr lang="en-SG" sz="1200" dirty="0"/>
               <a:t>_w0</a:t>
             </a:r>
             <a:endParaRPr lang="en-US" sz="1200" dirty="0"/>
@@ -24367,7 +24128,7 @@
           <a:lstStyle/>
           <a:p>
             <a:r>
-              <a:rPr lang="en-SG" sz="1200" dirty="0" smtClean="0"/>
+              <a:rPr lang="en-SG" sz="1200" dirty="0"/>
               <a:t>_v0</a:t>
             </a:r>
             <a:endParaRPr lang="en-US" sz="1200" dirty="0"/>
@@ -24397,7 +24158,7 @@
           <a:lstStyle/>
           <a:p>
             <a:r>
-              <a:rPr lang="en-SG" sz="1200" dirty="0" smtClean="0"/>
+              <a:rPr lang="en-SG" sz="1200" dirty="0"/>
               <a:t>_v1</a:t>
             </a:r>
             <a:endParaRPr lang="en-US" sz="1200" dirty="0"/>
@@ -24427,7 +24188,7 @@
           <a:lstStyle/>
           <a:p>
             <a:r>
-              <a:rPr lang="en-SG" sz="1200" dirty="0" smtClean="0"/>
+              <a:rPr lang="en-SG" sz="1200" dirty="0"/>
               <a:t>_v2</a:t>
             </a:r>
             <a:endParaRPr lang="en-US" sz="1200" dirty="0"/>
@@ -24457,7 +24218,7 @@
           <a:lstStyle/>
           <a:p>
             <a:r>
-              <a:rPr lang="en-SG" sz="1200" dirty="0" smtClean="0"/>
+              <a:rPr lang="en-SG" sz="1200" dirty="0"/>
               <a:t>_v3</a:t>
             </a:r>
             <a:endParaRPr lang="en-US" sz="1200" dirty="0"/>
@@ -24487,7 +24248,7 @@
           <a:lstStyle/>
           <a:p>
             <a:r>
-              <a:rPr lang="en-SG" sz="1200" dirty="0" smtClean="0"/>
+              <a:rPr lang="en-SG" sz="1200" dirty="0"/>
               <a:t>_v0</a:t>
             </a:r>
             <a:endParaRPr lang="en-US" sz="1200" dirty="0"/>
@@ -24517,7 +24278,7 @@
           <a:lstStyle/>
           <a:p>
             <a:r>
-              <a:rPr lang="en-SG" sz="1200" dirty="0" smtClean="0"/>
+              <a:rPr lang="en-SG" sz="1200" dirty="0"/>
               <a:t>_v1</a:t>
             </a:r>
             <a:endParaRPr lang="en-US" sz="1200" dirty="0"/>
@@ -24547,7 +24308,7 @@
           <a:lstStyle/>
           <a:p>
             <a:r>
-              <a:rPr lang="en-SG" sz="1200" dirty="0" smtClean="0"/>
+              <a:rPr lang="en-SG" sz="1200" dirty="0"/>
               <a:t>_v2</a:t>
             </a:r>
             <a:endParaRPr lang="en-US" sz="1200" dirty="0"/>
@@ -24697,7 +24458,7 @@
           <a:lstStyle/>
           <a:p>
             <a:r>
-              <a:rPr lang="en-SG" sz="1200" b="1" dirty="0" smtClean="0"/>
+              <a:rPr lang="en-SG" sz="1200" b="1" dirty="0"/>
               <a:t>pl0</a:t>
             </a:r>
             <a:endParaRPr lang="en-US" sz="1200" b="1" dirty="0"/>
@@ -24727,7 +24488,7 @@
           <a:lstStyle/>
           <a:p>
             <a:r>
-              <a:rPr lang="en-SG" sz="1200" b="1" dirty="0" smtClean="0"/>
+              <a:rPr lang="en-SG" sz="1200" b="1" dirty="0"/>
               <a:t>pt0</a:t>
             </a:r>
             <a:endParaRPr lang="en-US" sz="1200" b="1" dirty="0"/>
@@ -24757,7 +24518,7 @@
           <a:lstStyle/>
           <a:p>
             <a:r>
-              <a:rPr lang="en-SG" sz="1200" b="1" dirty="0" smtClean="0"/>
+              <a:rPr lang="en-SG" sz="1200" b="1" dirty="0"/>
               <a:t>pt1</a:t>
             </a:r>
             <a:endParaRPr lang="en-US" sz="1200" b="1" dirty="0"/>
@@ -24787,7 +24548,7 @@
           <a:lstStyle/>
           <a:p>
             <a:r>
-              <a:rPr lang="en-SG" sz="1200" b="1" dirty="0" smtClean="0"/>
+              <a:rPr lang="en-SG" sz="1200" b="1" dirty="0"/>
               <a:t>pt2</a:t>
             </a:r>
             <a:endParaRPr lang="en-US" sz="1200" b="1" dirty="0"/>
@@ -26707,7 +26468,7 @@
           <a:lstStyle/>
           <a:p>
             <a:r>
-              <a:rPr lang="en-SG" sz="1200" dirty="0" smtClean="0"/>
+              <a:rPr lang="en-SG" sz="1200" dirty="0"/>
               <a:t>_v1</a:t>
             </a:r>
             <a:endParaRPr lang="en-US" sz="1200" dirty="0"/>
@@ -26737,7 +26498,7 @@
           <a:lstStyle/>
           <a:p>
             <a:r>
-              <a:rPr lang="en-SG" sz="1200" dirty="0" smtClean="0"/>
+              <a:rPr lang="en-SG" sz="1200" dirty="0"/>
               <a:t>_v0</a:t>
             </a:r>
             <a:endParaRPr lang="en-US" sz="1200" dirty="0"/>
@@ -26767,7 +26528,7 @@
           <a:lstStyle/>
           <a:p>
             <a:r>
-              <a:rPr lang="en-SG" sz="1200" dirty="0" smtClean="0"/>
+              <a:rPr lang="en-SG" sz="1200" dirty="0"/>
               <a:t>_v5</a:t>
             </a:r>
             <a:endParaRPr lang="en-US" sz="1200" dirty="0"/>
@@ -26797,7 +26558,7 @@
           <a:lstStyle/>
           <a:p>
             <a:r>
-              <a:rPr lang="en-SG" sz="1200" dirty="0" smtClean="0"/>
+              <a:rPr lang="en-SG" sz="1200" dirty="0"/>
               <a:t>_v6</a:t>
             </a:r>
             <a:endParaRPr lang="en-US" sz="1200" dirty="0"/>
@@ -26827,7 +26588,7 @@
           <a:lstStyle/>
           <a:p>
             <a:r>
-              <a:rPr lang="en-SG" sz="1200" dirty="0" smtClean="0"/>
+              <a:rPr lang="en-SG" sz="1200" dirty="0"/>
               <a:t>_v2</a:t>
             </a:r>
             <a:endParaRPr lang="en-US" sz="1200" dirty="0"/>
@@ -26857,7 +26618,7 @@
           <a:lstStyle/>
           <a:p>
             <a:r>
-              <a:rPr lang="en-SG" sz="1200" dirty="0" smtClean="0"/>
+              <a:rPr lang="en-SG" sz="1200" dirty="0"/>
               <a:t>_v7</a:t>
             </a:r>
             <a:endParaRPr lang="en-US" sz="1200" dirty="0"/>
@@ -26887,7 +26648,7 @@
           <a:lstStyle/>
           <a:p>
             <a:r>
-              <a:rPr lang="en-SG" sz="1200" dirty="0" smtClean="0"/>
+              <a:rPr lang="en-SG" sz="1200" dirty="0"/>
               <a:t>_v3</a:t>
             </a:r>
             <a:endParaRPr lang="en-US" sz="1200" dirty="0"/>
@@ -26917,7 +26678,7 @@
           <a:lstStyle/>
           <a:p>
             <a:r>
-              <a:rPr lang="en-SG" sz="1200" dirty="0" smtClean="0"/>
+              <a:rPr lang="en-SG" sz="1200" dirty="0"/>
               <a:t>_v4</a:t>
             </a:r>
             <a:endParaRPr lang="en-US" sz="1200" dirty="0"/>
@@ -26947,7 +26708,7 @@
           <a:lstStyle/>
           <a:p>
             <a:r>
-              <a:rPr lang="en-SG" sz="1200" dirty="0" smtClean="0"/>
+              <a:rPr lang="en-SG" sz="1200" dirty="0"/>
               <a:t>_e0</a:t>
             </a:r>
             <a:endParaRPr lang="en-US" sz="1200" dirty="0"/>
@@ -26977,7 +26738,7 @@
           <a:lstStyle/>
           <a:p>
             <a:r>
-              <a:rPr lang="en-SG" sz="1200" dirty="0" smtClean="0"/>
+              <a:rPr lang="en-SG" sz="1200" dirty="0"/>
               <a:t>_e2</a:t>
             </a:r>
             <a:endParaRPr lang="en-US" sz="1200" dirty="0"/>
@@ -27007,7 +26768,7 @@
           <a:lstStyle/>
           <a:p>
             <a:r>
-              <a:rPr lang="en-SG" sz="1200" dirty="0" smtClean="0"/>
+              <a:rPr lang="en-SG" sz="1200" dirty="0"/>
               <a:t>_e3</a:t>
             </a:r>
             <a:endParaRPr lang="en-US" sz="1200" dirty="0"/>
@@ -27037,7 +26798,7 @@
           <a:lstStyle/>
           <a:p>
             <a:r>
-              <a:rPr lang="en-SG" sz="1200" dirty="0" smtClean="0"/>
+              <a:rPr lang="en-SG" sz="1200" dirty="0"/>
               <a:t>_e4</a:t>
             </a:r>
             <a:endParaRPr lang="en-US" sz="1200" dirty="0"/>
@@ -27067,7 +26828,7 @@
           <a:lstStyle/>
           <a:p>
             <a:r>
-              <a:rPr lang="en-SG" sz="1200" dirty="0" smtClean="0"/>
+              <a:rPr lang="en-SG" sz="1200" dirty="0"/>
               <a:t>_e5</a:t>
             </a:r>
             <a:endParaRPr lang="en-US" sz="1200" dirty="0"/>
@@ -27097,7 +26858,7 @@
           <a:lstStyle/>
           <a:p>
             <a:r>
-              <a:rPr lang="en-SG" sz="1200" dirty="0" smtClean="0"/>
+              <a:rPr lang="en-SG" sz="1200" dirty="0"/>
               <a:t>_e6</a:t>
             </a:r>
             <a:endParaRPr lang="en-US" sz="1200" dirty="0"/>
@@ -27127,7 +26888,7 @@
           <a:lstStyle/>
           <a:p>
             <a:r>
-              <a:rPr lang="en-SG" sz="1200" dirty="0" smtClean="0"/>
+              <a:rPr lang="en-SG" sz="1200" dirty="0"/>
               <a:t>_e7</a:t>
             </a:r>
             <a:endParaRPr lang="en-US" sz="1200" dirty="0"/>
@@ -27157,7 +26918,7 @@
           <a:lstStyle/>
           <a:p>
             <a:r>
-              <a:rPr lang="en-SG" sz="1200" dirty="0" smtClean="0"/>
+              <a:rPr lang="en-SG" sz="1200" dirty="0"/>
               <a:t>_e1</a:t>
             </a:r>
             <a:endParaRPr lang="en-US" sz="1200" dirty="0"/>
@@ -27187,7 +26948,7 @@
           <a:lstStyle/>
           <a:p>
             <a:r>
-              <a:rPr lang="en-SG" sz="1200" dirty="0" smtClean="0"/>
+              <a:rPr lang="en-SG" sz="1200" dirty="0"/>
               <a:t>_w0</a:t>
             </a:r>
             <a:endParaRPr lang="en-US" sz="1200" dirty="0"/>
@@ -27217,7 +26978,7 @@
           <a:lstStyle/>
           <a:p>
             <a:r>
-              <a:rPr lang="en-SG" sz="1200" dirty="0" smtClean="0"/>
+              <a:rPr lang="en-SG" sz="1200" dirty="0"/>
               <a:t>_w1</a:t>
             </a:r>
             <a:endParaRPr lang="en-US" sz="1200" dirty="0"/>
@@ -27247,7 +27008,7 @@
           <a:lstStyle/>
           <a:p>
             <a:r>
-              <a:rPr lang="en-SG" sz="1200" dirty="0" smtClean="0"/>
+              <a:rPr lang="en-SG" sz="1200" dirty="0"/>
               <a:t>_f0</a:t>
             </a:r>
             <a:endParaRPr lang="en-US" sz="1200" dirty="0"/>
@@ -27298,7 +27059,7 @@
         <p:spPr>
           <a:xfrm>
             <a:off x="5125720" y="6360160"/>
-            <a:ext cx="412292" cy="276999"/>
+            <a:ext cx="483659" cy="276999"/>
           </a:xfrm>
           <a:prstGeom prst="rect">
             <a:avLst/>
@@ -27312,8 +27073,8 @@
           <a:lstStyle/>
           <a:p>
             <a:r>
-              <a:rPr lang="en-SG" sz="1200" b="1" dirty="0" smtClean="0"/>
-              <a:t>_v0</a:t>
+              <a:rPr lang="en-SG" sz="1200" b="1" dirty="0"/>
+              <a:t>_ps0</a:t>
             </a:r>
             <a:endParaRPr lang="en-US" sz="1200" b="1" dirty="0"/>
           </a:p>
@@ -27342,12 +27103,8 @@
           <a:lstStyle/>
           <a:p>
             <a:r>
-              <a:rPr lang="en-SG" sz="1200" b="1" dirty="0" smtClean="0"/>
-              <a:t>ps</a:t>
-            </a:r>
-            <a:r>
-              <a:rPr lang="en-SG" sz="1200" b="1" dirty="0" smtClean="0"/>
-              <a:t>1</a:t>
+              <a:rPr lang="en-SG" sz="1200" b="1" dirty="0"/>
+              <a:t>ps1</a:t>
             </a:r>
             <a:endParaRPr lang="en-US" sz="1200" b="1" dirty="0"/>
           </a:p>
@@ -27376,12 +27133,8 @@
           <a:lstStyle/>
           <a:p>
             <a:r>
-              <a:rPr lang="en-SG" sz="1200" b="1" dirty="0" smtClean="0"/>
-              <a:t>ps</a:t>
-            </a:r>
-            <a:r>
-              <a:rPr lang="en-SG" sz="1200" b="1" dirty="0" smtClean="0"/>
-              <a:t>2</a:t>
+              <a:rPr lang="en-SG" sz="1200" b="1" dirty="0"/>
+              <a:t>ps2</a:t>
             </a:r>
             <a:endParaRPr lang="en-US" sz="1200" b="1" dirty="0"/>
           </a:p>
@@ -27410,12 +27163,8 @@
           <a:lstStyle/>
           <a:p>
             <a:r>
-              <a:rPr lang="en-SG" sz="1200" b="1" dirty="0" smtClean="0"/>
-              <a:t>ps</a:t>
-            </a:r>
-            <a:r>
-              <a:rPr lang="en-SG" sz="1200" b="1" dirty="0" smtClean="0"/>
-              <a:t>3</a:t>
+              <a:rPr lang="en-SG" sz="1200" b="1" dirty="0"/>
+              <a:t>ps3</a:t>
             </a:r>
             <a:endParaRPr lang="en-US" sz="1200" b="1" dirty="0"/>
           </a:p>
@@ -27444,12 +27193,8 @@
           <a:lstStyle/>
           <a:p>
             <a:r>
-              <a:rPr lang="en-SG" sz="1200" b="1" dirty="0" smtClean="0"/>
-              <a:t>ps</a:t>
-            </a:r>
-            <a:r>
-              <a:rPr lang="en-SG" sz="1200" b="1" dirty="0" smtClean="0"/>
-              <a:t>0</a:t>
+              <a:rPr lang="en-SG" sz="1200" b="1" dirty="0"/>
+              <a:t>ps0</a:t>
             </a:r>
             <a:endParaRPr lang="en-US" sz="1200" b="1" dirty="0"/>
           </a:p>
@@ -27478,12 +27223,8 @@
           <a:lstStyle/>
           <a:p>
             <a:r>
-              <a:rPr lang="en-SG" sz="1200" b="1" dirty="0" smtClean="0"/>
-              <a:t>ps</a:t>
-            </a:r>
-            <a:r>
-              <a:rPr lang="en-SG" sz="1200" b="1" dirty="0" smtClean="0"/>
-              <a:t>1</a:t>
+              <a:rPr lang="en-SG" sz="1200" b="1" dirty="0"/>
+              <a:t>ps1</a:t>
             </a:r>
             <a:endParaRPr lang="en-US" sz="1200" b="1" dirty="0"/>
           </a:p>
@@ -27512,12 +27253,8 @@
           <a:lstStyle/>
           <a:p>
             <a:r>
-              <a:rPr lang="en-SG" sz="1200" b="1" dirty="0" smtClean="0"/>
-              <a:t>ps</a:t>
-            </a:r>
-            <a:r>
-              <a:rPr lang="en-SG" sz="1200" b="1" dirty="0" smtClean="0"/>
-              <a:t>2</a:t>
+              <a:rPr lang="en-SG" sz="1200" b="1" dirty="0"/>
+              <a:t>ps2</a:t>
             </a:r>
             <a:endParaRPr lang="en-US" sz="1200" b="1" dirty="0"/>
           </a:p>
@@ -27546,12 +27283,8 @@
           <a:lstStyle/>
           <a:p>
             <a:r>
-              <a:rPr lang="en-SG" sz="1200" b="1" dirty="0" smtClean="0"/>
-              <a:t>ps</a:t>
-            </a:r>
-            <a:r>
-              <a:rPr lang="en-SG" sz="1200" b="1" dirty="0" smtClean="0"/>
-              <a:t>1</a:t>
+              <a:rPr lang="en-SG" sz="1200" b="1" dirty="0"/>
+              <a:t>ps1</a:t>
             </a:r>
             <a:endParaRPr lang="en-US" sz="1200" b="1" dirty="0"/>
           </a:p>
@@ -27580,12 +27313,8 @@
           <a:lstStyle/>
           <a:p>
             <a:r>
-              <a:rPr lang="en-SG" sz="1200" b="1" dirty="0" smtClean="0"/>
-              <a:t>ps</a:t>
-            </a:r>
-            <a:r>
-              <a:rPr lang="en-SG" sz="1200" b="1" dirty="0" smtClean="0"/>
-              <a:t>0</a:t>
+              <a:rPr lang="en-SG" sz="1200" b="1" dirty="0"/>
+              <a:t>ps0</a:t>
             </a:r>
             <a:endParaRPr lang="en-US" sz="1200" b="1" dirty="0"/>
           </a:p>
@@ -27614,12 +27343,8 @@
           <a:lstStyle/>
           <a:p>
             <a:r>
-              <a:rPr lang="en-SG" sz="1200" b="1" dirty="0" smtClean="0"/>
-              <a:t>ps</a:t>
-            </a:r>
-            <a:r>
-              <a:rPr lang="en-SG" sz="1200" b="1" dirty="0" smtClean="0"/>
-              <a:t>5</a:t>
+              <a:rPr lang="en-SG" sz="1200" b="1" dirty="0"/>
+              <a:t>ps5</a:t>
             </a:r>
             <a:endParaRPr lang="en-US" sz="1200" b="1" dirty="0"/>
           </a:p>
@@ -27648,12 +27373,8 @@
           <a:lstStyle/>
           <a:p>
             <a:r>
-              <a:rPr lang="en-SG" sz="1200" b="1" dirty="0" smtClean="0"/>
-              <a:t>ps</a:t>
-            </a:r>
-            <a:r>
-              <a:rPr lang="en-SG" sz="1200" b="1" dirty="0" smtClean="0"/>
-              <a:t>6</a:t>
+              <a:rPr lang="en-SG" sz="1200" b="1" dirty="0"/>
+              <a:t>ps6</a:t>
             </a:r>
             <a:endParaRPr lang="en-US" sz="1200" b="1" dirty="0"/>
           </a:p>
@@ -27682,12 +27403,8 @@
           <a:lstStyle/>
           <a:p>
             <a:r>
-              <a:rPr lang="en-SG" sz="1200" b="1" dirty="0" smtClean="0"/>
-              <a:t>ps</a:t>
-            </a:r>
-            <a:r>
-              <a:rPr lang="en-SG" sz="1200" b="1" dirty="0" smtClean="0"/>
-              <a:t>2</a:t>
+              <a:rPr lang="en-SG" sz="1200" b="1" dirty="0"/>
+              <a:t>ps2</a:t>
             </a:r>
             <a:endParaRPr lang="en-US" sz="1200" b="1" dirty="0"/>
           </a:p>
@@ -27716,12 +27433,8 @@
           <a:lstStyle/>
           <a:p>
             <a:r>
-              <a:rPr lang="en-SG" sz="1200" b="1" dirty="0" smtClean="0"/>
-              <a:t>ps</a:t>
-            </a:r>
-            <a:r>
-              <a:rPr lang="en-SG" sz="1200" b="1" dirty="0" smtClean="0"/>
-              <a:t>7</a:t>
+              <a:rPr lang="en-SG" sz="1200" b="1" dirty="0"/>
+              <a:t>ps7</a:t>
             </a:r>
             <a:endParaRPr lang="en-US" sz="1200" b="1" dirty="0"/>
           </a:p>
@@ -27750,12 +27463,8 @@
           <a:lstStyle/>
           <a:p>
             <a:r>
-              <a:rPr lang="en-SG" sz="1200" b="1" dirty="0" smtClean="0"/>
-              <a:t>ps</a:t>
-            </a:r>
-            <a:r>
-              <a:rPr lang="en-SG" sz="1200" b="1" dirty="0" smtClean="0"/>
-              <a:t>3</a:t>
+              <a:rPr lang="en-SG" sz="1200" b="1" dirty="0"/>
+              <a:t>ps3</a:t>
             </a:r>
             <a:endParaRPr lang="en-US" sz="1200" b="1" dirty="0"/>
           </a:p>
@@ -27784,12 +27493,8 @@
           <a:lstStyle/>
           <a:p>
             <a:r>
-              <a:rPr lang="en-SG" sz="1200" b="1" dirty="0" smtClean="0"/>
-              <a:t>ps</a:t>
-            </a:r>
-            <a:r>
-              <a:rPr lang="en-SG" sz="1200" b="1" dirty="0" smtClean="0"/>
-              <a:t>4</a:t>
+              <a:rPr lang="en-SG" sz="1200" b="1" dirty="0"/>
+              <a:t>ps4</a:t>
             </a:r>
             <a:endParaRPr lang="en-US" sz="1200" b="1" dirty="0"/>
           </a:p>
@@ -28512,7 +28217,7 @@
           <a:p>
             <a:pPr algn="ctr"/>
             <a:r>
-              <a:rPr lang="en-SG" b="1" dirty="0" smtClean="0"/>
+              <a:rPr lang="en-SG" b="1" dirty="0"/>
               <a:t>Points</a:t>
             </a:r>
             <a:endParaRPr lang="en-US" b="1" dirty="0"/>
@@ -28546,7 +28251,7 @@
           <a:p>
             <a:pPr algn="ctr"/>
             <a:r>
-              <a:rPr lang="en-SG" b="1" dirty="0" smtClean="0"/>
+              <a:rPr lang="en-SG" b="1" dirty="0"/>
               <a:t>Polylines</a:t>
             </a:r>
             <a:endParaRPr lang="en-US" b="1" dirty="0"/>
@@ -28580,7 +28285,7 @@
           <a:p>
             <a:pPr algn="ctr"/>
             <a:r>
-              <a:rPr lang="en-SG" b="1" dirty="0" smtClean="0"/>
+              <a:rPr lang="en-SG" b="1" dirty="0"/>
               <a:t>Polygons</a:t>
             </a:r>
             <a:endParaRPr lang="en-US" b="1" dirty="0"/>
@@ -28614,7 +28319,7 @@
           <a:p>
             <a:pPr algn="ctr"/>
             <a:r>
-              <a:rPr lang="en-SG" i="1" dirty="0" smtClean="0"/>
+              <a:rPr lang="en-SG" i="1" dirty="0"/>
               <a:t>Topology Faces</a:t>
             </a:r>
             <a:endParaRPr lang="en-US" i="1" dirty="0"/>
@@ -28648,7 +28353,7 @@
           <a:p>
             <a:pPr algn="ctr"/>
             <a:r>
-              <a:rPr lang="en-SG" i="1" dirty="0" smtClean="0"/>
+              <a:rPr lang="en-SG" i="1" dirty="0"/>
               <a:t>Topology Wires</a:t>
             </a:r>
             <a:endParaRPr lang="en-US" i="1" dirty="0"/>
@@ -28682,7 +28387,7 @@
           <a:p>
             <a:pPr algn="ctr"/>
             <a:r>
-              <a:rPr lang="en-SG" i="1" dirty="0" smtClean="0"/>
+              <a:rPr lang="en-SG" i="1" dirty="0"/>
               <a:t>Topology Edges</a:t>
             </a:r>
             <a:endParaRPr lang="en-US" i="1" dirty="0"/>
@@ -28716,7 +28421,7 @@
           <a:p>
             <a:pPr algn="ctr"/>
             <a:r>
-              <a:rPr lang="en-SG" i="1" dirty="0" smtClean="0"/>
+              <a:rPr lang="en-SG" i="1" dirty="0"/>
               <a:t>Topology Vertices</a:t>
             </a:r>
             <a:endParaRPr lang="en-US" i="1" dirty="0"/>
@@ -28750,7 +28455,7 @@
           <a:p>
             <a:pPr algn="ctr"/>
             <a:r>
-              <a:rPr lang="en-SG" b="1" dirty="0" smtClean="0"/>
+              <a:rPr lang="en-SG" b="1" dirty="0"/>
               <a:t>Objects</a:t>
             </a:r>
             <a:endParaRPr lang="en-US" b="1" dirty="0"/>
@@ -28784,7 +28489,7 @@
           <a:p>
             <a:pPr algn="ctr"/>
             <a:r>
-              <a:rPr lang="en-SG" i="1" dirty="0" smtClean="0"/>
+              <a:rPr lang="en-SG" i="1" dirty="0"/>
               <a:t>none</a:t>
             </a:r>
             <a:endParaRPr lang="en-US" i="1" dirty="0"/>
@@ -28818,7 +28523,7 @@
           <a:p>
             <a:pPr algn="ctr"/>
             <a:r>
-              <a:rPr lang="en-SG" i="1" dirty="0" smtClean="0"/>
+              <a:rPr lang="en-SG" i="1" dirty="0"/>
               <a:t>none</a:t>
             </a:r>
             <a:endParaRPr lang="en-US" i="1" dirty="0"/>
@@ -28852,7 +28557,7 @@
           <a:p>
             <a:pPr algn="ctr"/>
             <a:r>
-              <a:rPr lang="en-SG" i="1" dirty="0" smtClean="0"/>
+              <a:rPr lang="en-SG" i="1" dirty="0"/>
               <a:t>none</a:t>
             </a:r>
             <a:endParaRPr lang="en-US" i="1" dirty="0"/>
@@ -28886,7 +28591,7 @@
           <a:p>
             <a:pPr algn="ctr"/>
             <a:r>
-              <a:rPr lang="en-SG" i="1" dirty="0" smtClean="0"/>
+              <a:rPr lang="en-SG" i="1" dirty="0"/>
               <a:t>none</a:t>
             </a:r>
             <a:endParaRPr lang="en-US" i="1" dirty="0"/>
@@ -28920,7 +28625,7 @@
           <a:p>
             <a:pPr algn="ctr"/>
             <a:r>
-              <a:rPr lang="en-SG" b="1" dirty="0" smtClean="0"/>
+              <a:rPr lang="en-SG" b="1" dirty="0"/>
               <a:t>Positions</a:t>
             </a:r>
             <a:endParaRPr lang="en-US" b="1" dirty="0"/>
@@ -28950,7 +28655,7 @@
           <a:lstStyle/>
           <a:p>
             <a:r>
-              <a:rPr lang="en-SG" sz="1200" b="1" dirty="0" smtClean="0"/>
+              <a:rPr lang="en-SG" sz="1200" b="1" dirty="0"/>
               <a:t>pg0</a:t>
             </a:r>
             <a:endParaRPr lang="en-US" sz="1200" b="1" dirty="0"/>
@@ -28967,13 +28672,6 @@
   <p:clrMapOvr>
     <a:masterClrMapping/>
   </p:clrMapOvr>
-  <p:timing>
-    <p:tnLst>
-      <p:par>
-        <p:cTn id="1" dur="indefinite" restart="never" nodeType="tmRoot"/>
-      </p:par>
-    </p:tnLst>
-  </p:timing>
 </p:sld>
 </file>
 
@@ -29906,7 +29604,7 @@
           <a:lstStyle/>
           <a:p>
             <a:r>
-              <a:rPr lang="en-SG" sz="1200" dirty="0" smtClean="0"/>
+              <a:rPr lang="en-SG" sz="1200" dirty="0"/>
               <a:t>_e0</a:t>
             </a:r>
             <a:endParaRPr lang="en-US" sz="1200" dirty="0"/>
@@ -29936,7 +29634,7 @@
           <a:lstStyle/>
           <a:p>
             <a:r>
-              <a:rPr lang="en-SG" sz="1200" dirty="0" smtClean="0"/>
+              <a:rPr lang="en-SG" sz="1200" dirty="0"/>
               <a:t>_e1</a:t>
             </a:r>
             <a:endParaRPr lang="en-US" sz="1200" dirty="0"/>
@@ -29966,7 +29664,7 @@
           <a:lstStyle/>
           <a:p>
             <a:r>
-              <a:rPr lang="en-SG" sz="1200" dirty="0" smtClean="0"/>
+              <a:rPr lang="en-SG" sz="1200" dirty="0"/>
               <a:t>_e2</a:t>
             </a:r>
             <a:endParaRPr lang="en-US" sz="1200" dirty="0"/>
@@ -29996,7 +29694,7 @@
           <a:lstStyle/>
           <a:p>
             <a:r>
-              <a:rPr lang="en-SG" sz="1200" dirty="0" smtClean="0"/>
+              <a:rPr lang="en-SG" sz="1200" dirty="0"/>
               <a:t>_w0</a:t>
             </a:r>
             <a:endParaRPr lang="en-US" sz="1200" dirty="0"/>
@@ -30026,7 +29724,7 @@
           <a:lstStyle/>
           <a:p>
             <a:r>
-              <a:rPr lang="en-SG" sz="1200" dirty="0" smtClean="0"/>
+              <a:rPr lang="en-SG" sz="1200" dirty="0"/>
               <a:t>_v0</a:t>
             </a:r>
             <a:endParaRPr lang="en-US" sz="1200" dirty="0"/>
@@ -30056,7 +29754,7 @@
           <a:lstStyle/>
           <a:p>
             <a:r>
-              <a:rPr lang="en-SG" sz="1200" dirty="0" smtClean="0"/>
+              <a:rPr lang="en-SG" sz="1200" dirty="0"/>
               <a:t>_v1</a:t>
             </a:r>
             <a:endParaRPr lang="en-US" sz="1200" dirty="0"/>
@@ -30086,7 +29784,7 @@
           <a:lstStyle/>
           <a:p>
             <a:r>
-              <a:rPr lang="en-SG" sz="1200" dirty="0" smtClean="0"/>
+              <a:rPr lang="en-SG" sz="1200" dirty="0"/>
               <a:t>_v2</a:t>
             </a:r>
             <a:endParaRPr lang="en-US" sz="1200" dirty="0"/>
@@ -30116,7 +29814,7 @@
           <a:lstStyle/>
           <a:p>
             <a:r>
-              <a:rPr lang="en-SG" sz="1200" dirty="0" smtClean="0"/>
+              <a:rPr lang="en-SG" sz="1200" dirty="0"/>
               <a:t>_v3</a:t>
             </a:r>
             <a:endParaRPr lang="en-US" sz="1200" dirty="0"/>
@@ -30266,7 +29964,7 @@
           <a:lstStyle/>
           <a:p>
             <a:r>
-              <a:rPr lang="en-SG" sz="1200" b="1" dirty="0" smtClean="0"/>
+              <a:rPr lang="en-SG" sz="1200" b="1" dirty="0"/>
               <a:t>pl0</a:t>
             </a:r>
             <a:endParaRPr lang="en-US" sz="1200" b="1" dirty="0"/>
@@ -30530,7 +30228,7 @@
         <p:spPr>
           <a:xfrm>
             <a:off x="1468120" y="6360160"/>
-            <a:ext cx="417102" cy="236129"/>
+            <a:ext cx="480453" cy="276999"/>
           </a:xfrm>
           <a:prstGeom prst="rect">
             <a:avLst/>
@@ -30544,8 +30242,8 @@
           <a:lstStyle/>
           <a:p>
             <a:r>
-              <a:rPr lang="en-SG" sz="1200" dirty="0" smtClean="0"/>
-              <a:t>_v0</a:t>
+              <a:rPr lang="en-SG" sz="1200" dirty="0"/>
+              <a:t>_ps0</a:t>
             </a:r>
             <a:endParaRPr lang="en-US" sz="1200" dirty="0"/>
           </a:p>
@@ -30574,12 +30272,8 @@
           <a:lstStyle/>
           <a:p>
             <a:r>
-              <a:rPr lang="en-SG" sz="1200" dirty="0" smtClean="0"/>
-              <a:t>ps</a:t>
-            </a:r>
-            <a:r>
-              <a:rPr lang="en-SG" sz="1200" dirty="0" smtClean="0"/>
-              <a:t>1</a:t>
+              <a:rPr lang="en-SG" sz="1200" dirty="0"/>
+              <a:t>ps1</a:t>
             </a:r>
             <a:endParaRPr lang="en-US" sz="1200" dirty="0"/>
           </a:p>
@@ -30608,12 +30302,8 @@
           <a:lstStyle/>
           <a:p>
             <a:r>
-              <a:rPr lang="en-SG" sz="1200" dirty="0" smtClean="0"/>
-              <a:t>ps</a:t>
-            </a:r>
-            <a:r>
-              <a:rPr lang="en-SG" sz="1200" dirty="0" smtClean="0"/>
-              <a:t>2</a:t>
+              <a:rPr lang="en-SG" sz="1200" dirty="0"/>
+              <a:t>ps2</a:t>
             </a:r>
             <a:endParaRPr lang="en-US" sz="1200" dirty="0"/>
           </a:p>
@@ -30642,12 +30332,8 @@
           <a:lstStyle/>
           <a:p>
             <a:r>
-              <a:rPr lang="en-SG" sz="1200" dirty="0" smtClean="0"/>
-              <a:t>ps</a:t>
-            </a:r>
-            <a:r>
-              <a:rPr lang="en-SG" sz="1200" dirty="0" smtClean="0"/>
-              <a:t>3</a:t>
+              <a:rPr lang="en-SG" sz="1200" dirty="0"/>
+              <a:t>ps3</a:t>
             </a:r>
             <a:endParaRPr lang="en-US" sz="1200" dirty="0"/>
           </a:p>
@@ -30864,7 +30550,7 @@
           <a:p>
             <a:pPr algn="ctr"/>
             <a:r>
-              <a:rPr lang="en-SG" b="1" dirty="0" smtClean="0"/>
+              <a:rPr lang="en-SG" b="1" dirty="0"/>
               <a:t>Polylines</a:t>
             </a:r>
             <a:endParaRPr lang="en-US" b="1" dirty="0"/>
@@ -30898,7 +30584,7 @@
           <a:p>
             <a:pPr algn="ctr"/>
             <a:r>
-              <a:rPr lang="en-SG" i="1" dirty="0" smtClean="0"/>
+              <a:rPr lang="en-SG" i="1" dirty="0"/>
               <a:t>Topology Faces</a:t>
             </a:r>
             <a:endParaRPr lang="en-US" i="1" dirty="0"/>
@@ -30932,7 +30618,7 @@
           <a:p>
             <a:pPr algn="ctr"/>
             <a:r>
-              <a:rPr lang="en-SG" i="1" dirty="0" smtClean="0"/>
+              <a:rPr lang="en-SG" i="1" dirty="0"/>
               <a:t>Topology Wires</a:t>
             </a:r>
             <a:endParaRPr lang="en-US" i="1" dirty="0"/>
@@ -30966,7 +30652,7 @@
           <a:p>
             <a:pPr algn="ctr"/>
             <a:r>
-              <a:rPr lang="en-SG" i="1" dirty="0" smtClean="0"/>
+              <a:rPr lang="en-SG" i="1" dirty="0"/>
               <a:t>Topology Edges</a:t>
             </a:r>
             <a:endParaRPr lang="en-US" i="1" dirty="0"/>
@@ -31000,7 +30686,7 @@
           <a:p>
             <a:pPr algn="ctr"/>
             <a:r>
-              <a:rPr lang="en-SG" i="1" dirty="0" smtClean="0"/>
+              <a:rPr lang="en-SG" i="1" dirty="0"/>
               <a:t>Topology Vertices</a:t>
             </a:r>
             <a:endParaRPr lang="en-US" i="1" dirty="0"/>
@@ -31034,7 +30720,7 @@
           <a:p>
             <a:pPr algn="ctr"/>
             <a:r>
-              <a:rPr lang="en-SG" b="1" dirty="0" smtClean="0"/>
+              <a:rPr lang="en-SG" b="1" dirty="0"/>
               <a:t>Objects</a:t>
             </a:r>
             <a:endParaRPr lang="en-US" b="1" dirty="0"/>
@@ -31068,7 +30754,7 @@
           <a:p>
             <a:pPr algn="ctr"/>
             <a:r>
-              <a:rPr lang="en-SG" i="1" dirty="0" smtClean="0"/>
+              <a:rPr lang="en-SG" i="1" dirty="0"/>
               <a:t>none</a:t>
             </a:r>
             <a:endParaRPr lang="en-US" i="1" dirty="0"/>
@@ -31102,7 +30788,7 @@
           <a:p>
             <a:pPr algn="ctr"/>
             <a:r>
-              <a:rPr lang="en-SG" b="1" dirty="0" smtClean="0"/>
+              <a:rPr lang="en-SG" b="1" dirty="0"/>
               <a:t>Positions</a:t>
             </a:r>
             <a:endParaRPr lang="en-US" b="1" dirty="0"/>
@@ -31142,7 +30828,7 @@
           <a:p>
             <a:pPr algn="ctr"/>
             <a:r>
-              <a:rPr lang="en-SG" b="1" dirty="0" smtClean="0"/>
+              <a:rPr lang="en-SG" b="1" dirty="0"/>
               <a:t>pl0</a:t>
             </a:r>
             <a:endParaRPr lang="en-US" b="1" dirty="0"/>
@@ -31182,7 +30868,7 @@
           <a:p>
             <a:pPr algn="ctr"/>
             <a:r>
-              <a:rPr lang="en-SG" dirty="0" smtClean="0"/>
+              <a:rPr lang="en-SG" dirty="0"/>
               <a:t>_w0</a:t>
             </a:r>
             <a:endParaRPr lang="en-US" dirty="0"/>
@@ -31237,7 +30923,7 @@
             <a:p>
               <a:pPr algn="ctr"/>
               <a:r>
-                <a:rPr lang="en-SG" dirty="0" smtClean="0"/>
+                <a:rPr lang="en-SG" dirty="0"/>
                 <a:t>_e0</a:t>
               </a:r>
               <a:endParaRPr lang="en-US" dirty="0"/>
@@ -31273,7 +30959,7 @@
             <a:p>
               <a:pPr algn="ctr"/>
               <a:r>
-                <a:rPr lang="en-SG" dirty="0" smtClean="0"/>
+                <a:rPr lang="en-SG" dirty="0"/>
                 <a:t>_e1</a:t>
               </a:r>
               <a:endParaRPr lang="en-US" dirty="0"/>
@@ -31309,7 +30995,7 @@
             <a:p>
               <a:pPr algn="ctr"/>
               <a:r>
-                <a:rPr lang="en-SG" dirty="0" smtClean="0"/>
+                <a:rPr lang="en-SG" dirty="0"/>
                 <a:t>_e2</a:t>
               </a:r>
               <a:endParaRPr lang="en-US" dirty="0"/>
@@ -31365,7 +31051,7 @@
             <a:p>
               <a:pPr algn="ctr"/>
               <a:r>
-                <a:rPr lang="en-SG" dirty="0" smtClean="0"/>
+                <a:rPr lang="en-SG" dirty="0"/>
                 <a:t>_v0</a:t>
               </a:r>
               <a:endParaRPr lang="en-US" dirty="0"/>
@@ -31401,7 +31087,7 @@
             <a:p>
               <a:pPr algn="ctr"/>
               <a:r>
-                <a:rPr lang="en-SG" dirty="0" smtClean="0"/>
+                <a:rPr lang="en-SG" dirty="0"/>
                 <a:t>_v1</a:t>
               </a:r>
               <a:endParaRPr lang="en-US" dirty="0"/>
@@ -31437,7 +31123,7 @@
             <a:p>
               <a:pPr algn="ctr"/>
               <a:r>
-                <a:rPr lang="en-SG" dirty="0" smtClean="0"/>
+                <a:rPr lang="en-SG" dirty="0"/>
                 <a:t>_v2</a:t>
               </a:r>
               <a:endParaRPr lang="en-US" dirty="0"/>
@@ -31473,7 +31159,7 @@
             <a:p>
               <a:pPr algn="ctr"/>
               <a:r>
-                <a:rPr lang="en-SG" dirty="0" smtClean="0"/>
+                <a:rPr lang="en-SG" dirty="0"/>
                 <a:t>_v3</a:t>
               </a:r>
               <a:endParaRPr lang="en-US" dirty="0"/>
@@ -31910,12 +31596,8 @@
             <a:p>
               <a:pPr algn="ctr"/>
               <a:r>
-                <a:rPr lang="en-SG" b="1" dirty="0" smtClean="0"/>
-                <a:t>ps</a:t>
-              </a:r>
-              <a:r>
-                <a:rPr lang="en-SG" b="1" dirty="0" smtClean="0"/>
-                <a:t>0</a:t>
+                <a:rPr lang="en-SG" b="1" dirty="0"/>
+                <a:t>ps0</a:t>
               </a:r>
               <a:endParaRPr lang="en-US" b="1" dirty="0"/>
             </a:p>
@@ -31950,12 +31632,8 @@
             <a:p>
               <a:pPr algn="ctr"/>
               <a:r>
-                <a:rPr lang="en-SG" b="1" dirty="0" smtClean="0"/>
-                <a:t>ps</a:t>
-              </a:r>
-              <a:r>
-                <a:rPr lang="en-SG" b="1" dirty="0" smtClean="0"/>
-                <a:t>1</a:t>
+                <a:rPr lang="en-SG" b="1" dirty="0"/>
+                <a:t>ps1</a:t>
               </a:r>
               <a:endParaRPr lang="en-US" b="1" dirty="0"/>
             </a:p>
@@ -31990,12 +31668,8 @@
             <a:p>
               <a:pPr algn="ctr"/>
               <a:r>
-                <a:rPr lang="en-SG" b="1" dirty="0" smtClean="0"/>
-                <a:t>ps</a:t>
-              </a:r>
-              <a:r>
-                <a:rPr lang="en-SG" b="1" dirty="0" smtClean="0"/>
-                <a:t>2</a:t>
+                <a:rPr lang="en-SG" b="1" dirty="0"/>
+                <a:t>ps2</a:t>
               </a:r>
               <a:endParaRPr lang="en-US" b="1" dirty="0"/>
             </a:p>
@@ -32030,12 +31704,8 @@
             <a:p>
               <a:pPr algn="ctr"/>
               <a:r>
-                <a:rPr lang="en-SG" b="1" dirty="0" smtClean="0"/>
-                <a:t>ps</a:t>
-              </a:r>
-              <a:r>
-                <a:rPr lang="en-SG" b="1" dirty="0" smtClean="0"/>
-                <a:t>3</a:t>
+                <a:rPr lang="en-SG" b="1" dirty="0"/>
+                <a:t>ps3</a:t>
               </a:r>
               <a:endParaRPr lang="en-US" b="1" dirty="0"/>
             </a:p>
@@ -32221,19 +31891,14 @@
           <a:lstStyle/>
           <a:p>
             <a:r>
-              <a:rPr lang="en-SG" dirty="0" smtClean="0"/>
+              <a:rPr lang="en-SG" dirty="0"/>
               <a:t>Topological </a:t>
             </a:r>
-            <a:endParaRPr lang="en-SG" dirty="0" smtClean="0"/>
           </a:p>
           <a:p>
             <a:r>
-              <a:rPr lang="en-SG" dirty="0" smtClean="0"/>
-              <a:t>components </a:t>
-            </a:r>
-            <a:r>
-              <a:rPr lang="en-SG" dirty="0" smtClean="0"/>
-              <a:t>are connected in a hierarchy</a:t>
+              <a:rPr lang="en-SG" dirty="0"/>
+              <a:t>components are connected in a hierarchy</a:t>
             </a:r>
             <a:endParaRPr lang="en-US" dirty="0"/>
           </a:p>
@@ -32249,13 +31914,6 @@
   <p:clrMapOvr>
     <a:masterClrMapping/>
   </p:clrMapOvr>
-  <p:timing>
-    <p:tnLst>
-      <p:par>
-        <p:cTn id="1" dur="indefinite" restart="never" nodeType="tmRoot"/>
-      </p:par>
-    </p:tnLst>
-  </p:timing>
 </p:sld>
 </file>
 
@@ -34578,7 +34236,7 @@
           <a:lstStyle/>
           <a:p>
             <a:r>
-              <a:rPr lang="en-SG" sz="1200" dirty="0" smtClean="0"/>
+              <a:rPr lang="en-SG" sz="1200" dirty="0"/>
               <a:t>_v1</a:t>
             </a:r>
             <a:endParaRPr lang="en-US" sz="1200" dirty="0"/>
@@ -34608,7 +34266,7 @@
           <a:lstStyle/>
           <a:p>
             <a:r>
-              <a:rPr lang="en-SG" sz="1200" dirty="0" smtClean="0"/>
+              <a:rPr lang="en-SG" sz="1200" dirty="0"/>
               <a:t>_v0</a:t>
             </a:r>
             <a:endParaRPr lang="en-US" sz="1200" dirty="0"/>
@@ -34638,7 +34296,7 @@
           <a:lstStyle/>
           <a:p>
             <a:r>
-              <a:rPr lang="en-SG" sz="1200" dirty="0" smtClean="0"/>
+              <a:rPr lang="en-SG" sz="1200" dirty="0"/>
               <a:t>_v5</a:t>
             </a:r>
             <a:endParaRPr lang="en-US" sz="1200" dirty="0"/>
@@ -34668,7 +34326,7 @@
           <a:lstStyle/>
           <a:p>
             <a:r>
-              <a:rPr lang="en-SG" sz="1200" dirty="0" smtClean="0"/>
+              <a:rPr lang="en-SG" sz="1200" dirty="0"/>
               <a:t>_v6</a:t>
             </a:r>
             <a:endParaRPr lang="en-US" sz="1200" dirty="0"/>
@@ -34698,7 +34356,7 @@
           <a:lstStyle/>
           <a:p>
             <a:r>
-              <a:rPr lang="en-SG" sz="1200" dirty="0" smtClean="0"/>
+              <a:rPr lang="en-SG" sz="1200" dirty="0"/>
               <a:t>_v2</a:t>
             </a:r>
             <a:endParaRPr lang="en-US" sz="1200" dirty="0"/>
@@ -34728,7 +34386,7 @@
           <a:lstStyle/>
           <a:p>
             <a:r>
-              <a:rPr lang="en-SG" sz="1200" dirty="0" smtClean="0"/>
+              <a:rPr lang="en-SG" sz="1200" dirty="0"/>
               <a:t>_v7</a:t>
             </a:r>
             <a:endParaRPr lang="en-US" sz="1200" dirty="0"/>
@@ -34758,7 +34416,7 @@
           <a:lstStyle/>
           <a:p>
             <a:r>
-              <a:rPr lang="en-SG" sz="1200" dirty="0" smtClean="0"/>
+              <a:rPr lang="en-SG" sz="1200" dirty="0"/>
               <a:t>_v3</a:t>
             </a:r>
             <a:endParaRPr lang="en-US" sz="1200" dirty="0"/>
@@ -34788,7 +34446,7 @@
           <a:lstStyle/>
           <a:p>
             <a:r>
-              <a:rPr lang="en-SG" sz="1200" dirty="0" smtClean="0"/>
+              <a:rPr lang="en-SG" sz="1200" dirty="0"/>
               <a:t>_v4</a:t>
             </a:r>
             <a:endParaRPr lang="en-US" sz="1200" dirty="0"/>
@@ -34818,7 +34476,7 @@
           <a:lstStyle/>
           <a:p>
             <a:r>
-              <a:rPr lang="en-SG" sz="1200" dirty="0" smtClean="0"/>
+              <a:rPr lang="en-SG" sz="1200" dirty="0"/>
               <a:t>_e0</a:t>
             </a:r>
             <a:endParaRPr lang="en-US" sz="1200" dirty="0"/>
@@ -34848,7 +34506,7 @@
           <a:lstStyle/>
           <a:p>
             <a:r>
-              <a:rPr lang="en-SG" sz="1200" dirty="0" smtClean="0"/>
+              <a:rPr lang="en-SG" sz="1200" dirty="0"/>
               <a:t>_e2</a:t>
             </a:r>
             <a:endParaRPr lang="en-US" sz="1200" dirty="0"/>
@@ -34878,7 +34536,7 @@
           <a:lstStyle/>
           <a:p>
             <a:r>
-              <a:rPr lang="en-SG" sz="1200" dirty="0" smtClean="0"/>
+              <a:rPr lang="en-SG" sz="1200" dirty="0"/>
               <a:t>_e3</a:t>
             </a:r>
             <a:endParaRPr lang="en-US" sz="1200" dirty="0"/>
@@ -34908,7 +34566,7 @@
           <a:lstStyle/>
           <a:p>
             <a:r>
-              <a:rPr lang="en-SG" sz="1200" dirty="0" smtClean="0"/>
+              <a:rPr lang="en-SG" sz="1200" dirty="0"/>
               <a:t>_e4</a:t>
             </a:r>
             <a:endParaRPr lang="en-US" sz="1200" dirty="0"/>
@@ -34938,7 +34596,7 @@
           <a:lstStyle/>
           <a:p>
             <a:r>
-              <a:rPr lang="en-SG" sz="1200" dirty="0" smtClean="0"/>
+              <a:rPr lang="en-SG" sz="1200" dirty="0"/>
               <a:t>_e5</a:t>
             </a:r>
             <a:endParaRPr lang="en-US" sz="1200" dirty="0"/>
@@ -34968,7 +34626,7 @@
           <a:lstStyle/>
           <a:p>
             <a:r>
-              <a:rPr lang="en-SG" sz="1200" dirty="0" smtClean="0"/>
+              <a:rPr lang="en-SG" sz="1200" dirty="0"/>
               <a:t>_e6</a:t>
             </a:r>
             <a:endParaRPr lang="en-US" sz="1200" dirty="0"/>
@@ -34998,7 +34656,7 @@
           <a:lstStyle/>
           <a:p>
             <a:r>
-              <a:rPr lang="en-SG" sz="1200" dirty="0" smtClean="0"/>
+              <a:rPr lang="en-SG" sz="1200" dirty="0"/>
               <a:t>_e7</a:t>
             </a:r>
             <a:endParaRPr lang="en-US" sz="1200" dirty="0"/>
@@ -35028,7 +34686,7 @@
           <a:lstStyle/>
           <a:p>
             <a:r>
-              <a:rPr lang="en-SG" sz="1200" dirty="0" smtClean="0"/>
+              <a:rPr lang="en-SG" sz="1200" dirty="0"/>
               <a:t>_e1</a:t>
             </a:r>
             <a:endParaRPr lang="en-US" sz="1200" dirty="0"/>
@@ -35058,7 +34716,7 @@
           <a:lstStyle/>
           <a:p>
             <a:r>
-              <a:rPr lang="en-SG" sz="1200" dirty="0" smtClean="0"/>
+              <a:rPr lang="en-SG" sz="1200" dirty="0"/>
               <a:t>_w0</a:t>
             </a:r>
             <a:endParaRPr lang="en-US" sz="1200" dirty="0"/>
@@ -35088,7 +34746,7 @@
           <a:lstStyle/>
           <a:p>
             <a:r>
-              <a:rPr lang="en-SG" sz="1200" dirty="0" smtClean="0"/>
+              <a:rPr lang="en-SG" sz="1200" dirty="0"/>
               <a:t>_w1</a:t>
             </a:r>
             <a:endParaRPr lang="en-US" sz="1200" dirty="0"/>
@@ -35118,7 +34776,7 @@
           <a:lstStyle/>
           <a:p>
             <a:r>
-              <a:rPr lang="en-SG" sz="1200" dirty="0" smtClean="0"/>
+              <a:rPr lang="en-SG" sz="1200" dirty="0"/>
               <a:t>_f0</a:t>
             </a:r>
             <a:endParaRPr lang="en-US" sz="1200" dirty="0"/>
@@ -35446,12 +35104,8 @@
           <a:lstStyle/>
           <a:p>
             <a:r>
-              <a:rPr lang="en-SG" sz="1200" dirty="0" smtClean="0"/>
-              <a:t>ps</a:t>
-            </a:r>
-            <a:r>
-              <a:rPr lang="en-SG" sz="1200" dirty="0" smtClean="0"/>
-              <a:t>1</a:t>
+              <a:rPr lang="en-SG" sz="1200" dirty="0"/>
+              <a:t>ps1</a:t>
             </a:r>
             <a:endParaRPr lang="en-US" sz="1200" dirty="0"/>
           </a:p>
@@ -35480,12 +35134,8 @@
           <a:lstStyle/>
           <a:p>
             <a:r>
-              <a:rPr lang="en-SG" sz="1200" dirty="0" smtClean="0"/>
-              <a:t>ps</a:t>
-            </a:r>
-            <a:r>
-              <a:rPr lang="en-SG" sz="1200" dirty="0" smtClean="0"/>
-              <a:t>0</a:t>
+              <a:rPr lang="en-SG" sz="1200" dirty="0"/>
+              <a:t>ps0</a:t>
             </a:r>
             <a:endParaRPr lang="en-US" sz="1200" dirty="0"/>
           </a:p>
@@ -35514,12 +35164,8 @@
           <a:lstStyle/>
           <a:p>
             <a:r>
-              <a:rPr lang="en-SG" sz="1200" dirty="0" smtClean="0"/>
-              <a:t>ps</a:t>
-            </a:r>
-            <a:r>
-              <a:rPr lang="en-SG" sz="1200" dirty="0" smtClean="0"/>
-              <a:t>5</a:t>
+              <a:rPr lang="en-SG" sz="1200" dirty="0"/>
+              <a:t>ps5</a:t>
             </a:r>
             <a:endParaRPr lang="en-US" sz="1200" dirty="0"/>
           </a:p>
@@ -35548,12 +35194,8 @@
           <a:lstStyle/>
           <a:p>
             <a:r>
-              <a:rPr lang="en-SG" sz="1200" dirty="0" smtClean="0"/>
-              <a:t>ps</a:t>
-            </a:r>
-            <a:r>
-              <a:rPr lang="en-SG" sz="1200" dirty="0" smtClean="0"/>
-              <a:t>6</a:t>
+              <a:rPr lang="en-SG" sz="1200" dirty="0"/>
+              <a:t>ps6</a:t>
             </a:r>
             <a:endParaRPr lang="en-US" sz="1200" dirty="0"/>
           </a:p>
@@ -35582,12 +35224,8 @@
           <a:lstStyle/>
           <a:p>
             <a:r>
-              <a:rPr lang="en-SG" sz="1200" dirty="0" smtClean="0"/>
-              <a:t>ps</a:t>
-            </a:r>
-            <a:r>
-              <a:rPr lang="en-SG" sz="1200" dirty="0" smtClean="0"/>
-              <a:t>2</a:t>
+              <a:rPr lang="en-SG" sz="1200" dirty="0"/>
+              <a:t>ps2</a:t>
             </a:r>
             <a:endParaRPr lang="en-US" sz="1200" dirty="0"/>
           </a:p>
@@ -35616,12 +35254,8 @@
           <a:lstStyle/>
           <a:p>
             <a:r>
-              <a:rPr lang="en-SG" sz="1200" dirty="0" smtClean="0"/>
-              <a:t>ps</a:t>
-            </a:r>
-            <a:r>
-              <a:rPr lang="en-SG" sz="1200" dirty="0" smtClean="0"/>
-              <a:t>7</a:t>
+              <a:rPr lang="en-SG" sz="1200" dirty="0"/>
+              <a:t>ps7</a:t>
             </a:r>
             <a:endParaRPr lang="en-US" sz="1200" dirty="0"/>
           </a:p>
@@ -35650,12 +35284,8 @@
           <a:lstStyle/>
           <a:p>
             <a:r>
-              <a:rPr lang="en-SG" sz="1200" dirty="0" smtClean="0"/>
-              <a:t>ps</a:t>
-            </a:r>
-            <a:r>
-              <a:rPr lang="en-SG" sz="1200" dirty="0" smtClean="0"/>
-              <a:t>3</a:t>
+              <a:rPr lang="en-SG" sz="1200" dirty="0"/>
+              <a:t>ps3</a:t>
             </a:r>
             <a:endParaRPr lang="en-US" sz="1200" dirty="0"/>
           </a:p>
@@ -35684,12 +35314,8 @@
           <a:lstStyle/>
           <a:p>
             <a:r>
-              <a:rPr lang="en-SG" sz="1200" dirty="0" smtClean="0"/>
-              <a:t>ps</a:t>
-            </a:r>
-            <a:r>
-              <a:rPr lang="en-SG" sz="1200" dirty="0" smtClean="0"/>
-              <a:t>4</a:t>
+              <a:rPr lang="en-SG" sz="1200" dirty="0"/>
+              <a:t>ps4</a:t>
             </a:r>
             <a:endParaRPr lang="en-US" sz="1200" dirty="0"/>
           </a:p>
@@ -36090,7 +35716,7 @@
           <a:p>
             <a:pPr algn="ctr"/>
             <a:r>
-              <a:rPr lang="en-SG" b="1" dirty="0" smtClean="0"/>
+              <a:rPr lang="en-SG" b="1" dirty="0"/>
               <a:t>Polygons</a:t>
             </a:r>
             <a:endParaRPr lang="en-US" b="1" dirty="0"/>
@@ -36124,7 +35750,7 @@
           <a:p>
             <a:pPr algn="ctr"/>
             <a:r>
-              <a:rPr lang="en-SG" i="1" dirty="0" smtClean="0"/>
+              <a:rPr lang="en-SG" i="1" dirty="0"/>
               <a:t>Topology Faces</a:t>
             </a:r>
             <a:endParaRPr lang="en-US" i="1" dirty="0"/>
@@ -36158,7 +35784,7 @@
           <a:p>
             <a:pPr algn="ctr"/>
             <a:r>
-              <a:rPr lang="en-SG" i="1" dirty="0" smtClean="0"/>
+              <a:rPr lang="en-SG" i="1" dirty="0"/>
               <a:t>Topology Wires</a:t>
             </a:r>
             <a:endParaRPr lang="en-US" i="1" dirty="0"/>
@@ -36192,7 +35818,7 @@
           <a:p>
             <a:pPr algn="ctr"/>
             <a:r>
-              <a:rPr lang="en-SG" i="1" dirty="0" smtClean="0"/>
+              <a:rPr lang="en-SG" i="1" dirty="0"/>
               <a:t>Topology Edges</a:t>
             </a:r>
             <a:endParaRPr lang="en-US" i="1" dirty="0"/>
@@ -36226,7 +35852,7 @@
           <a:p>
             <a:pPr algn="ctr"/>
             <a:r>
-              <a:rPr lang="en-SG" i="1" dirty="0" smtClean="0"/>
+              <a:rPr lang="en-SG" i="1" dirty="0"/>
               <a:t>Topology Vertices</a:t>
             </a:r>
             <a:endParaRPr lang="en-US" i="1" dirty="0"/>
@@ -36260,7 +35886,7 @@
           <a:p>
             <a:pPr algn="ctr"/>
             <a:r>
-              <a:rPr lang="en-SG" b="1" dirty="0" smtClean="0"/>
+              <a:rPr lang="en-SG" b="1" dirty="0"/>
               <a:t>Objects</a:t>
             </a:r>
             <a:endParaRPr lang="en-US" b="1" dirty="0"/>
@@ -36294,7 +35920,7 @@
           <a:p>
             <a:pPr algn="ctr"/>
             <a:r>
-              <a:rPr lang="en-SG" b="1" dirty="0" smtClean="0"/>
+              <a:rPr lang="en-SG" b="1" dirty="0"/>
               <a:t>Positions</a:t>
             </a:r>
             <a:endParaRPr lang="en-US" b="1" dirty="0"/>
@@ -36334,7 +35960,7 @@
           <a:p>
             <a:pPr algn="ctr"/>
             <a:r>
-              <a:rPr lang="en-SG" b="1" dirty="0" smtClean="0"/>
+              <a:rPr lang="en-SG" b="1" dirty="0"/>
               <a:t>pg0</a:t>
             </a:r>
             <a:endParaRPr lang="en-US" b="1" dirty="0"/>
@@ -36374,7 +36000,7 @@
           <a:p>
             <a:pPr algn="ctr"/>
             <a:r>
-              <a:rPr lang="en-SG" dirty="0" smtClean="0"/>
+              <a:rPr lang="en-SG" dirty="0"/>
               <a:t>_w0</a:t>
             </a:r>
             <a:endParaRPr lang="en-US" dirty="0"/>
@@ -36756,7 +36382,7 @@
           <a:p>
             <a:pPr algn="ctr"/>
             <a:r>
-              <a:rPr lang="en-SG" dirty="0" smtClean="0"/>
+              <a:rPr lang="en-SG" dirty="0"/>
               <a:t>_f0</a:t>
             </a:r>
             <a:endParaRPr lang="en-US" dirty="0"/>
@@ -36796,7 +36422,7 @@
           <a:p>
             <a:pPr algn="ctr"/>
             <a:r>
-              <a:rPr lang="en-SG" dirty="0" smtClean="0"/>
+              <a:rPr lang="en-SG" dirty="0"/>
               <a:t>_w1</a:t>
             </a:r>
             <a:endParaRPr lang="en-US" dirty="0"/>
@@ -36850,7 +36476,7 @@
             <a:p>
               <a:pPr algn="ctr"/>
               <a:r>
-                <a:rPr lang="en-SG" dirty="0" smtClean="0"/>
+                <a:rPr lang="en-SG" dirty="0"/>
                 <a:t>_v0</a:t>
               </a:r>
               <a:endParaRPr lang="en-US" dirty="0"/>
@@ -36890,7 +36516,7 @@
             <a:p>
               <a:pPr algn="ctr"/>
               <a:r>
-                <a:rPr lang="en-SG" dirty="0" smtClean="0"/>
+                <a:rPr lang="en-SG" dirty="0"/>
                 <a:t>_v1</a:t>
               </a:r>
               <a:endParaRPr lang="en-US" dirty="0"/>
@@ -36930,7 +36556,7 @@
             <a:p>
               <a:pPr algn="ctr"/>
               <a:r>
-                <a:rPr lang="en-SG" dirty="0" smtClean="0"/>
+                <a:rPr lang="en-SG" dirty="0"/>
                 <a:t>_v2</a:t>
               </a:r>
               <a:endParaRPr lang="en-US" dirty="0"/>
@@ -36970,7 +36596,7 @@
             <a:p>
               <a:pPr algn="ctr"/>
               <a:r>
-                <a:rPr lang="en-SG" dirty="0" smtClean="0"/>
+                <a:rPr lang="en-SG" dirty="0"/>
                 <a:t>_v3</a:t>
               </a:r>
               <a:endParaRPr lang="en-US" dirty="0"/>
@@ -37010,7 +36636,7 @@
             <a:p>
               <a:pPr algn="ctr"/>
               <a:r>
-                <a:rPr lang="en-SG" dirty="0" smtClean="0"/>
+                <a:rPr lang="en-SG" dirty="0"/>
                 <a:t>_v4</a:t>
               </a:r>
               <a:endParaRPr lang="en-US" dirty="0"/>
@@ -37065,7 +36691,7 @@
             <a:p>
               <a:pPr algn="ctr"/>
               <a:r>
-                <a:rPr lang="en-SG" dirty="0" smtClean="0"/>
+                <a:rPr lang="en-SG" dirty="0"/>
                 <a:t>_e0</a:t>
               </a:r>
               <a:endParaRPr lang="en-US" dirty="0"/>
@@ -37105,7 +36731,7 @@
             <a:p>
               <a:pPr algn="ctr"/>
               <a:r>
-                <a:rPr lang="en-SG" dirty="0" smtClean="0"/>
+                <a:rPr lang="en-SG" dirty="0"/>
                 <a:t>_e1</a:t>
               </a:r>
               <a:endParaRPr lang="en-US" dirty="0"/>
@@ -37145,7 +36771,7 @@
             <a:p>
               <a:pPr algn="ctr"/>
               <a:r>
-                <a:rPr lang="en-SG" dirty="0" smtClean="0"/>
+                <a:rPr lang="en-SG" dirty="0"/>
                 <a:t>_e2</a:t>
               </a:r>
               <a:endParaRPr lang="en-US" dirty="0"/>
@@ -37185,7 +36811,7 @@
             <a:p>
               <a:pPr algn="ctr"/>
               <a:r>
-                <a:rPr lang="en-SG" dirty="0" smtClean="0"/>
+                <a:rPr lang="en-SG" dirty="0"/>
                 <a:t>_e3</a:t>
               </a:r>
               <a:endParaRPr lang="en-US" dirty="0"/>
@@ -37225,7 +36851,7 @@
             <a:p>
               <a:pPr algn="ctr"/>
               <a:r>
-                <a:rPr lang="en-SG" dirty="0" smtClean="0"/>
+                <a:rPr lang="en-SG" dirty="0"/>
                 <a:t>_e4</a:t>
               </a:r>
               <a:endParaRPr lang="en-US" dirty="0"/>
@@ -37735,12 +37361,8 @@
             <a:p>
               <a:pPr algn="ctr"/>
               <a:r>
-                <a:rPr lang="en-SG" b="1" dirty="0" smtClean="0"/>
-                <a:t>ps</a:t>
-              </a:r>
-              <a:r>
-                <a:rPr lang="en-SG" b="1" dirty="0" smtClean="0"/>
-                <a:t>0</a:t>
+                <a:rPr lang="en-SG" b="1" dirty="0"/>
+                <a:t>ps0</a:t>
               </a:r>
               <a:endParaRPr lang="en-US" b="1" dirty="0"/>
             </a:p>
@@ -37775,12 +37397,8 @@
             <a:p>
               <a:pPr algn="ctr"/>
               <a:r>
-                <a:rPr lang="en-SG" b="1" dirty="0" smtClean="0"/>
-                <a:t>ps</a:t>
-              </a:r>
-              <a:r>
-                <a:rPr lang="en-SG" b="1" dirty="0" smtClean="0"/>
-                <a:t>1</a:t>
+                <a:rPr lang="en-SG" b="1" dirty="0"/>
+                <a:t>ps1</a:t>
               </a:r>
               <a:endParaRPr lang="en-US" b="1" dirty="0"/>
             </a:p>
@@ -37815,12 +37433,8 @@
             <a:p>
               <a:pPr algn="ctr"/>
               <a:r>
-                <a:rPr lang="en-SG" b="1" dirty="0" smtClean="0"/>
-                <a:t>ps</a:t>
-              </a:r>
-              <a:r>
-                <a:rPr lang="en-SG" b="1" dirty="0" smtClean="0"/>
-                <a:t>2</a:t>
+                <a:rPr lang="en-SG" b="1" dirty="0"/>
+                <a:t>ps2</a:t>
               </a:r>
               <a:endParaRPr lang="en-US" b="1" dirty="0"/>
             </a:p>
@@ -37855,12 +37469,8 @@
             <a:p>
               <a:pPr algn="ctr"/>
               <a:r>
-                <a:rPr lang="en-SG" b="1" dirty="0" smtClean="0"/>
-                <a:t>ps</a:t>
-              </a:r>
-              <a:r>
-                <a:rPr lang="en-SG" b="1" dirty="0" smtClean="0"/>
-                <a:t>3</a:t>
+                <a:rPr lang="en-SG" b="1" dirty="0"/>
+                <a:t>ps3</a:t>
               </a:r>
               <a:endParaRPr lang="en-US" b="1" dirty="0"/>
             </a:p>
@@ -37895,12 +37505,8 @@
             <a:p>
               <a:pPr algn="ctr"/>
               <a:r>
-                <a:rPr lang="en-SG" b="1" dirty="0" smtClean="0"/>
-                <a:t>ps</a:t>
-              </a:r>
-              <a:r>
-                <a:rPr lang="en-SG" b="1" dirty="0" smtClean="0"/>
-                <a:t>4</a:t>
+                <a:rPr lang="en-SG" b="1" dirty="0"/>
+                <a:t>ps4</a:t>
               </a:r>
               <a:endParaRPr lang="en-US" b="1" dirty="0"/>
             </a:p>
@@ -38125,19 +37731,14 @@
           <a:lstStyle/>
           <a:p>
             <a:r>
-              <a:rPr lang="en-SG" dirty="0" smtClean="0"/>
+              <a:rPr lang="en-SG" dirty="0"/>
               <a:t>Topological </a:t>
             </a:r>
-            <a:endParaRPr lang="en-SG" dirty="0" smtClean="0"/>
           </a:p>
           <a:p>
             <a:r>
-              <a:rPr lang="en-SG" dirty="0" smtClean="0"/>
-              <a:t>components </a:t>
-            </a:r>
-            <a:r>
-              <a:rPr lang="en-SG" dirty="0" smtClean="0"/>
-              <a:t>are connected in a hierarchy</a:t>
+              <a:rPr lang="en-SG" dirty="0"/>
+              <a:t>components are connected in a hierarchy</a:t>
             </a:r>
             <a:endParaRPr lang="en-US" dirty="0"/>
           </a:p>
@@ -38166,7 +37767,7 @@
           <a:lstStyle/>
           <a:p>
             <a:r>
-              <a:rPr lang="en-SG" sz="1200" b="1" dirty="0" smtClean="0"/>
+              <a:rPr lang="en-SG" sz="1200" b="1" dirty="0"/>
               <a:t>pg0</a:t>
             </a:r>
             <a:endParaRPr lang="en-US" sz="1200" b="1" dirty="0"/>
@@ -38183,13 +37784,6 @@
   <p:clrMapOvr>
     <a:masterClrMapping/>
   </p:clrMapOvr>
-  <p:timing>
-    <p:tnLst>
-      <p:par>
-        <p:cTn id="1" dur="indefinite" restart="never" nodeType="tmRoot"/>
-      </p:par>
-    </p:tnLst>
-  </p:timing>
 </p:sld>
 </file>
 
@@ -38353,7 +37947,7 @@
           <a:lstStyle/>
           <a:p>
             <a:r>
-              <a:rPr lang="en-SG" b="1" dirty="0" smtClean="0">
+              <a:rPr lang="en-SG" b="1" dirty="0">
                 <a:solidFill>
                   <a:schemeClr val="accent1"/>
                 </a:solidFill>
@@ -38401,7 +37995,7 @@
           <a:p>
             <a:pPr algn="ctr"/>
             <a:r>
-              <a:rPr lang="en-SG" b="1" dirty="0" smtClean="0">
+              <a:rPr lang="en-SG" b="1" dirty="0">
                 <a:solidFill>
                   <a:schemeClr val="accent2"/>
                 </a:solidFill>
@@ -38449,20 +38043,12 @@
           <a:p>
             <a:pPr algn="ctr"/>
             <a:r>
-              <a:rPr lang="en-SG" dirty="0" smtClean="0">
+              <a:rPr lang="en-SG" dirty="0">
                 <a:solidFill>
                   <a:schemeClr val="accent2"/>
                 </a:solidFill>
               </a:rPr>
-              <a:t>_</a:t>
-            </a:r>
-            <a:r>
-              <a:rPr lang="en-SG" dirty="0" smtClean="0">
-                <a:solidFill>
-                  <a:schemeClr val="accent2"/>
-                </a:solidFill>
-              </a:rPr>
-              <a:t>w1</a:t>
+              <a:t>_w1</a:t>
             </a:r>
             <a:endParaRPr lang="en-US" dirty="0">
               <a:solidFill>
@@ -38520,20 +38106,12 @@
             <a:p>
               <a:pPr algn="ctr"/>
               <a:r>
-                <a:rPr lang="en-SG" dirty="0" smtClean="0">
+                <a:rPr lang="en-SG" dirty="0">
                   <a:solidFill>
                     <a:schemeClr val="accent2"/>
                   </a:solidFill>
                 </a:rPr>
-                <a:t>_</a:t>
-              </a:r>
-              <a:r>
-                <a:rPr lang="en-SG" dirty="0" smtClean="0">
-                  <a:solidFill>
-                    <a:schemeClr val="accent2"/>
-                  </a:solidFill>
-                </a:rPr>
-                <a:t>e3</a:t>
+                <a:t>_e3</a:t>
               </a:r>
               <a:endParaRPr lang="en-US" dirty="0">
                 <a:solidFill>
@@ -38572,20 +38150,12 @@
             <a:p>
               <a:pPr algn="ctr"/>
               <a:r>
-                <a:rPr lang="en-SG" dirty="0" smtClean="0">
+                <a:rPr lang="en-SG" dirty="0">
                   <a:solidFill>
                     <a:schemeClr val="accent2"/>
                   </a:solidFill>
                 </a:rPr>
-                <a:t>_</a:t>
-              </a:r>
-              <a:r>
-                <a:rPr lang="en-SG" dirty="0" smtClean="0">
-                  <a:solidFill>
-                    <a:schemeClr val="accent2"/>
-                  </a:solidFill>
-                </a:rPr>
-                <a:t>e4</a:t>
+                <a:t>_e4</a:t>
               </a:r>
               <a:endParaRPr lang="en-US" dirty="0">
                 <a:solidFill>
@@ -38644,20 +38214,12 @@
             <a:p>
               <a:pPr algn="ctr"/>
               <a:r>
-                <a:rPr lang="en-SG" dirty="0" smtClean="0">
+                <a:rPr lang="en-SG" dirty="0">
                   <a:solidFill>
                     <a:schemeClr val="accent2"/>
                   </a:solidFill>
                 </a:rPr>
-                <a:t>_</a:t>
-              </a:r>
-              <a:r>
-                <a:rPr lang="en-SG" dirty="0" smtClean="0">
-                  <a:solidFill>
-                    <a:schemeClr val="accent2"/>
-                  </a:solidFill>
-                </a:rPr>
-                <a:t>v4</a:t>
+                <a:t>_v4</a:t>
               </a:r>
               <a:endParaRPr lang="en-US" dirty="0">
                 <a:solidFill>
@@ -38696,7 +38258,7 @@
             <a:p>
               <a:pPr algn="ctr"/>
               <a:r>
-                <a:rPr lang="en-SG" dirty="0" smtClean="0">
+                <a:rPr lang="en-SG" dirty="0">
                   <a:solidFill>
                     <a:schemeClr val="accent2"/>
                   </a:solidFill>
@@ -38740,20 +38302,12 @@
             <a:p>
               <a:pPr algn="ctr"/>
               <a:r>
-                <a:rPr lang="en-SG" dirty="0" smtClean="0">
+                <a:rPr lang="en-SG" dirty="0">
                   <a:solidFill>
                     <a:schemeClr val="accent2"/>
                   </a:solidFill>
                 </a:rPr>
-                <a:t>_</a:t>
-              </a:r>
-              <a:r>
-                <a:rPr lang="en-SG" dirty="0" smtClean="0">
-                  <a:solidFill>
-                    <a:schemeClr val="accent2"/>
-                  </a:solidFill>
-                </a:rPr>
-                <a:t>v6</a:t>
+                <a:t>_v6</a:t>
               </a:r>
               <a:endParaRPr lang="en-US" dirty="0">
                 <a:solidFill>
@@ -39142,7 +38696,7 @@
           <a:p>
             <a:pPr algn="ctr"/>
             <a:r>
-              <a:rPr lang="en-SG" b="1" dirty="0" smtClean="0">
+              <a:rPr lang="en-SG" b="1" dirty="0">
                 <a:solidFill>
                   <a:schemeClr val="accent1"/>
                 </a:solidFill>
@@ -39190,7 +38744,7 @@
           <a:p>
             <a:pPr algn="ctr"/>
             <a:r>
-              <a:rPr lang="en-SG" dirty="0" smtClean="0">
+              <a:rPr lang="en-SG" dirty="0">
                 <a:solidFill>
                   <a:schemeClr val="accent1"/>
                 </a:solidFill>
@@ -39253,7 +38807,7 @@
             <a:p>
               <a:pPr algn="ctr"/>
               <a:r>
-                <a:rPr lang="en-SG" dirty="0" smtClean="0">
+                <a:rPr lang="en-SG" dirty="0">
                   <a:solidFill>
                     <a:schemeClr val="accent1"/>
                   </a:solidFill>
@@ -39297,7 +38851,7 @@
             <a:p>
               <a:pPr algn="ctr"/>
               <a:r>
-                <a:rPr lang="en-SG" dirty="0" smtClean="0">
+                <a:rPr lang="en-SG" dirty="0">
                   <a:solidFill>
                     <a:schemeClr val="accent1"/>
                   </a:solidFill>
@@ -39341,7 +38895,7 @@
             <a:p>
               <a:pPr algn="ctr"/>
               <a:r>
-                <a:rPr lang="en-SG" dirty="0" smtClean="0">
+                <a:rPr lang="en-SG" dirty="0">
                   <a:solidFill>
                     <a:schemeClr val="accent1"/>
                   </a:solidFill>
@@ -39405,7 +38959,7 @@
             <a:p>
               <a:pPr algn="ctr"/>
               <a:r>
-                <a:rPr lang="en-SG" dirty="0" smtClean="0">
+                <a:rPr lang="en-SG" dirty="0">
                   <a:solidFill>
                     <a:schemeClr val="accent1"/>
                   </a:solidFill>
@@ -39449,7 +39003,7 @@
             <a:p>
               <a:pPr algn="ctr"/>
               <a:r>
-                <a:rPr lang="en-SG" dirty="0" smtClean="0">
+                <a:rPr lang="en-SG" dirty="0">
                   <a:solidFill>
                     <a:schemeClr val="accent1"/>
                   </a:solidFill>
@@ -39493,7 +39047,7 @@
             <a:p>
               <a:pPr algn="ctr"/>
               <a:r>
-                <a:rPr lang="en-SG" dirty="0" smtClean="0">
+                <a:rPr lang="en-SG" dirty="0">
                   <a:solidFill>
                     <a:schemeClr val="accent1"/>
                   </a:solidFill>
@@ -39537,7 +39091,7 @@
             <a:p>
               <a:pPr algn="ctr"/>
               <a:r>
-                <a:rPr lang="en-SG" dirty="0" smtClean="0">
+                <a:rPr lang="en-SG" dirty="0">
                   <a:solidFill>
                     <a:schemeClr val="accent1"/>
                   </a:solidFill>
@@ -39981,7 +39535,7 @@
             <a:p>
               <a:pPr algn="ctr"/>
               <a:r>
-                <a:rPr lang="en-SG" b="1" dirty="0" smtClean="0"/>
+                <a:rPr lang="en-SG" b="1" dirty="0"/>
                 <a:t>ps4</a:t>
               </a:r>
               <a:endParaRPr lang="en-US" b="1" dirty="0"/>
@@ -40021,12 +39575,8 @@
             <a:p>
               <a:pPr algn="ctr"/>
               <a:r>
-                <a:rPr lang="en-SG" b="1" dirty="0" smtClean="0"/>
-                <a:t>ps</a:t>
-              </a:r>
-              <a:r>
                 <a:rPr lang="en-SG" b="1" dirty="0"/>
-                <a:t>5</a:t>
+                <a:t>ps5</a:t>
               </a:r>
               <a:endParaRPr lang="en-US" b="1" dirty="0"/>
             </a:p>
@@ -40065,12 +39615,8 @@
             <a:p>
               <a:pPr algn="ctr"/>
               <a:r>
-                <a:rPr lang="en-SG" b="1" dirty="0" smtClean="0"/>
-                <a:t>ps</a:t>
-              </a:r>
-              <a:r>
-                <a:rPr lang="en-SG" b="1" dirty="0" smtClean="0"/>
-                <a:t>0</a:t>
+                <a:rPr lang="en-SG" b="1" dirty="0"/>
+                <a:t>ps0</a:t>
               </a:r>
               <a:endParaRPr lang="en-US" b="1" dirty="0"/>
             </a:p>
@@ -40109,12 +39655,8 @@
             <a:p>
               <a:pPr algn="ctr"/>
               <a:r>
-                <a:rPr lang="en-SG" b="1" dirty="0" smtClean="0"/>
-                <a:t>ps</a:t>
-              </a:r>
-              <a:r>
-                <a:rPr lang="en-SG" b="1" dirty="0" smtClean="0"/>
-                <a:t>1</a:t>
+                <a:rPr lang="en-SG" b="1" dirty="0"/>
+                <a:t>ps1</a:t>
               </a:r>
               <a:endParaRPr lang="en-US" b="1" dirty="0"/>
             </a:p>
@@ -40153,12 +39695,8 @@
             <a:p>
               <a:pPr algn="ctr"/>
               <a:r>
-                <a:rPr lang="en-SG" b="1" dirty="0" smtClean="0"/>
-                <a:t>ps</a:t>
-              </a:r>
-              <a:r>
-                <a:rPr lang="en-SG" b="1" dirty="0" smtClean="0"/>
-                <a:t>2</a:t>
+                <a:rPr lang="en-SG" b="1" dirty="0"/>
+                <a:t>ps2</a:t>
               </a:r>
               <a:endParaRPr lang="en-US" b="1" dirty="0"/>
             </a:p>
@@ -40197,12 +39735,8 @@
             <a:p>
               <a:pPr algn="ctr"/>
               <a:r>
-                <a:rPr lang="en-SG" b="1" dirty="0" smtClean="0"/>
-                <a:t>ps</a:t>
-              </a:r>
-              <a:r>
-                <a:rPr lang="en-SG" b="1" dirty="0" smtClean="0"/>
-                <a:t>3</a:t>
+                <a:rPr lang="en-SG" b="1" dirty="0"/>
+                <a:t>ps3</a:t>
               </a:r>
               <a:endParaRPr lang="en-US" b="1" dirty="0"/>
             </a:p>
@@ -40458,7 +39992,7 @@
           <a:lstStyle/>
           <a:p>
             <a:r>
-              <a:rPr lang="en-SG" b="1" dirty="0" smtClean="0">
+              <a:rPr lang="en-SG" b="1" dirty="0">
                 <a:solidFill>
                   <a:schemeClr val="accent2"/>
                 </a:solidFill>
@@ -40811,7 +40345,7 @@
           <a:lstStyle/>
           <a:p>
             <a:r>
-              <a:rPr lang="en-SG" b="1" dirty="0" smtClean="0"/>
+              <a:rPr lang="en-SG" b="1" dirty="0"/>
               <a:t>ps0</a:t>
             </a:r>
             <a:endParaRPr lang="en-US" b="1" dirty="0"/>
@@ -40841,7 +40375,7 @@
           <a:lstStyle/>
           <a:p>
             <a:r>
-              <a:rPr lang="en-SG" b="1" dirty="0" smtClean="0"/>
+              <a:rPr lang="en-SG" b="1" dirty="0"/>
               <a:t>ps1</a:t>
             </a:r>
             <a:endParaRPr lang="en-US" b="1" dirty="0"/>
@@ -40871,7 +40405,7 @@
           <a:lstStyle/>
           <a:p>
             <a:r>
-              <a:rPr lang="en-SG" b="1" dirty="0" smtClean="0"/>
+              <a:rPr lang="en-SG" b="1" dirty="0"/>
               <a:t>ps3</a:t>
             </a:r>
             <a:endParaRPr lang="en-US" b="1" dirty="0"/>
@@ -40901,7 +40435,7 @@
           <a:lstStyle/>
           <a:p>
             <a:r>
-              <a:rPr lang="en-SG" b="1" dirty="0" smtClean="0"/>
+              <a:rPr lang="en-SG" b="1" dirty="0"/>
               <a:t>ps4</a:t>
             </a:r>
             <a:endParaRPr lang="en-US" b="1" dirty="0"/>
@@ -40931,7 +40465,7 @@
           <a:lstStyle/>
           <a:p>
             <a:r>
-              <a:rPr lang="en-SG" b="1" dirty="0" smtClean="0"/>
+              <a:rPr lang="en-SG" b="1" dirty="0"/>
               <a:t>ps5</a:t>
             </a:r>
             <a:endParaRPr lang="en-US" b="1" dirty="0"/>
@@ -40961,14 +40495,14 @@
           <a:lstStyle/>
           <a:p>
             <a:r>
-              <a:rPr lang="en-SG" dirty="0" smtClean="0"/>
+              <a:rPr lang="en-SG" dirty="0"/>
               <a:t>Polyline 0 has </a:t>
             </a:r>
             <a:br>
-              <a:rPr lang="en-SG" dirty="0" smtClean="0"/>
+              <a:rPr lang="en-SG" dirty="0"/>
             </a:br>
             <a:r>
-              <a:rPr lang="en-SG" dirty="0" smtClean="0"/>
+              <a:rPr lang="en-SG" dirty="0"/>
               <a:t>4 vertices</a:t>
             </a:r>
             <a:endParaRPr lang="en-US" dirty="0"/>
@@ -40999,14 +40533,14 @@
           <a:p>
             <a:pPr algn="r"/>
             <a:r>
-              <a:rPr lang="en-SG" dirty="0" smtClean="0"/>
+              <a:rPr lang="en-SG" dirty="0"/>
               <a:t>Polyline 1 has </a:t>
             </a:r>
             <a:br>
-              <a:rPr lang="en-SG" dirty="0" smtClean="0"/>
+              <a:rPr lang="en-SG" dirty="0"/>
             </a:br>
             <a:r>
-              <a:rPr lang="en-SG" dirty="0" smtClean="0"/>
+              <a:rPr lang="en-SG" dirty="0"/>
               <a:t>3 vertices</a:t>
             </a:r>
             <a:endParaRPr lang="en-US" dirty="0"/>
@@ -41037,11 +40571,11 @@
           <a:p>
             <a:pPr algn="ctr"/>
             <a:r>
-              <a:rPr lang="en-SG" dirty="0" smtClean="0"/>
+              <a:rPr lang="en-SG" dirty="0"/>
               <a:t>The two polylines share position </a:t>
             </a:r>
             <a:r>
-              <a:rPr lang="en-SG" b="1" dirty="0" smtClean="0"/>
+              <a:rPr lang="en-SG" b="1" dirty="0"/>
               <a:t>ps2</a:t>
             </a:r>
             <a:endParaRPr lang="en-US" b="1" dirty="0"/>
@@ -41107,7 +40641,7 @@
           <a:lstStyle/>
           <a:p>
             <a:r>
-              <a:rPr lang="en-SG" b="1" dirty="0" smtClean="0"/>
+              <a:rPr lang="en-SG" b="1" dirty="0"/>
               <a:t>ps2</a:t>
             </a:r>
             <a:endParaRPr lang="en-US" b="1" dirty="0"/>
@@ -41124,13 +40658,6 @@
   <p:clrMapOvr>
     <a:masterClrMapping/>
   </p:clrMapOvr>
-  <p:timing>
-    <p:tnLst>
-      <p:par>
-        <p:cTn id="1" dur="indefinite" restart="never" nodeType="tmRoot"/>
-      </p:par>
-    </p:tnLst>
-  </p:timing>
 </p:sld>
 </file>
 
@@ -41294,7 +40821,7 @@
           <a:lstStyle/>
           <a:p>
             <a:r>
-              <a:rPr lang="en-SG" b="1" dirty="0" smtClean="0">
+              <a:rPr lang="en-SG" b="1" dirty="0">
                 <a:solidFill>
                   <a:schemeClr val="accent1"/>
                 </a:solidFill>
@@ -41342,7 +40869,7 @@
           <a:p>
             <a:pPr algn="ctr"/>
             <a:r>
-              <a:rPr lang="en-SG" b="1" dirty="0" smtClean="0">
+              <a:rPr lang="en-SG" b="1" dirty="0">
                 <a:solidFill>
                   <a:schemeClr val="accent2"/>
                 </a:solidFill>
@@ -41390,20 +40917,12 @@
           <a:p>
             <a:pPr algn="ctr"/>
             <a:r>
-              <a:rPr lang="en-SG" dirty="0" smtClean="0">
+              <a:rPr lang="en-SG" dirty="0">
                 <a:solidFill>
                   <a:schemeClr val="accent2"/>
                 </a:solidFill>
               </a:rPr>
-              <a:t>_</a:t>
-            </a:r>
-            <a:r>
-              <a:rPr lang="en-SG" dirty="0" smtClean="0">
-                <a:solidFill>
-                  <a:schemeClr val="accent2"/>
-                </a:solidFill>
-              </a:rPr>
-              <a:t>w1</a:t>
+              <a:t>_w1</a:t>
             </a:r>
             <a:endParaRPr lang="en-US" dirty="0">
               <a:solidFill>
@@ -41461,20 +40980,12 @@
             <a:p>
               <a:pPr algn="ctr"/>
               <a:r>
-                <a:rPr lang="en-SG" dirty="0" smtClean="0">
+                <a:rPr lang="en-SG" dirty="0">
                   <a:solidFill>
                     <a:schemeClr val="accent2"/>
                   </a:solidFill>
                 </a:rPr>
-                <a:t>_</a:t>
-              </a:r>
-              <a:r>
-                <a:rPr lang="en-SG" dirty="0" smtClean="0">
-                  <a:solidFill>
-                    <a:schemeClr val="accent2"/>
-                  </a:solidFill>
-                </a:rPr>
-                <a:t>e3</a:t>
+                <a:t>_e3</a:t>
               </a:r>
               <a:endParaRPr lang="en-US" dirty="0">
                 <a:solidFill>
@@ -41513,20 +41024,12 @@
             <a:p>
               <a:pPr algn="ctr"/>
               <a:r>
-                <a:rPr lang="en-SG" dirty="0" smtClean="0">
+                <a:rPr lang="en-SG" dirty="0">
                   <a:solidFill>
                     <a:schemeClr val="accent2"/>
                   </a:solidFill>
                 </a:rPr>
-                <a:t>_</a:t>
-              </a:r>
-              <a:r>
-                <a:rPr lang="en-SG" dirty="0" smtClean="0">
-                  <a:solidFill>
-                    <a:schemeClr val="accent2"/>
-                  </a:solidFill>
-                </a:rPr>
-                <a:t>e4</a:t>
+                <a:t>_e4</a:t>
               </a:r>
               <a:endParaRPr lang="en-US" dirty="0">
                 <a:solidFill>
@@ -41585,20 +41088,12 @@
             <a:p>
               <a:pPr algn="ctr"/>
               <a:r>
-                <a:rPr lang="en-SG" dirty="0" smtClean="0">
+                <a:rPr lang="en-SG" dirty="0">
                   <a:solidFill>
                     <a:schemeClr val="accent2"/>
                   </a:solidFill>
                 </a:rPr>
-                <a:t>_</a:t>
-              </a:r>
-              <a:r>
-                <a:rPr lang="en-SG" dirty="0" smtClean="0">
-                  <a:solidFill>
-                    <a:schemeClr val="accent2"/>
-                  </a:solidFill>
-                </a:rPr>
-                <a:t>v4</a:t>
+                <a:t>_v4</a:t>
               </a:r>
               <a:endParaRPr lang="en-US" dirty="0">
                 <a:solidFill>
@@ -41637,7 +41132,7 @@
             <a:p>
               <a:pPr algn="ctr"/>
               <a:r>
-                <a:rPr lang="en-SG" dirty="0" smtClean="0">
+                <a:rPr lang="en-SG" dirty="0">
                   <a:solidFill>
                     <a:schemeClr val="accent2"/>
                   </a:solidFill>
@@ -41681,20 +41176,12 @@
             <a:p>
               <a:pPr algn="ctr"/>
               <a:r>
-                <a:rPr lang="en-SG" dirty="0" smtClean="0">
+                <a:rPr lang="en-SG" dirty="0">
                   <a:solidFill>
                     <a:schemeClr val="accent2"/>
                   </a:solidFill>
                 </a:rPr>
-                <a:t>_</a:t>
-              </a:r>
-              <a:r>
-                <a:rPr lang="en-SG" dirty="0" smtClean="0">
-                  <a:solidFill>
-                    <a:schemeClr val="accent2"/>
-                  </a:solidFill>
-                </a:rPr>
-                <a:t>v6</a:t>
+                <a:t>_v6</a:t>
               </a:r>
               <a:endParaRPr lang="en-US" dirty="0">
                 <a:solidFill>
@@ -42083,7 +41570,7 @@
           <a:p>
             <a:pPr algn="ctr"/>
             <a:r>
-              <a:rPr lang="en-SG" b="1" dirty="0" smtClean="0">
+              <a:rPr lang="en-SG" b="1" dirty="0">
                 <a:solidFill>
                   <a:schemeClr val="accent1"/>
                 </a:solidFill>
@@ -42131,7 +41618,7 @@
           <a:p>
             <a:pPr algn="ctr"/>
             <a:r>
-              <a:rPr lang="en-SG" dirty="0" smtClean="0">
+              <a:rPr lang="en-SG" dirty="0">
                 <a:solidFill>
                   <a:schemeClr val="accent1"/>
                 </a:solidFill>
@@ -42194,7 +41681,7 @@
             <a:p>
               <a:pPr algn="ctr"/>
               <a:r>
-                <a:rPr lang="en-SG" dirty="0" smtClean="0">
+                <a:rPr lang="en-SG" dirty="0">
                   <a:solidFill>
                     <a:schemeClr val="accent1"/>
                   </a:solidFill>
@@ -42238,7 +41725,7 @@
             <a:p>
               <a:pPr algn="ctr"/>
               <a:r>
-                <a:rPr lang="en-SG" dirty="0" smtClean="0">
+                <a:rPr lang="en-SG" dirty="0">
                   <a:solidFill>
                     <a:schemeClr val="accent1"/>
                   </a:solidFill>
@@ -42282,7 +41769,7 @@
             <a:p>
               <a:pPr algn="ctr"/>
               <a:r>
-                <a:rPr lang="en-SG" dirty="0" smtClean="0">
+                <a:rPr lang="en-SG" dirty="0">
                   <a:solidFill>
                     <a:schemeClr val="accent1"/>
                   </a:solidFill>
@@ -42346,7 +41833,7 @@
             <a:p>
               <a:pPr algn="ctr"/>
               <a:r>
-                <a:rPr lang="en-SG" dirty="0" smtClean="0">
+                <a:rPr lang="en-SG" dirty="0">
                   <a:solidFill>
                     <a:schemeClr val="accent1"/>
                   </a:solidFill>
@@ -42390,7 +41877,7 @@
             <a:p>
               <a:pPr algn="ctr"/>
               <a:r>
-                <a:rPr lang="en-SG" dirty="0" smtClean="0">
+                <a:rPr lang="en-SG" dirty="0">
                   <a:solidFill>
                     <a:schemeClr val="accent1"/>
                   </a:solidFill>
@@ -42434,7 +41921,7 @@
             <a:p>
               <a:pPr algn="ctr"/>
               <a:r>
-                <a:rPr lang="en-SG" dirty="0" smtClean="0">
+                <a:rPr lang="en-SG" dirty="0">
                   <a:solidFill>
                     <a:schemeClr val="accent1"/>
                   </a:solidFill>
@@ -42478,7 +41965,7 @@
             <a:p>
               <a:pPr algn="ctr"/>
               <a:r>
-                <a:rPr lang="en-SG" dirty="0" smtClean="0">
+                <a:rPr lang="en-SG" dirty="0">
                   <a:solidFill>
                     <a:schemeClr val="accent1"/>
                   </a:solidFill>
@@ -42922,7 +42409,7 @@
             <a:p>
               <a:pPr algn="ctr"/>
               <a:r>
-                <a:rPr lang="en-SG" b="1" dirty="0" smtClean="0"/>
+                <a:rPr lang="en-SG" b="1" dirty="0"/>
                 <a:t>ps4</a:t>
               </a:r>
               <a:endParaRPr lang="en-US" b="1" dirty="0"/>
@@ -42962,12 +42449,8 @@
             <a:p>
               <a:pPr algn="ctr"/>
               <a:r>
-                <a:rPr lang="en-SG" b="1" dirty="0" smtClean="0"/>
-                <a:t>ps</a:t>
-              </a:r>
-              <a:r>
                 <a:rPr lang="en-SG" b="1" dirty="0"/>
-                <a:t>5</a:t>
+                <a:t>ps5</a:t>
               </a:r>
               <a:endParaRPr lang="en-US" b="1" dirty="0"/>
             </a:p>
@@ -43006,12 +42489,8 @@
             <a:p>
               <a:pPr algn="ctr"/>
               <a:r>
-                <a:rPr lang="en-SG" b="1" dirty="0" smtClean="0"/>
-                <a:t>ps</a:t>
-              </a:r>
-              <a:r>
-                <a:rPr lang="en-SG" b="1" dirty="0" smtClean="0"/>
-                <a:t>0</a:t>
+                <a:rPr lang="en-SG" b="1" dirty="0"/>
+                <a:t>ps0</a:t>
               </a:r>
               <a:endParaRPr lang="en-US" b="1" dirty="0"/>
             </a:p>
@@ -43050,12 +42529,8 @@
             <a:p>
               <a:pPr algn="ctr"/>
               <a:r>
-                <a:rPr lang="en-SG" b="1" dirty="0" smtClean="0"/>
-                <a:t>ps</a:t>
-              </a:r>
-              <a:r>
-                <a:rPr lang="en-SG" b="1" dirty="0" smtClean="0"/>
-                <a:t>1</a:t>
+                <a:rPr lang="en-SG" b="1" dirty="0"/>
+                <a:t>ps1</a:t>
               </a:r>
               <a:endParaRPr lang="en-US" b="1" dirty="0"/>
             </a:p>
@@ -43094,12 +42569,8 @@
             <a:p>
               <a:pPr algn="ctr"/>
               <a:r>
-                <a:rPr lang="en-SG" b="1" dirty="0" smtClean="0"/>
-                <a:t>ps</a:t>
-              </a:r>
-              <a:r>
-                <a:rPr lang="en-SG" b="1" dirty="0" smtClean="0"/>
-                <a:t>2</a:t>
+                <a:rPr lang="en-SG" b="1" dirty="0"/>
+                <a:t>ps2</a:t>
               </a:r>
               <a:endParaRPr lang="en-US" b="1" dirty="0"/>
             </a:p>
@@ -43138,12 +42609,8 @@
             <a:p>
               <a:pPr algn="ctr"/>
               <a:r>
-                <a:rPr lang="en-SG" b="1" dirty="0" smtClean="0"/>
-                <a:t>ps</a:t>
-              </a:r>
-              <a:r>
-                <a:rPr lang="en-SG" b="1" dirty="0" smtClean="0"/>
-                <a:t>3</a:t>
+                <a:rPr lang="en-SG" b="1" dirty="0"/>
+                <a:t>ps3</a:t>
               </a:r>
               <a:endParaRPr lang="en-US" b="1" dirty="0"/>
             </a:p>
@@ -43182,7 +42649,7 @@
             <a:p>
               <a:pPr algn="ctr"/>
               <a:r>
-                <a:rPr lang="en-SG" b="1" dirty="0" smtClean="0"/>
+                <a:rPr lang="en-SG" b="1" dirty="0"/>
                 <a:t>ps6</a:t>
               </a:r>
               <a:endParaRPr lang="en-US" b="1" dirty="0"/>
@@ -43439,7 +42906,7 @@
           <a:lstStyle/>
           <a:p>
             <a:r>
-              <a:rPr lang="en-SG" b="1" dirty="0" smtClean="0">
+              <a:rPr lang="en-SG" b="1" dirty="0">
                 <a:solidFill>
                   <a:schemeClr val="accent2"/>
                 </a:solidFill>
@@ -43792,7 +43259,7 @@
           <a:lstStyle/>
           <a:p>
             <a:r>
-              <a:rPr lang="en-SG" b="1" dirty="0" smtClean="0"/>
+              <a:rPr lang="en-SG" b="1" dirty="0"/>
               <a:t>ps0</a:t>
             </a:r>
             <a:endParaRPr lang="en-US" b="1" dirty="0"/>
@@ -43822,7 +43289,7 @@
           <a:lstStyle/>
           <a:p>
             <a:r>
-              <a:rPr lang="en-SG" b="1" dirty="0" smtClean="0"/>
+              <a:rPr lang="en-SG" b="1" dirty="0"/>
               <a:t>ps1</a:t>
             </a:r>
             <a:endParaRPr lang="en-US" b="1" dirty="0"/>
@@ -43852,7 +43319,7 @@
           <a:lstStyle/>
           <a:p>
             <a:r>
-              <a:rPr lang="en-SG" b="1" dirty="0" smtClean="0"/>
+              <a:rPr lang="en-SG" b="1" dirty="0"/>
               <a:t>ps2</a:t>
             </a:r>
             <a:endParaRPr lang="en-US" b="1" dirty="0"/>
@@ -43882,7 +43349,7 @@
           <a:lstStyle/>
           <a:p>
             <a:r>
-              <a:rPr lang="en-SG" b="1" dirty="0" smtClean="0"/>
+              <a:rPr lang="en-SG" b="1" dirty="0"/>
               <a:t>ps3</a:t>
             </a:r>
             <a:endParaRPr lang="en-US" b="1" dirty="0"/>
@@ -43912,7 +43379,7 @@
           <a:lstStyle/>
           <a:p>
             <a:r>
-              <a:rPr lang="en-SG" b="1" dirty="0" smtClean="0"/>
+              <a:rPr lang="en-SG" b="1" dirty="0"/>
               <a:t>ps4</a:t>
             </a:r>
             <a:endParaRPr lang="en-US" b="1" dirty="0"/>
@@ -43942,7 +43409,7 @@
           <a:lstStyle/>
           <a:p>
             <a:r>
-              <a:rPr lang="en-SG" b="1" dirty="0" smtClean="0"/>
+              <a:rPr lang="en-SG" b="1" dirty="0"/>
               <a:t>ps5</a:t>
             </a:r>
             <a:endParaRPr lang="en-US" b="1" dirty="0"/>
@@ -43972,14 +43439,14 @@
           <a:lstStyle/>
           <a:p>
             <a:r>
-              <a:rPr lang="en-SG" dirty="0" smtClean="0"/>
+              <a:rPr lang="en-SG" dirty="0"/>
               <a:t>Polyline 0 has </a:t>
             </a:r>
             <a:br>
-              <a:rPr lang="en-SG" dirty="0" smtClean="0"/>
+              <a:rPr lang="en-SG" dirty="0"/>
             </a:br>
             <a:r>
-              <a:rPr lang="en-SG" dirty="0" smtClean="0"/>
+              <a:rPr lang="en-SG" dirty="0"/>
               <a:t>4 vertices</a:t>
             </a:r>
             <a:endParaRPr lang="en-US" dirty="0"/>
@@ -44010,14 +43477,14 @@
           <a:p>
             <a:pPr algn="r"/>
             <a:r>
-              <a:rPr lang="en-SG" dirty="0" smtClean="0"/>
+              <a:rPr lang="en-SG" dirty="0"/>
               <a:t>Polyline 1 has </a:t>
             </a:r>
             <a:br>
-              <a:rPr lang="en-SG" dirty="0" smtClean="0"/>
+              <a:rPr lang="en-SG" dirty="0"/>
             </a:br>
             <a:r>
-              <a:rPr lang="en-SG" dirty="0" smtClean="0"/>
+              <a:rPr lang="en-SG" dirty="0"/>
               <a:t>3 vertices</a:t>
             </a:r>
             <a:endParaRPr lang="en-US" dirty="0"/>
@@ -44048,16 +43515,8 @@
           <a:p>
             <a:pPr algn="ctr"/>
             <a:r>
-              <a:rPr lang="en-SG" dirty="0" smtClean="0"/>
-              <a:t>The two polylines </a:t>
-            </a:r>
-            <a:r>
-              <a:rPr lang="en-SG" dirty="0" smtClean="0"/>
-              <a:t>do not </a:t>
-            </a:r>
-            <a:r>
-              <a:rPr lang="en-SG" dirty="0" smtClean="0"/>
-              <a:t>share any positions</a:t>
+              <a:rPr lang="en-SG" dirty="0"/>
+              <a:t>The two polylines do not share any positions</a:t>
             </a:r>
             <a:endParaRPr lang="en-US" b="1" dirty="0"/>
           </a:p>
@@ -44122,7 +43581,7 @@
           <a:lstStyle/>
           <a:p>
             <a:r>
-              <a:rPr lang="en-SG" b="1" dirty="0" smtClean="0"/>
+              <a:rPr lang="en-SG" b="1" dirty="0"/>
               <a:t>ps6</a:t>
             </a:r>
             <a:endParaRPr lang="en-US" b="1" dirty="0"/>
@@ -44139,13 +43598,6 @@
   <p:clrMapOvr>
     <a:masterClrMapping/>
   </p:clrMapOvr>
-  <p:timing>
-    <p:tnLst>
-      <p:par>
-        <p:cTn id="1" dur="indefinite" restart="never" nodeType="tmRoot"/>
-      </p:par>
-    </p:tnLst>
-  </p:timing>
 </p:sld>
 </file>
 
